--- a/figures.pptx
+++ b/figures.pptx
@@ -6,6 +6,7 @@
   </p:sldMasterIdLst>
   <p:sldIdLst>
     <p:sldId id="256" r:id="rId2"/>
+    <p:sldId id="257" r:id="rId3"/>
   </p:sldIdLst>
   <p:sldSz cx="12192000" cy="6858000"/>
   <p:notesSz cx="6858000" cy="9144000"/>
@@ -104,6 +105,11 @@
       </a:defRPr>
     </a:lvl9pPr>
   </p:defaultTextStyle>
+  <p:extLst>
+    <p:ext uri="{EFAFB233-063F-42B5-8137-9DF3F51BA10A}">
+      <p15:sldGuideLst xmlns:p15="http://schemas.microsoft.com/office/powerpoint/2012/main"/>
+    </p:ext>
+  </p:extLst>
 </p:presentation>
 </file>
 
@@ -3342,79 +3348,8 @@
           <a:chExt cx="0" cy="0"/>
         </a:xfrm>
       </p:grpSpPr>
-      <p:pic>
-        <p:nvPicPr>
-          <p:cNvPr id="5" name="图片 4">
-            <a:extLst>
-              <a:ext uri="{FF2B5EF4-FFF2-40B4-BE49-F238E27FC236}">
-                <a16:creationId xmlns:a16="http://schemas.microsoft.com/office/drawing/2014/main" id="{0C30C078-7741-48E4-94EC-5368A910D384}"/>
-              </a:ext>
-            </a:extLst>
-          </p:cNvPr>
-          <p:cNvPicPr>
-            <a:picLocks noChangeAspect="1"/>
-          </p:cNvPicPr>
-          <p:nvPr/>
-        </p:nvPicPr>
-        <p:blipFill rotWithShape="1">
-          <a:blip r:embed="rId2">
-            <a:extLst>
-              <a:ext uri="{28A0092B-C50C-407E-A947-70E740481C1C}">
-                <a14:useLocalDpi xmlns:a14="http://schemas.microsoft.com/office/drawing/2010/main" val="0"/>
-              </a:ext>
-            </a:extLst>
-          </a:blip>
-          <a:srcRect l="19245" t="16017" r="19497" b="32976"/>
-          <a:stretch/>
-        </p:blipFill>
-        <p:spPr>
-          <a:xfrm>
-            <a:off x="676275" y="495300"/>
-            <a:ext cx="2333626" cy="971550"/>
-          </a:xfrm>
-          <a:prstGeom prst="rect">
-            <a:avLst/>
-          </a:prstGeom>
-        </p:spPr>
-      </p:pic>
-      <p:pic>
-        <p:nvPicPr>
-          <p:cNvPr id="7" name="图片 6">
-            <a:extLst>
-              <a:ext uri="{FF2B5EF4-FFF2-40B4-BE49-F238E27FC236}">
-                <a16:creationId xmlns:a16="http://schemas.microsoft.com/office/drawing/2014/main" id="{8856448F-36CF-4AA3-8CDF-DD26863FAA5C}"/>
-              </a:ext>
-            </a:extLst>
-          </p:cNvPr>
-          <p:cNvPicPr>
-            <a:picLocks noChangeAspect="1"/>
-          </p:cNvPicPr>
-          <p:nvPr/>
-        </p:nvPicPr>
-        <p:blipFill>
-          <a:blip r:embed="rId3">
-            <a:extLst>
-              <a:ext uri="{28A0092B-C50C-407E-A947-70E740481C1C}">
-                <a14:useLocalDpi xmlns:a14="http://schemas.microsoft.com/office/drawing/2010/main" val="0"/>
-              </a:ext>
-            </a:extLst>
-          </a:blip>
-          <a:stretch>
-            <a:fillRect/>
-          </a:stretch>
-        </p:blipFill>
-        <p:spPr>
-          <a:xfrm>
-            <a:off x="3699665" y="38633"/>
-            <a:ext cx="1904762" cy="1904762"/>
-          </a:xfrm>
-          <a:prstGeom prst="rect">
-            <a:avLst/>
-          </a:prstGeom>
-        </p:spPr>
-      </p:pic>
-      <mc:AlternateContent xmlns:mc="http://schemas.openxmlformats.org/markup-compatibility/2006">
-        <mc:Choice xmlns:a14="http://schemas.microsoft.com/office/drawing/2010/main" Requires="a14">
+      <mc:AlternateContent xmlns:mc="http://schemas.openxmlformats.org/markup-compatibility/2006" xmlns:a14="http://schemas.microsoft.com/office/drawing/2010/main">
+        <mc:Choice Requires="a14">
           <p:sp>
             <p:nvSpPr>
               <p:cNvPr id="9" name="文本框 8">
@@ -3443,6 +3378,7 @@
               </a:bodyPr>
               <a:lstStyle/>
               <a:p>
+                <a:pPr/>
                 <a14:m>
                   <m:oMathPara xmlns:m="http://schemas.openxmlformats.org/officeDocument/2006/math">
                     <m:oMathParaPr>
@@ -3471,7 +3407,7 @@
             </p:txBody>
           </p:sp>
         </mc:Choice>
-        <mc:Fallback>
+        <mc:Fallback xmlns="">
           <p:sp>
             <p:nvSpPr>
               <p:cNvPr id="9" name="文本框 8">
@@ -3516,8 +3452,8 @@
           </p:sp>
         </mc:Fallback>
       </mc:AlternateContent>
-      <mc:AlternateContent xmlns:mc="http://schemas.openxmlformats.org/markup-compatibility/2006">
-        <mc:Choice xmlns:a14="http://schemas.microsoft.com/office/drawing/2010/main" Requires="a14">
+      <mc:AlternateContent xmlns:mc="http://schemas.openxmlformats.org/markup-compatibility/2006" xmlns:a14="http://schemas.microsoft.com/office/drawing/2010/main">
+        <mc:Choice Requires="a14">
           <p:sp>
             <p:nvSpPr>
               <p:cNvPr id="10" name="文本框 9">
@@ -3546,6 +3482,7 @@
               </a:bodyPr>
               <a:lstStyle/>
               <a:p>
+                <a:pPr/>
                 <a14:m>
                   <m:oMathPara xmlns:m="http://schemas.openxmlformats.org/officeDocument/2006/math">
                     <m:oMathParaPr>
@@ -3574,7 +3511,7 @@
             </p:txBody>
           </p:sp>
         </mc:Choice>
-        <mc:Fallback>
+        <mc:Fallback xmlns="">
           <p:sp>
             <p:nvSpPr>
               <p:cNvPr id="10" name="文本框 9">
@@ -3619,8 +3556,8 @@
           </p:sp>
         </mc:Fallback>
       </mc:AlternateContent>
-      <mc:AlternateContent xmlns:mc="http://schemas.openxmlformats.org/markup-compatibility/2006">
-        <mc:Choice xmlns:a14="http://schemas.microsoft.com/office/drawing/2010/main" Requires="a14">
+      <mc:AlternateContent xmlns:mc="http://schemas.openxmlformats.org/markup-compatibility/2006" xmlns:a14="http://schemas.microsoft.com/office/drawing/2010/main">
+        <mc:Choice Requires="a14">
           <p:sp>
             <p:nvSpPr>
               <p:cNvPr id="13" name="文本框 12">
@@ -3649,6 +3586,7 @@
               </a:bodyPr>
               <a:lstStyle/>
               <a:p>
+                <a:pPr/>
                 <a14:m>
                   <m:oMathPara xmlns:m="http://schemas.openxmlformats.org/officeDocument/2006/math">
                     <m:oMathParaPr>
@@ -3688,7 +3626,7 @@
             </p:txBody>
           </p:sp>
         </mc:Choice>
-        <mc:Fallback>
+        <mc:Fallback xmlns="">
           <p:sp>
             <p:nvSpPr>
               <p:cNvPr id="13" name="文本框 12">
@@ -3733,8 +3671,8 @@
           </p:sp>
         </mc:Fallback>
       </mc:AlternateContent>
-      <mc:AlternateContent xmlns:mc="http://schemas.openxmlformats.org/markup-compatibility/2006">
-        <mc:Choice xmlns:a14="http://schemas.microsoft.com/office/drawing/2010/main" Requires="a14">
+      <mc:AlternateContent xmlns:mc="http://schemas.openxmlformats.org/markup-compatibility/2006" xmlns:a14="http://schemas.microsoft.com/office/drawing/2010/main">
+        <mc:Choice Requires="a14">
           <p:sp>
             <p:nvSpPr>
               <p:cNvPr id="14" name="文本框 13">
@@ -3763,6 +3701,7 @@
               </a:bodyPr>
               <a:lstStyle/>
               <a:p>
+                <a:pPr/>
                 <a14:m>
                   <m:oMathPara xmlns:m="http://schemas.openxmlformats.org/officeDocument/2006/math">
                     <m:oMathParaPr>
@@ -3802,7 +3741,7 @@
             </p:txBody>
           </p:sp>
         </mc:Choice>
-        <mc:Fallback>
+        <mc:Fallback xmlns="">
           <p:sp>
             <p:nvSpPr>
               <p:cNvPr id="14" name="文本框 13">
@@ -3847,8 +3786,8 @@
           </p:sp>
         </mc:Fallback>
       </mc:AlternateContent>
-      <mc:AlternateContent xmlns:mc="http://schemas.openxmlformats.org/markup-compatibility/2006">
-        <mc:Choice xmlns:a14="http://schemas.microsoft.com/office/drawing/2010/main" Requires="a14">
+      <mc:AlternateContent xmlns:mc="http://schemas.openxmlformats.org/markup-compatibility/2006" xmlns:a14="http://schemas.microsoft.com/office/drawing/2010/main">
+        <mc:Choice Requires="a14">
           <p:sp>
             <p:nvSpPr>
               <p:cNvPr id="15" name="文本框 14">
@@ -3877,6 +3816,7 @@
               </a:bodyPr>
               <a:lstStyle/>
               <a:p>
+                <a:pPr/>
                 <a14:m>
                   <m:oMathPara xmlns:m="http://schemas.openxmlformats.org/officeDocument/2006/math">
                     <m:oMathParaPr>
@@ -3898,7 +3838,7 @@
             </p:txBody>
           </p:sp>
         </mc:Choice>
-        <mc:Fallback>
+        <mc:Fallback xmlns="">
           <p:sp>
             <p:nvSpPr>
               <p:cNvPr id="15" name="文本框 14">
@@ -3943,8 +3883,8 @@
           </p:sp>
         </mc:Fallback>
       </mc:AlternateContent>
-      <mc:AlternateContent xmlns:mc="http://schemas.openxmlformats.org/markup-compatibility/2006">
-        <mc:Choice xmlns:a14="http://schemas.microsoft.com/office/drawing/2010/main" Requires="a14">
+      <mc:AlternateContent xmlns:mc="http://schemas.openxmlformats.org/markup-compatibility/2006" xmlns:a14="http://schemas.microsoft.com/office/drawing/2010/main">
+        <mc:Choice Requires="a14">
           <p:sp>
             <p:nvSpPr>
               <p:cNvPr id="17" name="文本框 16">
@@ -3973,6 +3913,7 @@
               </a:bodyPr>
               <a:lstStyle/>
               <a:p>
+                <a:pPr/>
                 <a14:m>
                   <m:oMathPara xmlns:m="http://schemas.openxmlformats.org/officeDocument/2006/math">
                     <m:oMathParaPr>
@@ -3994,7 +3935,7 @@
             </p:txBody>
           </p:sp>
         </mc:Choice>
-        <mc:Fallback>
+        <mc:Fallback xmlns="">
           <p:sp>
             <p:nvSpPr>
               <p:cNvPr id="17" name="文本框 16">
@@ -4039,8 +3980,8 @@
           </p:sp>
         </mc:Fallback>
       </mc:AlternateContent>
-      <mc:AlternateContent xmlns:mc="http://schemas.openxmlformats.org/markup-compatibility/2006">
-        <mc:Choice xmlns:a14="http://schemas.microsoft.com/office/drawing/2010/main" Requires="a14">
+      <mc:AlternateContent xmlns:mc="http://schemas.openxmlformats.org/markup-compatibility/2006" xmlns:a14="http://schemas.microsoft.com/office/drawing/2010/main">
+        <mc:Choice Requires="a14">
           <p:sp>
             <p:nvSpPr>
               <p:cNvPr id="18" name="文本框 17">
@@ -4069,6 +4010,7 @@
               </a:bodyPr>
               <a:lstStyle/>
               <a:p>
+                <a:pPr/>
                 <a14:m>
                   <m:oMathPara xmlns:m="http://schemas.openxmlformats.org/officeDocument/2006/math">
                     <m:oMathParaPr>
@@ -4090,7 +4032,7 @@
             </p:txBody>
           </p:sp>
         </mc:Choice>
-        <mc:Fallback>
+        <mc:Fallback xmlns="">
           <p:sp>
             <p:nvSpPr>
               <p:cNvPr id="18" name="文本框 17">
@@ -4135,8 +4077,8 @@
           </p:sp>
         </mc:Fallback>
       </mc:AlternateContent>
-      <mc:AlternateContent xmlns:mc="http://schemas.openxmlformats.org/markup-compatibility/2006">
-        <mc:Choice xmlns:a14="http://schemas.microsoft.com/office/drawing/2010/main" Requires="a14">
+      <mc:AlternateContent xmlns:mc="http://schemas.openxmlformats.org/markup-compatibility/2006" xmlns:a14="http://schemas.microsoft.com/office/drawing/2010/main">
+        <mc:Choice Requires="a14">
           <p:sp>
             <p:nvSpPr>
               <p:cNvPr id="19" name="文本框 18">
@@ -4165,6 +4107,7 @@
               </a:bodyPr>
               <a:lstStyle/>
               <a:p>
+                <a:pPr/>
                 <a14:m>
                   <m:oMathPara xmlns:m="http://schemas.openxmlformats.org/officeDocument/2006/math">
                     <m:oMathParaPr>
@@ -4186,7 +4129,7 @@
             </p:txBody>
           </p:sp>
         </mc:Choice>
-        <mc:Fallback>
+        <mc:Fallback xmlns="">
           <p:sp>
             <p:nvSpPr>
               <p:cNvPr id="19" name="文本框 18">
@@ -4231,8 +4174,8 @@
           </p:sp>
         </mc:Fallback>
       </mc:AlternateContent>
-      <mc:AlternateContent xmlns:mc="http://schemas.openxmlformats.org/markup-compatibility/2006">
-        <mc:Choice xmlns:a14="http://schemas.microsoft.com/office/drawing/2010/main" Requires="a14">
+      <mc:AlternateContent xmlns:mc="http://schemas.openxmlformats.org/markup-compatibility/2006" xmlns:a14="http://schemas.microsoft.com/office/drawing/2010/main">
+        <mc:Choice Requires="a14">
           <p:sp>
             <p:nvSpPr>
               <p:cNvPr id="20" name="文本框 19">
@@ -4261,6 +4204,7 @@
               </a:bodyPr>
               <a:lstStyle/>
               <a:p>
+                <a:pPr/>
                 <a14:m>
                   <m:oMathPara xmlns:m="http://schemas.openxmlformats.org/officeDocument/2006/math">
                     <m:oMathParaPr>
@@ -4282,7 +4226,7 @@
             </p:txBody>
           </p:sp>
         </mc:Choice>
-        <mc:Fallback>
+        <mc:Fallback xmlns="">
           <p:sp>
             <p:nvSpPr>
               <p:cNvPr id="20" name="文本框 19">
@@ -4327,8 +4271,8 @@
           </p:sp>
         </mc:Fallback>
       </mc:AlternateContent>
-      <mc:AlternateContent xmlns:mc="http://schemas.openxmlformats.org/markup-compatibility/2006">
-        <mc:Choice xmlns:a14="http://schemas.microsoft.com/office/drawing/2010/main" Requires="a14">
+      <mc:AlternateContent xmlns:mc="http://schemas.openxmlformats.org/markup-compatibility/2006" xmlns:a14="http://schemas.microsoft.com/office/drawing/2010/main">
+        <mc:Choice Requires="a14">
           <p:sp>
             <p:nvSpPr>
               <p:cNvPr id="22" name="文本框 21">
@@ -4357,6 +4301,7 @@
               </a:bodyPr>
               <a:lstStyle/>
               <a:p>
+                <a:pPr/>
                 <a14:m>
                   <m:oMathPara xmlns:m="http://schemas.openxmlformats.org/officeDocument/2006/math">
                     <m:oMathParaPr>
@@ -4385,7 +4330,7 @@
             </p:txBody>
           </p:sp>
         </mc:Choice>
-        <mc:Fallback>
+        <mc:Fallback xmlns="">
           <p:sp>
             <p:nvSpPr>
               <p:cNvPr id="22" name="文本框 21">
@@ -4430,8 +4375,8 @@
           </p:sp>
         </mc:Fallback>
       </mc:AlternateContent>
-      <mc:AlternateContent xmlns:mc="http://schemas.openxmlformats.org/markup-compatibility/2006">
-        <mc:Choice xmlns:a14="http://schemas.microsoft.com/office/drawing/2010/main" Requires="a14">
+      <mc:AlternateContent xmlns:mc="http://schemas.openxmlformats.org/markup-compatibility/2006" xmlns:a14="http://schemas.microsoft.com/office/drawing/2010/main">
+        <mc:Choice Requires="a14">
           <p:sp>
             <p:nvSpPr>
               <p:cNvPr id="23" name="文本框 22">
@@ -4460,6 +4405,7 @@
               </a:bodyPr>
               <a:lstStyle/>
               <a:p>
+                <a:pPr/>
                 <a14:m>
                   <m:oMathPara xmlns:m="http://schemas.openxmlformats.org/officeDocument/2006/math">
                     <m:oMathParaPr>
@@ -4495,7 +4441,7 @@
             </p:txBody>
           </p:sp>
         </mc:Choice>
-        <mc:Fallback>
+        <mc:Fallback xmlns="">
           <p:sp>
             <p:nvSpPr>
               <p:cNvPr id="23" name="文本框 22">
@@ -4540,8 +4486,8 @@
           </p:sp>
         </mc:Fallback>
       </mc:AlternateContent>
-      <mc:AlternateContent xmlns:mc="http://schemas.openxmlformats.org/markup-compatibility/2006">
-        <mc:Choice xmlns:a14="http://schemas.microsoft.com/office/drawing/2010/main" Requires="a14">
+      <mc:AlternateContent xmlns:mc="http://schemas.openxmlformats.org/markup-compatibility/2006" xmlns:a14="http://schemas.microsoft.com/office/drawing/2010/main">
+        <mc:Choice Requires="a14">
           <p:sp>
             <p:nvSpPr>
               <p:cNvPr id="24" name="文本框 23">
@@ -4570,6 +4516,7 @@
               </a:bodyPr>
               <a:lstStyle/>
               <a:p>
+                <a:pPr/>
                 <a14:m>
                   <m:oMathPara xmlns:m="http://schemas.openxmlformats.org/officeDocument/2006/math">
                     <m:oMathParaPr>
@@ -4598,7 +4545,7 @@
             </p:txBody>
           </p:sp>
         </mc:Choice>
-        <mc:Fallback>
+        <mc:Fallback xmlns="">
           <p:sp>
             <p:nvSpPr>
               <p:cNvPr id="24" name="文本框 23">
@@ -4643,8 +4590,8 @@
           </p:sp>
         </mc:Fallback>
       </mc:AlternateContent>
-      <mc:AlternateContent xmlns:mc="http://schemas.openxmlformats.org/markup-compatibility/2006">
-        <mc:Choice xmlns:a14="http://schemas.microsoft.com/office/drawing/2010/main" Requires="a14">
+      <mc:AlternateContent xmlns:mc="http://schemas.openxmlformats.org/markup-compatibility/2006" xmlns:a14="http://schemas.microsoft.com/office/drawing/2010/main">
+        <mc:Choice Requires="a14">
           <p:sp>
             <p:nvSpPr>
               <p:cNvPr id="25" name="文本框 24">
@@ -4768,7 +4715,7 @@
             </p:txBody>
           </p:sp>
         </mc:Choice>
-        <mc:Fallback>
+        <mc:Fallback xmlns="">
           <p:sp>
             <p:nvSpPr>
               <p:cNvPr id="25" name="文本框 24">
@@ -4813,78 +4760,8 @@
           </p:sp>
         </mc:Fallback>
       </mc:AlternateContent>
-      <p:pic>
-        <p:nvPicPr>
-          <p:cNvPr id="27" name="图片 26">
-            <a:extLst>
-              <a:ext uri="{FF2B5EF4-FFF2-40B4-BE49-F238E27FC236}">
-                <a16:creationId xmlns:a16="http://schemas.microsoft.com/office/drawing/2014/main" id="{B33BF90D-251E-408A-9337-08DE137DBF60}"/>
-              </a:ext>
-            </a:extLst>
-          </p:cNvPr>
-          <p:cNvPicPr>
-            <a:picLocks noChangeAspect="1"/>
-          </p:cNvPicPr>
-          <p:nvPr/>
-        </p:nvPicPr>
-        <p:blipFill rotWithShape="1">
-          <a:blip r:embed="rId17">
-            <a:extLst>
-              <a:ext uri="{28A0092B-C50C-407E-A947-70E740481C1C}">
-                <a14:useLocalDpi xmlns:a14="http://schemas.microsoft.com/office/drawing/2010/main" val="0"/>
-              </a:ext>
-            </a:extLst>
-          </a:blip>
-          <a:srcRect l="19002" t="15996" r="19990" b="34664"/>
-          <a:stretch/>
-        </p:blipFill>
-        <p:spPr>
-          <a:xfrm>
-            <a:off x="704850" y="2876687"/>
-            <a:ext cx="2324100" cy="939801"/>
-          </a:xfrm>
-          <a:prstGeom prst="rect">
-            <a:avLst/>
-          </a:prstGeom>
-        </p:spPr>
-      </p:pic>
-      <p:pic>
-        <p:nvPicPr>
-          <p:cNvPr id="29" name="图片 28">
-            <a:extLst>
-              <a:ext uri="{FF2B5EF4-FFF2-40B4-BE49-F238E27FC236}">
-                <a16:creationId xmlns:a16="http://schemas.microsoft.com/office/drawing/2014/main" id="{B5C813A5-08CF-457D-8C62-FFFEECE609CA}"/>
-              </a:ext>
-            </a:extLst>
-          </p:cNvPr>
-          <p:cNvPicPr>
-            <a:picLocks noChangeAspect="1"/>
-          </p:cNvPicPr>
-          <p:nvPr/>
-        </p:nvPicPr>
-        <p:blipFill rotWithShape="1">
-          <a:blip r:embed="rId18">
-            <a:extLst>
-              <a:ext uri="{28A0092B-C50C-407E-A947-70E740481C1C}">
-                <a14:useLocalDpi xmlns:a14="http://schemas.microsoft.com/office/drawing/2010/main" val="0"/>
-              </a:ext>
-            </a:extLst>
-          </a:blip>
-          <a:srcRect l="10154" t="4575" r="7053" b="9154"/>
-          <a:stretch/>
-        </p:blipFill>
-        <p:spPr>
-          <a:xfrm>
-            <a:off x="3909392" y="2584174"/>
-            <a:ext cx="1577008" cy="1643270"/>
-          </a:xfrm>
-          <a:prstGeom prst="rect">
-            <a:avLst/>
-          </a:prstGeom>
-        </p:spPr>
-      </p:pic>
-      <mc:AlternateContent xmlns:mc="http://schemas.openxmlformats.org/markup-compatibility/2006">
-        <mc:Choice xmlns:a14="http://schemas.microsoft.com/office/drawing/2010/main" Requires="a14">
+      <mc:AlternateContent xmlns:mc="http://schemas.openxmlformats.org/markup-compatibility/2006" xmlns:a14="http://schemas.microsoft.com/office/drawing/2010/main">
+        <mc:Choice Requires="a14">
           <p:sp>
             <p:nvSpPr>
               <p:cNvPr id="30" name="文本框 29">
@@ -5008,7 +4885,7 @@
             </p:txBody>
           </p:sp>
         </mc:Choice>
-        <mc:Fallback>
+        <mc:Fallback xmlns="">
           <p:sp>
             <p:nvSpPr>
               <p:cNvPr id="30" name="文本框 29">
@@ -5053,78 +4930,8 @@
           </p:sp>
         </mc:Fallback>
       </mc:AlternateContent>
-      <p:pic>
-        <p:nvPicPr>
-          <p:cNvPr id="32" name="图片 31">
-            <a:extLst>
-              <a:ext uri="{FF2B5EF4-FFF2-40B4-BE49-F238E27FC236}">
-                <a16:creationId xmlns:a16="http://schemas.microsoft.com/office/drawing/2014/main" id="{FD0AF34E-AA2C-4C3C-85C4-F291E4EAEE44}"/>
-              </a:ext>
-            </a:extLst>
-          </p:cNvPr>
-          <p:cNvPicPr>
-            <a:picLocks noChangeAspect="1"/>
-          </p:cNvPicPr>
-          <p:nvPr/>
-        </p:nvPicPr>
-        <p:blipFill rotWithShape="1">
-          <a:blip r:embed="rId20">
-            <a:extLst>
-              <a:ext uri="{28A0092B-C50C-407E-A947-70E740481C1C}">
-                <a14:useLocalDpi xmlns:a14="http://schemas.microsoft.com/office/drawing/2010/main" val="0"/>
-              </a:ext>
-            </a:extLst>
-          </a:blip>
-          <a:srcRect l="19134" t="13995" r="19294" b="33129"/>
-          <a:stretch/>
-        </p:blipFill>
-        <p:spPr>
-          <a:xfrm>
-            <a:off x="715618" y="4810539"/>
-            <a:ext cx="2345634" cy="1007166"/>
-          </a:xfrm>
-          <a:prstGeom prst="rect">
-            <a:avLst/>
-          </a:prstGeom>
-        </p:spPr>
-      </p:pic>
-      <p:pic>
-        <p:nvPicPr>
-          <p:cNvPr id="34" name="图片 33">
-            <a:extLst>
-              <a:ext uri="{FF2B5EF4-FFF2-40B4-BE49-F238E27FC236}">
-                <a16:creationId xmlns:a16="http://schemas.microsoft.com/office/drawing/2014/main" id="{020F8D0B-6C4C-4B5F-B88D-5D846197B576}"/>
-              </a:ext>
-            </a:extLst>
-          </p:cNvPr>
-          <p:cNvPicPr>
-            <a:picLocks noChangeAspect="1"/>
-          </p:cNvPicPr>
-          <p:nvPr/>
-        </p:nvPicPr>
-        <p:blipFill rotWithShape="1">
-          <a:blip r:embed="rId21">
-            <a:extLst>
-              <a:ext uri="{28A0092B-C50C-407E-A947-70E740481C1C}">
-                <a14:useLocalDpi xmlns:a14="http://schemas.microsoft.com/office/drawing/2010/main" val="0"/>
-              </a:ext>
-            </a:extLst>
-          </a:blip>
-          <a:srcRect l="10343" t="7038" r="7560" b="11561"/>
-          <a:stretch/>
-        </p:blipFill>
-        <p:spPr>
-          <a:xfrm>
-            <a:off x="3922642" y="4638261"/>
-            <a:ext cx="1563757" cy="1550505"/>
-          </a:xfrm>
-          <a:prstGeom prst="rect">
-            <a:avLst/>
-          </a:prstGeom>
-        </p:spPr>
-      </p:pic>
-      <mc:AlternateContent xmlns:mc="http://schemas.openxmlformats.org/markup-compatibility/2006">
-        <mc:Choice xmlns:a14="http://schemas.microsoft.com/office/drawing/2010/main" Requires="a14">
+      <mc:AlternateContent xmlns:mc="http://schemas.openxmlformats.org/markup-compatibility/2006" xmlns:a14="http://schemas.microsoft.com/office/drawing/2010/main">
+        <mc:Choice Requires="a14">
           <p:sp>
             <p:nvSpPr>
               <p:cNvPr id="35" name="文本框 34">
@@ -5248,7 +5055,7 @@
             </p:txBody>
           </p:sp>
         </mc:Choice>
-        <mc:Fallback>
+        <mc:Fallback xmlns="">
           <p:sp>
             <p:nvSpPr>
               <p:cNvPr id="35" name="文本框 34">
@@ -5293,10 +5100,561 @@
           </p:sp>
         </mc:Fallback>
       </mc:AlternateContent>
+      <p:pic>
+        <p:nvPicPr>
+          <p:cNvPr id="3" name="图片 2">
+            <a:extLst>
+              <a:ext uri="{FF2B5EF4-FFF2-40B4-BE49-F238E27FC236}">
+                <a16:creationId xmlns:a16="http://schemas.microsoft.com/office/drawing/2014/main" id="{7008C9DC-28DA-4C18-8240-0C4F5A363A31}"/>
+              </a:ext>
+            </a:extLst>
+          </p:cNvPr>
+          <p:cNvPicPr>
+            <a:picLocks noChangeAspect="1"/>
+          </p:cNvPicPr>
+          <p:nvPr/>
+        </p:nvPicPr>
+        <p:blipFill rotWithShape="1">
+          <a:blip r:embed="rId23">
+            <a:extLst>
+              <a:ext uri="{28A0092B-C50C-407E-A947-70E740481C1C}">
+                <a14:useLocalDpi xmlns:a14="http://schemas.microsoft.com/office/drawing/2010/main" val="0"/>
+              </a:ext>
+            </a:extLst>
+          </a:blip>
+          <a:srcRect l="19751" t="12171" r="20087" b="32322"/>
+          <a:stretch/>
+        </p:blipFill>
+        <p:spPr>
+          <a:xfrm>
+            <a:off x="715618" y="450575"/>
+            <a:ext cx="2372140" cy="967408"/>
+          </a:xfrm>
+          <a:prstGeom prst="rect">
+            <a:avLst/>
+          </a:prstGeom>
+        </p:spPr>
+      </p:pic>
+      <p:pic>
+        <p:nvPicPr>
+          <p:cNvPr id="6" name="图片 5">
+            <a:extLst>
+              <a:ext uri="{FF2B5EF4-FFF2-40B4-BE49-F238E27FC236}">
+                <a16:creationId xmlns:a16="http://schemas.microsoft.com/office/drawing/2014/main" id="{54F05E00-BCCB-4A5E-BC33-AAF18E799164}"/>
+              </a:ext>
+            </a:extLst>
+          </p:cNvPr>
+          <p:cNvPicPr>
+            <a:picLocks noChangeAspect="1"/>
+          </p:cNvPicPr>
+          <p:nvPr/>
+        </p:nvPicPr>
+        <p:blipFill rotWithShape="1">
+          <a:blip r:embed="rId24">
+            <a:extLst>
+              <a:ext uri="{28A0092B-C50C-407E-A947-70E740481C1C}">
+                <a14:useLocalDpi xmlns:a14="http://schemas.microsoft.com/office/drawing/2010/main" val="0"/>
+              </a:ext>
+            </a:extLst>
+          </a:blip>
+          <a:srcRect l="11038" t="6262" r="6864" b="9554"/>
+          <a:stretch/>
+        </p:blipFill>
+        <p:spPr>
+          <a:xfrm>
+            <a:off x="3922644" y="132523"/>
+            <a:ext cx="1563758" cy="1603513"/>
+          </a:xfrm>
+          <a:prstGeom prst="rect">
+            <a:avLst/>
+          </a:prstGeom>
+        </p:spPr>
+      </p:pic>
+      <p:pic>
+        <p:nvPicPr>
+          <p:cNvPr id="11" name="图片 10">
+            <a:extLst>
+              <a:ext uri="{FF2B5EF4-FFF2-40B4-BE49-F238E27FC236}">
+                <a16:creationId xmlns:a16="http://schemas.microsoft.com/office/drawing/2014/main" id="{6C7FA87B-C8FF-40EA-A0A6-3872E9B033BB}"/>
+              </a:ext>
+            </a:extLst>
+          </p:cNvPr>
+          <p:cNvPicPr>
+            <a:picLocks noChangeAspect="1"/>
+          </p:cNvPicPr>
+          <p:nvPr/>
+        </p:nvPicPr>
+        <p:blipFill rotWithShape="1">
+          <a:blip r:embed="rId25">
+            <a:extLst>
+              <a:ext uri="{28A0092B-C50C-407E-A947-70E740481C1C}">
+                <a14:useLocalDpi xmlns:a14="http://schemas.microsoft.com/office/drawing/2010/main" val="0"/>
+              </a:ext>
+            </a:extLst>
+          </a:blip>
+          <a:srcRect l="19387" t="16779" r="20083" b="33824"/>
+          <a:stretch/>
+        </p:blipFill>
+        <p:spPr>
+          <a:xfrm>
+            <a:off x="742121" y="2915478"/>
+            <a:ext cx="2305879" cy="940904"/>
+          </a:xfrm>
+          <a:prstGeom prst="rect">
+            <a:avLst/>
+          </a:prstGeom>
+        </p:spPr>
+      </p:pic>
+      <p:pic>
+        <p:nvPicPr>
+          <p:cNvPr id="16" name="图片 15">
+            <a:extLst>
+              <a:ext uri="{FF2B5EF4-FFF2-40B4-BE49-F238E27FC236}">
+                <a16:creationId xmlns:a16="http://schemas.microsoft.com/office/drawing/2014/main" id="{8E9B7E08-CD46-4038-BF8D-324A3E2A20A8}"/>
+              </a:ext>
+            </a:extLst>
+          </p:cNvPr>
+          <p:cNvPicPr>
+            <a:picLocks noChangeAspect="1"/>
+          </p:cNvPicPr>
+          <p:nvPr/>
+        </p:nvPicPr>
+        <p:blipFill rotWithShape="1">
+          <a:blip r:embed="rId26">
+            <a:extLst>
+              <a:ext uri="{28A0092B-C50C-407E-A947-70E740481C1C}">
+                <a14:useLocalDpi xmlns:a14="http://schemas.microsoft.com/office/drawing/2010/main" val="0"/>
+              </a:ext>
+            </a:extLst>
+          </a:blip>
+          <a:srcRect l="10343" t="6343" r="6864" b="10168"/>
+          <a:stretch/>
+        </p:blipFill>
+        <p:spPr>
+          <a:xfrm>
+            <a:off x="3935895" y="2703444"/>
+            <a:ext cx="1577009" cy="1590262"/>
+          </a:xfrm>
+          <a:prstGeom prst="rect">
+            <a:avLst/>
+          </a:prstGeom>
+        </p:spPr>
+      </p:pic>
+      <p:pic>
+        <p:nvPicPr>
+          <p:cNvPr id="26" name="图片 25">
+            <a:extLst>
+              <a:ext uri="{FF2B5EF4-FFF2-40B4-BE49-F238E27FC236}">
+                <a16:creationId xmlns:a16="http://schemas.microsoft.com/office/drawing/2014/main" id="{4B27755C-1DC3-426F-B5CE-E7B27CFABFC0}"/>
+              </a:ext>
+            </a:extLst>
+          </p:cNvPr>
+          <p:cNvPicPr>
+            <a:picLocks noChangeAspect="1"/>
+          </p:cNvPicPr>
+          <p:nvPr/>
+        </p:nvPicPr>
+        <p:blipFill rotWithShape="1">
+          <a:blip r:embed="rId27">
+            <a:extLst>
+              <a:ext uri="{28A0092B-C50C-407E-A947-70E740481C1C}">
+                <a14:useLocalDpi xmlns:a14="http://schemas.microsoft.com/office/drawing/2010/main" val="0"/>
+              </a:ext>
+            </a:extLst>
+          </a:blip>
+          <a:srcRect l="18070" t="12932" r="19078" b="32322"/>
+          <a:stretch/>
+        </p:blipFill>
+        <p:spPr>
+          <a:xfrm>
+            <a:off x="689113" y="4823793"/>
+            <a:ext cx="2478157" cy="954156"/>
+          </a:xfrm>
+          <a:prstGeom prst="rect">
+            <a:avLst/>
+          </a:prstGeom>
+        </p:spPr>
+      </p:pic>
+      <p:pic>
+        <p:nvPicPr>
+          <p:cNvPr id="31" name="图片 30">
+            <a:extLst>
+              <a:ext uri="{FF2B5EF4-FFF2-40B4-BE49-F238E27FC236}">
+                <a16:creationId xmlns:a16="http://schemas.microsoft.com/office/drawing/2014/main" id="{168AE9B6-E18B-4653-A774-C610ABF16B49}"/>
+              </a:ext>
+            </a:extLst>
+          </p:cNvPr>
+          <p:cNvPicPr>
+            <a:picLocks noChangeAspect="1"/>
+          </p:cNvPicPr>
+          <p:nvPr/>
+        </p:nvPicPr>
+        <p:blipFill rotWithShape="1">
+          <a:blip r:embed="rId28">
+            <a:extLst>
+              <a:ext uri="{28A0092B-C50C-407E-A947-70E740481C1C}">
+                <a14:useLocalDpi xmlns:a14="http://schemas.microsoft.com/office/drawing/2010/main" val="0"/>
+              </a:ext>
+            </a:extLst>
+          </a:blip>
+          <a:srcRect l="10343" t="7734" r="6169" b="10865"/>
+          <a:stretch/>
+        </p:blipFill>
+        <p:spPr>
+          <a:xfrm>
+            <a:off x="3949147" y="4651512"/>
+            <a:ext cx="1590261" cy="1550506"/>
+          </a:xfrm>
+          <a:prstGeom prst="rect">
+            <a:avLst/>
+          </a:prstGeom>
+        </p:spPr>
+      </p:pic>
     </p:spTree>
     <p:extLst>
       <p:ext uri="{BB962C8B-B14F-4D97-AF65-F5344CB8AC3E}">
         <p14:creationId xmlns:p14="http://schemas.microsoft.com/office/powerpoint/2010/main" val="412260222"/>
+      </p:ext>
+    </p:extLst>
+  </p:cSld>
+  <p:clrMapOvr>
+    <a:masterClrMapping/>
+  </p:clrMapOvr>
+</p:sld>
+</file>
+
+<file path=ppt/slides/slide2.xml><?xml version="1.0" encoding="utf-8"?>
+<p:sld xmlns:a="http://schemas.openxmlformats.org/drawingml/2006/main" xmlns:r="http://schemas.openxmlformats.org/officeDocument/2006/relationships" xmlns:p="http://schemas.openxmlformats.org/presentationml/2006/main">
+  <p:cSld>
+    <p:spTree>
+      <p:nvGrpSpPr>
+        <p:cNvPr id="1" name=""/>
+        <p:cNvGrpSpPr/>
+        <p:nvPr/>
+      </p:nvGrpSpPr>
+      <p:grpSpPr>
+        <a:xfrm>
+          <a:off x="0" y="0"/>
+          <a:ext cx="0" cy="0"/>
+          <a:chOff x="0" y="0"/>
+          <a:chExt cx="0" cy="0"/>
+        </a:xfrm>
+      </p:grpSpPr>
+      <p:pic>
+        <p:nvPicPr>
+          <p:cNvPr id="4" name="图片 3">
+            <a:extLst>
+              <a:ext uri="{FF2B5EF4-FFF2-40B4-BE49-F238E27FC236}">
+                <a16:creationId xmlns:a16="http://schemas.microsoft.com/office/drawing/2014/main" id="{38A8467B-F86A-4BE4-B3FF-9F244AB365FB}"/>
+              </a:ext>
+            </a:extLst>
+          </p:cNvPr>
+          <p:cNvPicPr>
+            <a:picLocks noChangeAspect="1"/>
+          </p:cNvPicPr>
+          <p:nvPr/>
+        </p:nvPicPr>
+        <p:blipFill rotWithShape="1">
+          <a:blip r:embed="rId2">
+            <a:extLst>
+              <a:ext uri="{28A0092B-C50C-407E-A947-70E740481C1C}">
+                <a14:useLocalDpi xmlns:a14="http://schemas.microsoft.com/office/drawing/2010/main" val="0"/>
+              </a:ext>
+            </a:extLst>
+          </a:blip>
+          <a:srcRect l="10343" t="7734" r="6169" b="10865"/>
+          <a:stretch/>
+        </p:blipFill>
+        <p:spPr>
+          <a:xfrm>
+            <a:off x="2173356" y="1404729"/>
+            <a:ext cx="2756453" cy="2687544"/>
+          </a:xfrm>
+          <a:prstGeom prst="rect">
+            <a:avLst/>
+          </a:prstGeom>
+        </p:spPr>
+      </p:pic>
+      <p:sp>
+        <p:nvSpPr>
+          <p:cNvPr id="5" name="箭头: 右 4">
+            <a:extLst>
+              <a:ext uri="{FF2B5EF4-FFF2-40B4-BE49-F238E27FC236}">
+                <a16:creationId xmlns:a16="http://schemas.microsoft.com/office/drawing/2014/main" id="{58103C28-ACD6-4FF5-B194-15BB8BA39DF2}"/>
+              </a:ext>
+            </a:extLst>
+          </p:cNvPr>
+          <p:cNvSpPr/>
+          <p:nvPr/>
+        </p:nvSpPr>
+        <p:spPr>
+          <a:xfrm>
+            <a:off x="3962400" y="2584175"/>
+            <a:ext cx="344557" cy="410817"/>
+          </a:xfrm>
+          <a:prstGeom prst="rightArrow">
+            <a:avLst/>
+          </a:prstGeom>
+        </p:spPr>
+        <p:style>
+          <a:lnRef idx="2">
+            <a:schemeClr val="accent6">
+              <a:shade val="50000"/>
+            </a:schemeClr>
+          </a:lnRef>
+          <a:fillRef idx="1">
+            <a:schemeClr val="accent6"/>
+          </a:fillRef>
+          <a:effectRef idx="0">
+            <a:schemeClr val="accent6"/>
+          </a:effectRef>
+          <a:fontRef idx="minor">
+            <a:schemeClr val="lt1"/>
+          </a:fontRef>
+        </p:style>
+        <p:txBody>
+          <a:bodyPr rtlCol="0" anchor="ctr"/>
+          <a:lstStyle/>
+          <a:p>
+            <a:pPr algn="ctr"/>
+            <a:endParaRPr lang="en-US"/>
+          </a:p>
+        </p:txBody>
+      </p:sp>
+      <p:sp>
+        <p:nvSpPr>
+          <p:cNvPr id="6" name="箭头: 右 5">
+            <a:extLst>
+              <a:ext uri="{FF2B5EF4-FFF2-40B4-BE49-F238E27FC236}">
+                <a16:creationId xmlns:a16="http://schemas.microsoft.com/office/drawing/2014/main" id="{B14F0089-7104-44C7-A4F5-6774411413EF}"/>
+              </a:ext>
+            </a:extLst>
+          </p:cNvPr>
+          <p:cNvSpPr/>
+          <p:nvPr/>
+        </p:nvSpPr>
+        <p:spPr>
+          <a:xfrm rot="18900000">
+            <a:off x="4309503" y="2255802"/>
+            <a:ext cx="598646" cy="410817"/>
+          </a:xfrm>
+          <a:prstGeom prst="rightArrow">
+            <a:avLst/>
+          </a:prstGeom>
+        </p:spPr>
+        <p:style>
+          <a:lnRef idx="2">
+            <a:schemeClr val="accent6">
+              <a:shade val="50000"/>
+            </a:schemeClr>
+          </a:lnRef>
+          <a:fillRef idx="1">
+            <a:schemeClr val="accent6"/>
+          </a:fillRef>
+          <a:effectRef idx="0">
+            <a:schemeClr val="accent6"/>
+          </a:effectRef>
+          <a:fontRef idx="minor">
+            <a:schemeClr val="lt1"/>
+          </a:fontRef>
+        </p:style>
+        <p:txBody>
+          <a:bodyPr rtlCol="0" anchor="ctr"/>
+          <a:lstStyle/>
+          <a:p>
+            <a:pPr algn="ctr"/>
+            <a:endParaRPr lang="en-US"/>
+          </a:p>
+        </p:txBody>
+      </p:sp>
+      <p:sp>
+        <p:nvSpPr>
+          <p:cNvPr id="7" name="箭头: 右 6">
+            <a:extLst>
+              <a:ext uri="{FF2B5EF4-FFF2-40B4-BE49-F238E27FC236}">
+                <a16:creationId xmlns:a16="http://schemas.microsoft.com/office/drawing/2014/main" id="{D7907D30-7493-4A05-8A35-B6A773993C40}"/>
+              </a:ext>
+            </a:extLst>
+          </p:cNvPr>
+          <p:cNvSpPr/>
+          <p:nvPr/>
+        </p:nvSpPr>
+        <p:spPr>
+          <a:xfrm rot="18900000">
+            <a:off x="2898731" y="3302725"/>
+            <a:ext cx="1273337" cy="410817"/>
+          </a:xfrm>
+          <a:prstGeom prst="rightArrow">
+            <a:avLst/>
+          </a:prstGeom>
+        </p:spPr>
+        <p:style>
+          <a:lnRef idx="2">
+            <a:schemeClr val="accent6">
+              <a:shade val="50000"/>
+            </a:schemeClr>
+          </a:lnRef>
+          <a:fillRef idx="1">
+            <a:schemeClr val="accent6"/>
+          </a:fillRef>
+          <a:effectRef idx="0">
+            <a:schemeClr val="accent6"/>
+          </a:effectRef>
+          <a:fontRef idx="minor">
+            <a:schemeClr val="lt1"/>
+          </a:fontRef>
+        </p:style>
+        <p:txBody>
+          <a:bodyPr rtlCol="0" anchor="ctr"/>
+          <a:lstStyle/>
+          <a:p>
+            <a:pPr algn="ctr"/>
+            <a:endParaRPr lang="en-US"/>
+          </a:p>
+        </p:txBody>
+      </p:sp>
+      <p:sp>
+        <p:nvSpPr>
+          <p:cNvPr id="8" name="箭头: 右 7">
+            <a:extLst>
+              <a:ext uri="{FF2B5EF4-FFF2-40B4-BE49-F238E27FC236}">
+                <a16:creationId xmlns:a16="http://schemas.microsoft.com/office/drawing/2014/main" id="{12DA06F1-CC7A-43D1-98ED-084FC4ED9CF8}"/>
+              </a:ext>
+            </a:extLst>
+          </p:cNvPr>
+          <p:cNvSpPr/>
+          <p:nvPr/>
+        </p:nvSpPr>
+        <p:spPr>
+          <a:xfrm rot="10800000">
+            <a:off x="2703442" y="2610677"/>
+            <a:ext cx="1113183" cy="410817"/>
+          </a:xfrm>
+          <a:prstGeom prst="rightArrow">
+            <a:avLst/>
+          </a:prstGeom>
+        </p:spPr>
+        <p:style>
+          <a:lnRef idx="2">
+            <a:schemeClr val="accent2">
+              <a:shade val="50000"/>
+            </a:schemeClr>
+          </a:lnRef>
+          <a:fillRef idx="1">
+            <a:schemeClr val="accent2"/>
+          </a:fillRef>
+          <a:effectRef idx="0">
+            <a:schemeClr val="accent2"/>
+          </a:effectRef>
+          <a:fontRef idx="minor">
+            <a:schemeClr val="lt1"/>
+          </a:fontRef>
+        </p:style>
+        <p:txBody>
+          <a:bodyPr rtlCol="0" anchor="ctr"/>
+          <a:lstStyle/>
+          <a:p>
+            <a:pPr algn="ctr"/>
+            <a:endParaRPr lang="en-US"/>
+          </a:p>
+        </p:txBody>
+      </p:sp>
+      <p:sp>
+        <p:nvSpPr>
+          <p:cNvPr id="9" name="箭头: 右 8">
+            <a:extLst>
+              <a:ext uri="{FF2B5EF4-FFF2-40B4-BE49-F238E27FC236}">
+                <a16:creationId xmlns:a16="http://schemas.microsoft.com/office/drawing/2014/main" id="{92548303-79D2-4E9C-9D3A-217343B4C6A1}"/>
+              </a:ext>
+            </a:extLst>
+          </p:cNvPr>
+          <p:cNvSpPr/>
+          <p:nvPr/>
+        </p:nvSpPr>
+        <p:spPr>
+          <a:xfrm rot="8100000">
+            <a:off x="2151359" y="2925758"/>
+            <a:ext cx="580018" cy="410817"/>
+          </a:xfrm>
+          <a:prstGeom prst="rightArrow">
+            <a:avLst/>
+          </a:prstGeom>
+        </p:spPr>
+        <p:style>
+          <a:lnRef idx="2">
+            <a:schemeClr val="accent2">
+              <a:shade val="50000"/>
+            </a:schemeClr>
+          </a:lnRef>
+          <a:fillRef idx="1">
+            <a:schemeClr val="accent2"/>
+          </a:fillRef>
+          <a:effectRef idx="0">
+            <a:schemeClr val="accent2"/>
+          </a:effectRef>
+          <a:fontRef idx="minor">
+            <a:schemeClr val="lt1"/>
+          </a:fontRef>
+        </p:style>
+        <p:txBody>
+          <a:bodyPr rtlCol="0" anchor="ctr"/>
+          <a:lstStyle/>
+          <a:p>
+            <a:pPr algn="ctr"/>
+            <a:endParaRPr lang="en-US"/>
+          </a:p>
+        </p:txBody>
+      </p:sp>
+      <p:sp>
+        <p:nvSpPr>
+          <p:cNvPr id="10" name="箭头: 右 9">
+            <a:extLst>
+              <a:ext uri="{FF2B5EF4-FFF2-40B4-BE49-F238E27FC236}">
+                <a16:creationId xmlns:a16="http://schemas.microsoft.com/office/drawing/2014/main" id="{BF2803F0-383A-4F7C-AE1E-F60DF2C50351}"/>
+              </a:ext>
+            </a:extLst>
+          </p:cNvPr>
+          <p:cNvSpPr/>
+          <p:nvPr/>
+        </p:nvSpPr>
+        <p:spPr>
+          <a:xfrm rot="8100000">
+            <a:off x="2836707" y="1812573"/>
+            <a:ext cx="1329671" cy="410817"/>
+          </a:xfrm>
+          <a:prstGeom prst="rightArrow">
+            <a:avLst/>
+          </a:prstGeom>
+        </p:spPr>
+        <p:style>
+          <a:lnRef idx="2">
+            <a:schemeClr val="accent2">
+              <a:shade val="50000"/>
+            </a:schemeClr>
+          </a:lnRef>
+          <a:fillRef idx="1">
+            <a:schemeClr val="accent2"/>
+          </a:fillRef>
+          <a:effectRef idx="0">
+            <a:schemeClr val="accent2"/>
+          </a:effectRef>
+          <a:fontRef idx="minor">
+            <a:schemeClr val="lt1"/>
+          </a:fontRef>
+        </p:style>
+        <p:txBody>
+          <a:bodyPr rtlCol="0" anchor="ctr"/>
+          <a:lstStyle/>
+          <a:p>
+            <a:pPr algn="ctr"/>
+            <a:endParaRPr lang="en-US"/>
+          </a:p>
+        </p:txBody>
+      </p:sp>
+    </p:spTree>
+    <p:extLst>
+      <p:ext uri="{BB962C8B-B14F-4D97-AF65-F5344CB8AC3E}">
+        <p14:creationId xmlns:p14="http://schemas.microsoft.com/office/powerpoint/2010/main" val="4013752668"/>
       </p:ext>
     </p:extLst>
   </p:cSld>

--- a/figures.pptx
+++ b/figures.pptx
@@ -7,6 +7,7 @@
   <p:sldIdLst>
     <p:sldId id="256" r:id="rId2"/>
     <p:sldId id="257" r:id="rId3"/>
+    <p:sldId id="258" r:id="rId4"/>
   </p:sldIdLst>
   <p:sldSz cx="12192000" cy="6858000"/>
   <p:notesSz cx="6858000" cy="9144000"/>
@@ -5367,7 +5368,7 @@
         </p:blipFill>
         <p:spPr>
           <a:xfrm>
-            <a:off x="2173356" y="1404729"/>
+            <a:off x="1391478" y="1497494"/>
             <a:ext cx="2756453" cy="2687544"/>
           </a:xfrm>
           <a:prstGeom prst="rect">
@@ -5389,7 +5390,7 @@
         </p:nvSpPr>
         <p:spPr>
           <a:xfrm>
-            <a:off x="3962400" y="2584175"/>
+            <a:off x="3180522" y="2676940"/>
             <a:ext cx="344557" cy="410817"/>
           </a:xfrm>
           <a:prstGeom prst="rightArrow">
@@ -5435,7 +5436,7 @@
         </p:nvSpPr>
         <p:spPr>
           <a:xfrm rot="18900000">
-            <a:off x="4309503" y="2255802"/>
+            <a:off x="3527625" y="2348567"/>
             <a:ext cx="598646" cy="410817"/>
           </a:xfrm>
           <a:prstGeom prst="rightArrow">
@@ -5481,7 +5482,7 @@
         </p:nvSpPr>
         <p:spPr>
           <a:xfrm rot="18900000">
-            <a:off x="2898731" y="3302725"/>
+            <a:off x="2116853" y="3395490"/>
             <a:ext cx="1273337" cy="410817"/>
           </a:xfrm>
           <a:prstGeom prst="rightArrow">
@@ -5527,7 +5528,7 @@
         </p:nvSpPr>
         <p:spPr>
           <a:xfrm rot="10800000">
-            <a:off x="2703442" y="2610677"/>
+            <a:off x="1921564" y="2703442"/>
             <a:ext cx="1113183" cy="410817"/>
           </a:xfrm>
           <a:prstGeom prst="rightArrow">
@@ -5573,7 +5574,7 @@
         </p:nvSpPr>
         <p:spPr>
           <a:xfrm rot="8100000">
-            <a:off x="2151359" y="2925758"/>
+            <a:off x="1369481" y="3018523"/>
             <a:ext cx="580018" cy="410817"/>
           </a:xfrm>
           <a:prstGeom prst="rightArrow">
@@ -5619,7 +5620,7 @@
         </p:nvSpPr>
         <p:spPr>
           <a:xfrm rot="8100000">
-            <a:off x="2836707" y="1812573"/>
+            <a:off x="2054829" y="1905338"/>
             <a:ext cx="1329671" cy="410817"/>
           </a:xfrm>
           <a:prstGeom prst="rightArrow">
@@ -5651,10 +5652,399 @@
           </a:p>
         </p:txBody>
       </p:sp>
+      <p:pic>
+        <p:nvPicPr>
+          <p:cNvPr id="11" name="图片 10">
+            <a:extLst>
+              <a:ext uri="{FF2B5EF4-FFF2-40B4-BE49-F238E27FC236}">
+                <a16:creationId xmlns:a16="http://schemas.microsoft.com/office/drawing/2014/main" id="{686C4070-C31D-4EE8-B1BE-789EE76FB14A}"/>
+              </a:ext>
+            </a:extLst>
+          </p:cNvPr>
+          <p:cNvPicPr>
+            <a:picLocks noChangeAspect="1"/>
+          </p:cNvPicPr>
+          <p:nvPr/>
+        </p:nvPicPr>
+        <p:blipFill rotWithShape="1">
+          <a:blip r:embed="rId3">
+            <a:extLst>
+              <a:ext uri="{28A0092B-C50C-407E-A947-70E740481C1C}">
+                <a14:useLocalDpi xmlns:a14="http://schemas.microsoft.com/office/drawing/2010/main" val="0"/>
+              </a:ext>
+            </a:extLst>
+          </a:blip>
+          <a:srcRect l="11038" t="6262" r="6864" b="9554"/>
+          <a:stretch/>
+        </p:blipFill>
+        <p:spPr>
+          <a:xfrm>
+            <a:off x="4439478" y="1457740"/>
+            <a:ext cx="2716695" cy="2785761"/>
+          </a:xfrm>
+          <a:prstGeom prst="rect">
+            <a:avLst/>
+          </a:prstGeom>
+        </p:spPr>
+      </p:pic>
+      <p:sp>
+        <p:nvSpPr>
+          <p:cNvPr id="12" name="箭头: 右 11">
+            <a:extLst>
+              <a:ext uri="{FF2B5EF4-FFF2-40B4-BE49-F238E27FC236}">
+                <a16:creationId xmlns:a16="http://schemas.microsoft.com/office/drawing/2014/main" id="{3567FD5E-57DB-4752-9247-185BADFBAF8F}"/>
+              </a:ext>
+            </a:extLst>
+          </p:cNvPr>
+          <p:cNvSpPr/>
+          <p:nvPr/>
+        </p:nvSpPr>
+        <p:spPr>
+          <a:xfrm rot="8100000">
+            <a:off x="4319824" y="3226900"/>
+            <a:ext cx="1789805" cy="410817"/>
+          </a:xfrm>
+          <a:prstGeom prst="rightArrow">
+            <a:avLst/>
+          </a:prstGeom>
+        </p:spPr>
+        <p:style>
+          <a:lnRef idx="2">
+            <a:schemeClr val="accent2">
+              <a:shade val="50000"/>
+            </a:schemeClr>
+          </a:lnRef>
+          <a:fillRef idx="1">
+            <a:schemeClr val="accent2"/>
+          </a:fillRef>
+          <a:effectRef idx="0">
+            <a:schemeClr val="accent2"/>
+          </a:effectRef>
+          <a:fontRef idx="minor">
+            <a:schemeClr val="lt1"/>
+          </a:fontRef>
+        </p:style>
+        <p:txBody>
+          <a:bodyPr rtlCol="0" anchor="ctr"/>
+          <a:lstStyle/>
+          <a:p>
+            <a:pPr algn="ctr"/>
+            <a:endParaRPr lang="en-US"/>
+          </a:p>
+        </p:txBody>
+      </p:sp>
+      <p:sp>
+        <p:nvSpPr>
+          <p:cNvPr id="13" name="箭头: 右 12">
+            <a:extLst>
+              <a:ext uri="{FF2B5EF4-FFF2-40B4-BE49-F238E27FC236}">
+                <a16:creationId xmlns:a16="http://schemas.microsoft.com/office/drawing/2014/main" id="{B55C27B6-7FDD-4534-82D1-652AB2F0D07A}"/>
+              </a:ext>
+            </a:extLst>
+          </p:cNvPr>
+          <p:cNvSpPr/>
+          <p:nvPr/>
+        </p:nvSpPr>
+        <p:spPr>
+          <a:xfrm rot="18900000">
+            <a:off x="5759104" y="1914940"/>
+            <a:ext cx="1508683" cy="410817"/>
+          </a:xfrm>
+          <a:prstGeom prst="rightArrow">
+            <a:avLst/>
+          </a:prstGeom>
+        </p:spPr>
+        <p:style>
+          <a:lnRef idx="2">
+            <a:schemeClr val="accent6">
+              <a:shade val="50000"/>
+            </a:schemeClr>
+          </a:lnRef>
+          <a:fillRef idx="1">
+            <a:schemeClr val="accent6"/>
+          </a:fillRef>
+          <a:effectRef idx="0">
+            <a:schemeClr val="accent6"/>
+          </a:effectRef>
+          <a:fontRef idx="minor">
+            <a:schemeClr val="lt1"/>
+          </a:fontRef>
+        </p:style>
+        <p:txBody>
+          <a:bodyPr rtlCol="0" anchor="ctr"/>
+          <a:lstStyle/>
+          <a:p>
+            <a:pPr algn="ctr"/>
+            <a:endParaRPr lang="en-US"/>
+          </a:p>
+        </p:txBody>
+      </p:sp>
+      <p:pic>
+        <p:nvPicPr>
+          <p:cNvPr id="15" name="图片 14">
+            <a:extLst>
+              <a:ext uri="{FF2B5EF4-FFF2-40B4-BE49-F238E27FC236}">
+                <a16:creationId xmlns:a16="http://schemas.microsoft.com/office/drawing/2014/main" id="{9C08C6C4-A929-4202-963A-D9B5F1330096}"/>
+              </a:ext>
+            </a:extLst>
+          </p:cNvPr>
+          <p:cNvPicPr>
+            <a:picLocks noChangeAspect="1"/>
+          </p:cNvPicPr>
+          <p:nvPr/>
+        </p:nvPicPr>
+        <p:blipFill rotWithShape="1">
+          <a:blip r:embed="rId4">
+            <a:extLst>
+              <a:ext uri="{28A0092B-C50C-407E-A947-70E740481C1C}">
+                <a14:useLocalDpi xmlns:a14="http://schemas.microsoft.com/office/drawing/2010/main" val="0"/>
+              </a:ext>
+            </a:extLst>
+          </a:blip>
+          <a:srcRect l="10343" t="6343" r="6864" b="10168"/>
+          <a:stretch/>
+        </p:blipFill>
+        <p:spPr>
+          <a:xfrm>
+            <a:off x="7275443" y="1470992"/>
+            <a:ext cx="2743200" cy="2766254"/>
+          </a:xfrm>
+          <a:prstGeom prst="rect">
+            <a:avLst/>
+          </a:prstGeom>
+        </p:spPr>
+      </p:pic>
+      <p:sp>
+        <p:nvSpPr>
+          <p:cNvPr id="16" name="箭头: 右 15">
+            <a:extLst>
+              <a:ext uri="{FF2B5EF4-FFF2-40B4-BE49-F238E27FC236}">
+                <a16:creationId xmlns:a16="http://schemas.microsoft.com/office/drawing/2014/main" id="{058ECC3C-F47A-4C3F-BF6A-356BAE581A9F}"/>
+              </a:ext>
+            </a:extLst>
+          </p:cNvPr>
+          <p:cNvSpPr/>
+          <p:nvPr/>
+        </p:nvSpPr>
+        <p:spPr>
+          <a:xfrm rot="18900000">
+            <a:off x="8595070" y="1941444"/>
+            <a:ext cx="1508683" cy="410817"/>
+          </a:xfrm>
+          <a:prstGeom prst="rightArrow">
+            <a:avLst/>
+          </a:prstGeom>
+        </p:spPr>
+        <p:style>
+          <a:lnRef idx="2">
+            <a:schemeClr val="accent6">
+              <a:shade val="50000"/>
+            </a:schemeClr>
+          </a:lnRef>
+          <a:fillRef idx="1">
+            <a:schemeClr val="accent6"/>
+          </a:fillRef>
+          <a:effectRef idx="0">
+            <a:schemeClr val="accent6"/>
+          </a:effectRef>
+          <a:fontRef idx="minor">
+            <a:schemeClr val="lt1"/>
+          </a:fontRef>
+        </p:style>
+        <p:txBody>
+          <a:bodyPr rtlCol="0" anchor="ctr"/>
+          <a:lstStyle/>
+          <a:p>
+            <a:pPr algn="ctr"/>
+            <a:endParaRPr lang="en-US"/>
+          </a:p>
+        </p:txBody>
+      </p:sp>
+      <p:sp>
+        <p:nvSpPr>
+          <p:cNvPr id="17" name="箭头: 右 16">
+            <a:extLst>
+              <a:ext uri="{FF2B5EF4-FFF2-40B4-BE49-F238E27FC236}">
+                <a16:creationId xmlns:a16="http://schemas.microsoft.com/office/drawing/2014/main" id="{1E7FDB34-2044-4442-A54D-78D402D7C058}"/>
+              </a:ext>
+            </a:extLst>
+          </p:cNvPr>
+          <p:cNvSpPr/>
+          <p:nvPr/>
+        </p:nvSpPr>
+        <p:spPr>
+          <a:xfrm rot="8100000">
+            <a:off x="7172256" y="3306412"/>
+            <a:ext cx="1677355" cy="410817"/>
+          </a:xfrm>
+          <a:prstGeom prst="rightArrow">
+            <a:avLst/>
+          </a:prstGeom>
+        </p:spPr>
+        <p:style>
+          <a:lnRef idx="2">
+            <a:schemeClr val="accent2">
+              <a:shade val="50000"/>
+            </a:schemeClr>
+          </a:lnRef>
+          <a:fillRef idx="1">
+            <a:schemeClr val="accent2"/>
+          </a:fillRef>
+          <a:effectRef idx="0">
+            <a:schemeClr val="accent2"/>
+          </a:effectRef>
+          <a:fontRef idx="minor">
+            <a:schemeClr val="lt1"/>
+          </a:fontRef>
+        </p:style>
+        <p:txBody>
+          <a:bodyPr rtlCol="0" anchor="ctr"/>
+          <a:lstStyle/>
+          <a:p>
+            <a:pPr algn="ctr"/>
+            <a:endParaRPr lang="en-US"/>
+          </a:p>
+        </p:txBody>
+      </p:sp>
+      <p:sp>
+        <p:nvSpPr>
+          <p:cNvPr id="18" name="文本框 17">
+            <a:extLst>
+              <a:ext uri="{FF2B5EF4-FFF2-40B4-BE49-F238E27FC236}">
+                <a16:creationId xmlns:a16="http://schemas.microsoft.com/office/drawing/2014/main" id="{5F2EB30F-D232-42CA-AB36-F8450CD4771A}"/>
+              </a:ext>
+            </a:extLst>
+          </p:cNvPr>
+          <p:cNvSpPr txBox="1"/>
+          <p:nvPr/>
+        </p:nvSpPr>
+        <p:spPr>
+          <a:xfrm>
+            <a:off x="2146853" y="4227443"/>
+            <a:ext cx="1266693" cy="461665"/>
+          </a:xfrm>
+          <a:prstGeom prst="rect">
+            <a:avLst/>
+          </a:prstGeom>
+          <a:noFill/>
+        </p:spPr>
+        <p:txBody>
+          <a:bodyPr wrap="none" rtlCol="0">
+            <a:spAutoFit/>
+          </a:bodyPr>
+          <a:lstStyle/>
+          <a:p>
+            <a:r>
+              <a:rPr lang="en-US" sz="2400" dirty="0"/>
+              <a:t>Cylinder</a:t>
+            </a:r>
+          </a:p>
+        </p:txBody>
+      </p:sp>
+      <p:sp>
+        <p:nvSpPr>
+          <p:cNvPr id="19" name="文本框 18">
+            <a:extLst>
+              <a:ext uri="{FF2B5EF4-FFF2-40B4-BE49-F238E27FC236}">
+                <a16:creationId xmlns:a16="http://schemas.microsoft.com/office/drawing/2014/main" id="{BD9F7D64-B6D3-4552-AF76-F323BF3FAD9D}"/>
+              </a:ext>
+            </a:extLst>
+          </p:cNvPr>
+          <p:cNvSpPr txBox="1"/>
+          <p:nvPr/>
+        </p:nvSpPr>
+        <p:spPr>
+          <a:xfrm>
+            <a:off x="4996070" y="4240695"/>
+            <a:ext cx="1590500" cy="461665"/>
+          </a:xfrm>
+          <a:prstGeom prst="rect">
+            <a:avLst/>
+          </a:prstGeom>
+          <a:noFill/>
+        </p:spPr>
+        <p:txBody>
+          <a:bodyPr wrap="none" rtlCol="0">
+            <a:spAutoFit/>
+          </a:bodyPr>
+          <a:lstStyle/>
+          <a:p>
+            <a:r>
+              <a:rPr lang="en-US" sz="2400" dirty="0"/>
+              <a:t>Single ring</a:t>
+            </a:r>
+          </a:p>
+        </p:txBody>
+      </p:sp>
+      <p:sp>
+        <p:nvSpPr>
+          <p:cNvPr id="20" name="文本框 19">
+            <a:extLst>
+              <a:ext uri="{FF2B5EF4-FFF2-40B4-BE49-F238E27FC236}">
+                <a16:creationId xmlns:a16="http://schemas.microsoft.com/office/drawing/2014/main" id="{76D3AD0C-EE01-483B-A14E-43258C981248}"/>
+              </a:ext>
+            </a:extLst>
+          </p:cNvPr>
+          <p:cNvSpPr txBox="1"/>
+          <p:nvPr/>
+        </p:nvSpPr>
+        <p:spPr>
+          <a:xfrm>
+            <a:off x="7765775" y="4227443"/>
+            <a:ext cx="1750800" cy="461665"/>
+          </a:xfrm>
+          <a:prstGeom prst="rect">
+            <a:avLst/>
+          </a:prstGeom>
+          <a:noFill/>
+        </p:spPr>
+        <p:txBody>
+          <a:bodyPr wrap="none" rtlCol="0">
+            <a:spAutoFit/>
+          </a:bodyPr>
+          <a:lstStyle/>
+          <a:p>
+            <a:r>
+              <a:rPr lang="en-US" sz="2400" dirty="0"/>
+              <a:t>Double ring</a:t>
+            </a:r>
+          </a:p>
+        </p:txBody>
+      </p:sp>
     </p:spTree>
     <p:extLst>
       <p:ext uri="{BB962C8B-B14F-4D97-AF65-F5344CB8AC3E}">
         <p14:creationId xmlns:p14="http://schemas.microsoft.com/office/powerpoint/2010/main" val="4013752668"/>
+      </p:ext>
+    </p:extLst>
+  </p:cSld>
+  <p:clrMapOvr>
+    <a:masterClrMapping/>
+  </p:clrMapOvr>
+</p:sld>
+</file>
+
+<file path=ppt/slides/slide3.xml><?xml version="1.0" encoding="utf-8"?>
+<p:sld xmlns:a="http://schemas.openxmlformats.org/drawingml/2006/main" xmlns:r="http://schemas.openxmlformats.org/officeDocument/2006/relationships" xmlns:p="http://schemas.openxmlformats.org/presentationml/2006/main">
+  <p:cSld>
+    <p:spTree>
+      <p:nvGrpSpPr>
+        <p:cNvPr id="1" name=""/>
+        <p:cNvGrpSpPr/>
+        <p:nvPr/>
+      </p:nvGrpSpPr>
+      <p:grpSpPr>
+        <a:xfrm>
+          <a:off x="0" y="0"/>
+          <a:ext cx="0" cy="0"/>
+          <a:chOff x="0" y="0"/>
+          <a:chExt cx="0" cy="0"/>
+        </a:xfrm>
+      </p:grpSpPr>
+    </p:spTree>
+    <p:extLst>
+      <p:ext uri="{BB962C8B-B14F-4D97-AF65-F5344CB8AC3E}">
+        <p14:creationId xmlns:p14="http://schemas.microsoft.com/office/powerpoint/2010/main" val="4173203818"/>
       </p:ext>
     </p:extLst>
   </p:cSld>

--- a/figures.pptx
+++ b/figures.pptx
@@ -8,6 +8,7 @@
     <p:sldId id="256" r:id="rId2"/>
     <p:sldId id="257" r:id="rId3"/>
     <p:sldId id="258" r:id="rId4"/>
+    <p:sldId id="259" r:id="rId5"/>
   </p:sldIdLst>
   <p:sldSz cx="12192000" cy="6858000"/>
   <p:notesSz cx="6858000" cy="9144000"/>
@@ -6041,10 +6042,4116 @@
           <a:chExt cx="0" cy="0"/>
         </a:xfrm>
       </p:grpSpPr>
+      <p:sp>
+        <p:nvSpPr>
+          <p:cNvPr id="4" name="椭圆 3">
+            <a:extLst>
+              <a:ext uri="{FF2B5EF4-FFF2-40B4-BE49-F238E27FC236}">
+                <a16:creationId xmlns:a16="http://schemas.microsoft.com/office/drawing/2014/main" id="{4F2C1D6F-8ACC-4A38-B0FD-4A8336045814}"/>
+              </a:ext>
+            </a:extLst>
+          </p:cNvPr>
+          <p:cNvSpPr/>
+          <p:nvPr/>
+        </p:nvSpPr>
+        <p:spPr>
+          <a:xfrm>
+            <a:off x="2859156" y="699326"/>
+            <a:ext cx="1543880" cy="450574"/>
+          </a:xfrm>
+          <a:prstGeom prst="ellipse">
+            <a:avLst/>
+          </a:prstGeom>
+        </p:spPr>
+        <p:style>
+          <a:lnRef idx="2">
+            <a:schemeClr val="accent1">
+              <a:shade val="50000"/>
+            </a:schemeClr>
+          </a:lnRef>
+          <a:fillRef idx="1">
+            <a:schemeClr val="accent1"/>
+          </a:fillRef>
+          <a:effectRef idx="0">
+            <a:schemeClr val="accent1"/>
+          </a:effectRef>
+          <a:fontRef idx="minor">
+            <a:schemeClr val="lt1"/>
+          </a:fontRef>
+        </p:style>
+        <p:txBody>
+          <a:bodyPr rtlCol="0" anchor="ctr"/>
+          <a:lstStyle/>
+          <a:p>
+            <a:pPr algn="ctr"/>
+            <a:r>
+              <a:rPr lang="en-US" dirty="0"/>
+              <a:t>Neuron1</a:t>
+            </a:r>
+          </a:p>
+        </p:txBody>
+      </p:sp>
+      <p:sp>
+        <p:nvSpPr>
+          <p:cNvPr id="5" name="椭圆 4">
+            <a:extLst>
+              <a:ext uri="{FF2B5EF4-FFF2-40B4-BE49-F238E27FC236}">
+                <a16:creationId xmlns:a16="http://schemas.microsoft.com/office/drawing/2014/main" id="{E5AFC78A-96DD-4A70-BB1F-358F28B706E1}"/>
+              </a:ext>
+            </a:extLst>
+          </p:cNvPr>
+          <p:cNvSpPr/>
+          <p:nvPr/>
+        </p:nvSpPr>
+        <p:spPr>
+          <a:xfrm>
+            <a:off x="4949883" y="666334"/>
+            <a:ext cx="1543880" cy="450574"/>
+          </a:xfrm>
+          <a:prstGeom prst="ellipse">
+            <a:avLst/>
+          </a:prstGeom>
+        </p:spPr>
+        <p:style>
+          <a:lnRef idx="2">
+            <a:schemeClr val="accent2">
+              <a:shade val="50000"/>
+            </a:schemeClr>
+          </a:lnRef>
+          <a:fillRef idx="1">
+            <a:schemeClr val="accent2"/>
+          </a:fillRef>
+          <a:effectRef idx="0">
+            <a:schemeClr val="accent2"/>
+          </a:effectRef>
+          <a:fontRef idx="minor">
+            <a:schemeClr val="lt1"/>
+          </a:fontRef>
+        </p:style>
+        <p:txBody>
+          <a:bodyPr rtlCol="0" anchor="ctr"/>
+          <a:lstStyle/>
+          <a:p>
+            <a:pPr algn="ctr"/>
+            <a:r>
+              <a:rPr lang="en-US" dirty="0"/>
+              <a:t>Neuron2</a:t>
+            </a:r>
+          </a:p>
+        </p:txBody>
+      </p:sp>
+      <p:grpSp>
+        <p:nvGrpSpPr>
+          <p:cNvPr id="43" name="组合 42">
+            <a:extLst>
+              <a:ext uri="{FF2B5EF4-FFF2-40B4-BE49-F238E27FC236}">
+                <a16:creationId xmlns:a16="http://schemas.microsoft.com/office/drawing/2014/main" id="{7E71AC23-DAC7-4C2D-8B8B-7234A9834879}"/>
+              </a:ext>
+            </a:extLst>
+          </p:cNvPr>
+          <p:cNvGrpSpPr/>
+          <p:nvPr/>
+        </p:nvGrpSpPr>
+        <p:grpSpPr>
+          <a:xfrm>
+            <a:off x="1698783" y="2199859"/>
+            <a:ext cx="2478157" cy="2478157"/>
+            <a:chOff x="1698783" y="2199859"/>
+            <a:chExt cx="2478157" cy="2478157"/>
+          </a:xfrm>
+        </p:grpSpPr>
+        <p:sp>
+          <p:nvSpPr>
+            <p:cNvPr id="2" name="矩形 1">
+              <a:extLst>
+                <a:ext uri="{FF2B5EF4-FFF2-40B4-BE49-F238E27FC236}">
+                  <a16:creationId xmlns:a16="http://schemas.microsoft.com/office/drawing/2014/main" id="{DD738FA9-6E23-490E-BF56-63DB8AC0E419}"/>
+                </a:ext>
+              </a:extLst>
+            </p:cNvPr>
+            <p:cNvSpPr/>
+            <p:nvPr/>
+          </p:nvSpPr>
+          <p:spPr>
+            <a:xfrm>
+              <a:off x="1698783" y="2199859"/>
+              <a:ext cx="2478157" cy="2478157"/>
+            </a:xfrm>
+            <a:prstGeom prst="rect">
+              <a:avLst/>
+            </a:prstGeom>
+          </p:spPr>
+          <p:style>
+            <a:lnRef idx="2">
+              <a:schemeClr val="accent3">
+                <a:shade val="50000"/>
+              </a:schemeClr>
+            </a:lnRef>
+            <a:fillRef idx="1">
+              <a:schemeClr val="accent3"/>
+            </a:fillRef>
+            <a:effectRef idx="0">
+              <a:schemeClr val="accent3"/>
+            </a:effectRef>
+            <a:fontRef idx="minor">
+              <a:schemeClr val="lt1"/>
+            </a:fontRef>
+          </p:style>
+          <p:txBody>
+            <a:bodyPr rtlCol="0" anchor="ctr"/>
+            <a:lstStyle/>
+            <a:p>
+              <a:pPr algn="ctr"/>
+              <a:endParaRPr lang="en-US"/>
+            </a:p>
+          </p:txBody>
+        </p:sp>
+        <p:sp>
+          <p:nvSpPr>
+            <p:cNvPr id="3" name="圆: 空心 2">
+              <a:extLst>
+                <a:ext uri="{FF2B5EF4-FFF2-40B4-BE49-F238E27FC236}">
+                  <a16:creationId xmlns:a16="http://schemas.microsoft.com/office/drawing/2014/main" id="{882F463A-51FD-44CC-A341-7B5D0A0B1125}"/>
+                </a:ext>
+              </a:extLst>
+            </p:cNvPr>
+            <p:cNvSpPr/>
+            <p:nvPr/>
+          </p:nvSpPr>
+          <p:spPr>
+            <a:xfrm>
+              <a:off x="1857808" y="2358884"/>
+              <a:ext cx="2160105" cy="2160105"/>
+            </a:xfrm>
+            <a:prstGeom prst="donut">
+              <a:avLst>
+                <a:gd name="adj" fmla="val 6966"/>
+              </a:avLst>
+            </a:prstGeom>
+          </p:spPr>
+          <p:style>
+            <a:lnRef idx="2">
+              <a:schemeClr val="accent4">
+                <a:shade val="50000"/>
+              </a:schemeClr>
+            </a:lnRef>
+            <a:fillRef idx="1">
+              <a:schemeClr val="accent4"/>
+            </a:fillRef>
+            <a:effectRef idx="0">
+              <a:schemeClr val="accent4"/>
+            </a:effectRef>
+            <a:fontRef idx="minor">
+              <a:schemeClr val="lt1"/>
+            </a:fontRef>
+          </p:style>
+          <p:txBody>
+            <a:bodyPr rtlCol="0" anchor="ctr"/>
+            <a:lstStyle/>
+            <a:p>
+              <a:pPr algn="ctr"/>
+              <a:endParaRPr lang="en-US">
+                <a:solidFill>
+                  <a:schemeClr val="tx1"/>
+                </a:solidFill>
+              </a:endParaRPr>
+            </a:p>
+          </p:txBody>
+        </p:sp>
+        <p:sp>
+          <p:nvSpPr>
+            <p:cNvPr id="6" name="椭圆 5">
+              <a:extLst>
+                <a:ext uri="{FF2B5EF4-FFF2-40B4-BE49-F238E27FC236}">
+                  <a16:creationId xmlns:a16="http://schemas.microsoft.com/office/drawing/2014/main" id="{DAA97505-EAA3-4BBC-8D22-E9C7B9D3CE19}"/>
+                </a:ext>
+              </a:extLst>
+            </p:cNvPr>
+            <p:cNvSpPr/>
+            <p:nvPr/>
+          </p:nvSpPr>
+          <p:spPr>
+            <a:xfrm>
+              <a:off x="2189114" y="2517909"/>
+              <a:ext cx="318052" cy="318052"/>
+            </a:xfrm>
+            <a:prstGeom prst="ellipse">
+              <a:avLst/>
+            </a:prstGeom>
+          </p:spPr>
+          <p:style>
+            <a:lnRef idx="2">
+              <a:schemeClr val="accent1">
+                <a:shade val="50000"/>
+              </a:schemeClr>
+            </a:lnRef>
+            <a:fillRef idx="1">
+              <a:schemeClr val="accent1"/>
+            </a:fillRef>
+            <a:effectRef idx="0">
+              <a:schemeClr val="accent1"/>
+            </a:effectRef>
+            <a:fontRef idx="minor">
+              <a:schemeClr val="lt1"/>
+            </a:fontRef>
+          </p:style>
+          <p:txBody>
+            <a:bodyPr rtlCol="0" anchor="ctr"/>
+            <a:lstStyle/>
+            <a:p>
+              <a:pPr algn="ctr"/>
+              <a:endParaRPr lang="en-US"/>
+            </a:p>
+          </p:txBody>
+        </p:sp>
+        <p:sp>
+          <p:nvSpPr>
+            <p:cNvPr id="7" name="椭圆 6">
+              <a:extLst>
+                <a:ext uri="{FF2B5EF4-FFF2-40B4-BE49-F238E27FC236}">
+                  <a16:creationId xmlns:a16="http://schemas.microsoft.com/office/drawing/2014/main" id="{8446C64A-4686-48BD-8D09-AFEF322E1455}"/>
+                </a:ext>
+              </a:extLst>
+            </p:cNvPr>
+            <p:cNvSpPr/>
+            <p:nvPr/>
+          </p:nvSpPr>
+          <p:spPr>
+            <a:xfrm>
+              <a:off x="3620349" y="2713378"/>
+              <a:ext cx="318052" cy="318052"/>
+            </a:xfrm>
+            <a:prstGeom prst="ellipse">
+              <a:avLst/>
+            </a:prstGeom>
+          </p:spPr>
+          <p:style>
+            <a:lnRef idx="2">
+              <a:schemeClr val="accent2">
+                <a:shade val="50000"/>
+              </a:schemeClr>
+            </a:lnRef>
+            <a:fillRef idx="1">
+              <a:schemeClr val="accent2"/>
+            </a:fillRef>
+            <a:effectRef idx="0">
+              <a:schemeClr val="accent2"/>
+            </a:effectRef>
+            <a:fontRef idx="minor">
+              <a:schemeClr val="lt1"/>
+            </a:fontRef>
+          </p:style>
+          <p:txBody>
+            <a:bodyPr rtlCol="0" anchor="ctr"/>
+            <a:lstStyle/>
+            <a:p>
+              <a:pPr algn="ctr"/>
+              <a:endParaRPr lang="en-US"/>
+            </a:p>
+          </p:txBody>
+        </p:sp>
+        <p:cxnSp>
+          <p:nvCxnSpPr>
+            <p:cNvPr id="30" name="直接箭头连接符 29">
+              <a:extLst>
+                <a:ext uri="{FF2B5EF4-FFF2-40B4-BE49-F238E27FC236}">
+                  <a16:creationId xmlns:a16="http://schemas.microsoft.com/office/drawing/2014/main" id="{85C9FCEC-F125-49B9-A96E-D42215878D84}"/>
+                </a:ext>
+              </a:extLst>
+            </p:cNvPr>
+            <p:cNvCxnSpPr>
+              <a:cxnSpLocks/>
+              <a:endCxn id="6" idx="5"/>
+            </p:cNvCxnSpPr>
+            <p:nvPr/>
+          </p:nvCxnSpPr>
+          <p:spPr>
+            <a:xfrm flipH="1" flipV="1">
+              <a:off x="2460588" y="2789383"/>
+              <a:ext cx="477272" cy="649553"/>
+            </a:xfrm>
+            <a:prstGeom prst="straightConnector1">
+              <a:avLst/>
+            </a:prstGeom>
+            <a:ln w="57150">
+              <a:tailEnd type="triangle"/>
+            </a:ln>
+          </p:spPr>
+          <p:style>
+            <a:lnRef idx="1">
+              <a:schemeClr val="accent1"/>
+            </a:lnRef>
+            <a:fillRef idx="0">
+              <a:schemeClr val="accent1"/>
+            </a:fillRef>
+            <a:effectRef idx="0">
+              <a:schemeClr val="accent1"/>
+            </a:effectRef>
+            <a:fontRef idx="minor">
+              <a:schemeClr val="tx1"/>
+            </a:fontRef>
+          </p:style>
+        </p:cxnSp>
+        <p:cxnSp>
+          <p:nvCxnSpPr>
+            <p:cNvPr id="32" name="直接箭头连接符 31">
+              <a:extLst>
+                <a:ext uri="{FF2B5EF4-FFF2-40B4-BE49-F238E27FC236}">
+                  <a16:creationId xmlns:a16="http://schemas.microsoft.com/office/drawing/2014/main" id="{EE40F240-036A-4AED-84A3-1AC75507D54D}"/>
+                </a:ext>
+              </a:extLst>
+            </p:cNvPr>
+            <p:cNvCxnSpPr>
+              <a:cxnSpLocks/>
+              <a:endCxn id="7" idx="3"/>
+            </p:cNvCxnSpPr>
+            <p:nvPr/>
+          </p:nvCxnSpPr>
+          <p:spPr>
+            <a:xfrm flipV="1">
+              <a:off x="2928022" y="2984852"/>
+              <a:ext cx="738905" cy="444146"/>
+            </a:xfrm>
+            <a:prstGeom prst="straightConnector1">
+              <a:avLst/>
+            </a:prstGeom>
+            <a:ln w="57150">
+              <a:tailEnd type="triangle"/>
+            </a:ln>
+          </p:spPr>
+          <p:style>
+            <a:lnRef idx="1">
+              <a:schemeClr val="accent2"/>
+            </a:lnRef>
+            <a:fillRef idx="0">
+              <a:schemeClr val="accent2"/>
+            </a:fillRef>
+            <a:effectRef idx="0">
+              <a:schemeClr val="accent2"/>
+            </a:effectRef>
+            <a:fontRef idx="minor">
+              <a:schemeClr val="tx1"/>
+            </a:fontRef>
+          </p:style>
+        </p:cxnSp>
+        <p:sp>
+          <p:nvSpPr>
+            <p:cNvPr id="41" name="空心弧 40">
+              <a:extLst>
+                <a:ext uri="{FF2B5EF4-FFF2-40B4-BE49-F238E27FC236}">
+                  <a16:creationId xmlns:a16="http://schemas.microsoft.com/office/drawing/2014/main" id="{ABF4CBA1-EA35-4417-B6CC-65C1E926D37B}"/>
+                </a:ext>
+              </a:extLst>
+            </p:cNvPr>
+            <p:cNvSpPr/>
+            <p:nvPr/>
+          </p:nvSpPr>
+          <p:spPr>
+            <a:xfrm>
+              <a:off x="2603196" y="3081120"/>
+              <a:ext cx="649651" cy="649651"/>
+            </a:xfrm>
+            <a:prstGeom prst="blockArc">
+              <a:avLst>
+                <a:gd name="adj1" fmla="val 13770965"/>
+                <a:gd name="adj2" fmla="val 19733278"/>
+                <a:gd name="adj3" fmla="val 18417"/>
+              </a:avLst>
+            </a:prstGeom>
+          </p:spPr>
+          <p:style>
+            <a:lnRef idx="2">
+              <a:schemeClr val="accent4">
+                <a:shade val="50000"/>
+              </a:schemeClr>
+            </a:lnRef>
+            <a:fillRef idx="1">
+              <a:schemeClr val="accent4"/>
+            </a:fillRef>
+            <a:effectRef idx="0">
+              <a:schemeClr val="accent4"/>
+            </a:effectRef>
+            <a:fontRef idx="minor">
+              <a:schemeClr val="lt1"/>
+            </a:fontRef>
+          </p:style>
+          <p:txBody>
+            <a:bodyPr rtlCol="0" anchor="ctr"/>
+            <a:lstStyle/>
+            <a:p>
+              <a:pPr algn="ctr"/>
+              <a:endParaRPr lang="en-US">
+                <a:solidFill>
+                  <a:schemeClr val="tx1"/>
+                </a:solidFill>
+              </a:endParaRPr>
+            </a:p>
+          </p:txBody>
+        </p:sp>
+      </p:grpSp>
+      <p:grpSp>
+        <p:nvGrpSpPr>
+          <p:cNvPr id="44" name="组合 43">
+            <a:extLst>
+              <a:ext uri="{FF2B5EF4-FFF2-40B4-BE49-F238E27FC236}">
+                <a16:creationId xmlns:a16="http://schemas.microsoft.com/office/drawing/2014/main" id="{E5D2752A-07F1-4304-89A6-820010079999}"/>
+              </a:ext>
+            </a:extLst>
+          </p:cNvPr>
+          <p:cNvGrpSpPr/>
+          <p:nvPr/>
+        </p:nvGrpSpPr>
+        <p:grpSpPr>
+          <a:xfrm>
+            <a:off x="5141844" y="2199859"/>
+            <a:ext cx="2478157" cy="2478157"/>
+            <a:chOff x="5141844" y="2199859"/>
+            <a:chExt cx="2478157" cy="2478157"/>
+          </a:xfrm>
+        </p:grpSpPr>
+        <p:grpSp>
+          <p:nvGrpSpPr>
+            <p:cNvPr id="9" name="组合 8">
+              <a:extLst>
+                <a:ext uri="{FF2B5EF4-FFF2-40B4-BE49-F238E27FC236}">
+                  <a16:creationId xmlns:a16="http://schemas.microsoft.com/office/drawing/2014/main" id="{4C9750F7-F259-4FD6-971C-D362B2F273AC}"/>
+                </a:ext>
+              </a:extLst>
+            </p:cNvPr>
+            <p:cNvGrpSpPr/>
+            <p:nvPr/>
+          </p:nvGrpSpPr>
+          <p:grpSpPr>
+            <a:xfrm>
+              <a:off x="5141844" y="2199859"/>
+              <a:ext cx="2478157" cy="2478157"/>
+              <a:chOff x="1550504" y="2199861"/>
+              <a:chExt cx="2478157" cy="2478157"/>
+            </a:xfrm>
+          </p:grpSpPr>
+          <p:sp>
+            <p:nvSpPr>
+              <p:cNvPr id="10" name="矩形 9">
+                <a:extLst>
+                  <a:ext uri="{FF2B5EF4-FFF2-40B4-BE49-F238E27FC236}">
+                    <a16:creationId xmlns:a16="http://schemas.microsoft.com/office/drawing/2014/main" id="{F8B051A5-2985-4FF5-8F76-4FF8D0E4E1BF}"/>
+                  </a:ext>
+                </a:extLst>
+              </p:cNvPr>
+              <p:cNvSpPr/>
+              <p:nvPr/>
+            </p:nvSpPr>
+            <p:spPr>
+              <a:xfrm>
+                <a:off x="1550504" y="2199861"/>
+                <a:ext cx="2478157" cy="2478157"/>
+              </a:xfrm>
+              <a:prstGeom prst="rect">
+                <a:avLst/>
+              </a:prstGeom>
+            </p:spPr>
+            <p:style>
+              <a:lnRef idx="2">
+                <a:schemeClr val="accent3">
+                  <a:shade val="50000"/>
+                </a:schemeClr>
+              </a:lnRef>
+              <a:fillRef idx="1">
+                <a:schemeClr val="accent3"/>
+              </a:fillRef>
+              <a:effectRef idx="0">
+                <a:schemeClr val="accent3"/>
+              </a:effectRef>
+              <a:fontRef idx="minor">
+                <a:schemeClr val="lt1"/>
+              </a:fontRef>
+            </p:style>
+            <p:txBody>
+              <a:bodyPr rtlCol="0" anchor="ctr"/>
+              <a:lstStyle/>
+              <a:p>
+                <a:pPr algn="ctr"/>
+                <a:endParaRPr lang="en-US"/>
+              </a:p>
+            </p:txBody>
+          </p:sp>
+          <p:sp>
+            <p:nvSpPr>
+              <p:cNvPr id="11" name="圆: 空心 10">
+                <a:extLst>
+                  <a:ext uri="{FF2B5EF4-FFF2-40B4-BE49-F238E27FC236}">
+                    <a16:creationId xmlns:a16="http://schemas.microsoft.com/office/drawing/2014/main" id="{29079849-A97A-4A71-90D6-6A9473856C0F}"/>
+                  </a:ext>
+                </a:extLst>
+              </p:cNvPr>
+              <p:cNvSpPr/>
+              <p:nvPr/>
+            </p:nvSpPr>
+            <p:spPr>
+              <a:xfrm>
+                <a:off x="1709529" y="2358886"/>
+                <a:ext cx="2160105" cy="2160105"/>
+              </a:xfrm>
+              <a:prstGeom prst="donut">
+                <a:avLst>
+                  <a:gd name="adj" fmla="val 6966"/>
+                </a:avLst>
+              </a:prstGeom>
+            </p:spPr>
+            <p:style>
+              <a:lnRef idx="2">
+                <a:schemeClr val="accent4">
+                  <a:shade val="50000"/>
+                </a:schemeClr>
+              </a:lnRef>
+              <a:fillRef idx="1">
+                <a:schemeClr val="accent4"/>
+              </a:fillRef>
+              <a:effectRef idx="0">
+                <a:schemeClr val="accent4"/>
+              </a:effectRef>
+              <a:fontRef idx="minor">
+                <a:schemeClr val="lt1"/>
+              </a:fontRef>
+            </p:style>
+            <p:txBody>
+              <a:bodyPr rtlCol="0" anchor="ctr"/>
+              <a:lstStyle/>
+              <a:p>
+                <a:pPr algn="ctr"/>
+                <a:endParaRPr lang="en-US">
+                  <a:solidFill>
+                    <a:schemeClr val="tx1"/>
+                  </a:solidFill>
+                </a:endParaRPr>
+              </a:p>
+            </p:txBody>
+          </p:sp>
+          <p:sp>
+            <p:nvSpPr>
+              <p:cNvPr id="12" name="椭圆 11">
+                <a:extLst>
+                  <a:ext uri="{FF2B5EF4-FFF2-40B4-BE49-F238E27FC236}">
+                    <a16:creationId xmlns:a16="http://schemas.microsoft.com/office/drawing/2014/main" id="{8722D818-604D-44C5-8463-FBD3101C362F}"/>
+                  </a:ext>
+                </a:extLst>
+              </p:cNvPr>
+              <p:cNvSpPr/>
+              <p:nvPr/>
+            </p:nvSpPr>
+            <p:spPr>
+              <a:xfrm>
+                <a:off x="1858617" y="3909389"/>
+                <a:ext cx="318052" cy="318052"/>
+              </a:xfrm>
+              <a:prstGeom prst="ellipse">
+                <a:avLst/>
+              </a:prstGeom>
+            </p:spPr>
+            <p:style>
+              <a:lnRef idx="2">
+                <a:schemeClr val="accent1">
+                  <a:shade val="50000"/>
+                </a:schemeClr>
+              </a:lnRef>
+              <a:fillRef idx="1">
+                <a:schemeClr val="accent1"/>
+              </a:fillRef>
+              <a:effectRef idx="0">
+                <a:schemeClr val="accent1"/>
+              </a:effectRef>
+              <a:fontRef idx="minor">
+                <a:schemeClr val="lt1"/>
+              </a:fontRef>
+            </p:style>
+            <p:txBody>
+              <a:bodyPr rtlCol="0" anchor="ctr"/>
+              <a:lstStyle/>
+              <a:p>
+                <a:pPr algn="ctr"/>
+                <a:endParaRPr lang="en-US"/>
+              </a:p>
+            </p:txBody>
+          </p:sp>
+          <p:sp>
+            <p:nvSpPr>
+              <p:cNvPr id="13" name="椭圆 12">
+                <a:extLst>
+                  <a:ext uri="{FF2B5EF4-FFF2-40B4-BE49-F238E27FC236}">
+                    <a16:creationId xmlns:a16="http://schemas.microsoft.com/office/drawing/2014/main" id="{F84C69B3-0910-4997-93FE-AAF541063422}"/>
+                  </a:ext>
+                </a:extLst>
+              </p:cNvPr>
+              <p:cNvSpPr/>
+              <p:nvPr/>
+            </p:nvSpPr>
+            <p:spPr>
+              <a:xfrm>
+                <a:off x="3631096" y="3269974"/>
+                <a:ext cx="318052" cy="318052"/>
+              </a:xfrm>
+              <a:prstGeom prst="ellipse">
+                <a:avLst/>
+              </a:prstGeom>
+            </p:spPr>
+            <p:style>
+              <a:lnRef idx="2">
+                <a:schemeClr val="accent2">
+                  <a:shade val="50000"/>
+                </a:schemeClr>
+              </a:lnRef>
+              <a:fillRef idx="1">
+                <a:schemeClr val="accent2"/>
+              </a:fillRef>
+              <a:effectRef idx="0">
+                <a:schemeClr val="accent2"/>
+              </a:effectRef>
+              <a:fontRef idx="minor">
+                <a:schemeClr val="lt1"/>
+              </a:fontRef>
+            </p:style>
+            <p:txBody>
+              <a:bodyPr rtlCol="0" anchor="ctr"/>
+              <a:lstStyle/>
+              <a:p>
+                <a:pPr algn="ctr"/>
+                <a:endParaRPr lang="en-US"/>
+              </a:p>
+            </p:txBody>
+          </p:sp>
+        </p:grpSp>
+        <p:cxnSp>
+          <p:nvCxnSpPr>
+            <p:cNvPr id="35" name="直接箭头连接符 34">
+              <a:extLst>
+                <a:ext uri="{FF2B5EF4-FFF2-40B4-BE49-F238E27FC236}">
+                  <a16:creationId xmlns:a16="http://schemas.microsoft.com/office/drawing/2014/main" id="{18E11D0A-388A-4DB0-A6BA-B4D71B73B9F0}"/>
+                </a:ext>
+              </a:extLst>
+            </p:cNvPr>
+            <p:cNvCxnSpPr>
+              <a:cxnSpLocks/>
+              <a:endCxn id="13" idx="2"/>
+            </p:cNvCxnSpPr>
+            <p:nvPr/>
+          </p:nvCxnSpPr>
+          <p:spPr>
+            <a:xfrm flipV="1">
+              <a:off x="6404017" y="3428998"/>
+              <a:ext cx="818419" cy="9938"/>
+            </a:xfrm>
+            <a:prstGeom prst="straightConnector1">
+              <a:avLst/>
+            </a:prstGeom>
+            <a:ln w="57150">
+              <a:tailEnd type="triangle"/>
+            </a:ln>
+          </p:spPr>
+          <p:style>
+            <a:lnRef idx="1">
+              <a:schemeClr val="accent2"/>
+            </a:lnRef>
+            <a:fillRef idx="0">
+              <a:schemeClr val="accent2"/>
+            </a:fillRef>
+            <a:effectRef idx="0">
+              <a:schemeClr val="accent2"/>
+            </a:effectRef>
+            <a:fontRef idx="minor">
+              <a:schemeClr val="tx1"/>
+            </a:fontRef>
+          </p:style>
+        </p:cxnSp>
+        <p:cxnSp>
+          <p:nvCxnSpPr>
+            <p:cNvPr id="38" name="直接箭头连接符 37">
+              <a:extLst>
+                <a:ext uri="{FF2B5EF4-FFF2-40B4-BE49-F238E27FC236}">
+                  <a16:creationId xmlns:a16="http://schemas.microsoft.com/office/drawing/2014/main" id="{7FD488DC-3A6B-464A-94FF-778AEFB83446}"/>
+                </a:ext>
+              </a:extLst>
+            </p:cNvPr>
+            <p:cNvCxnSpPr>
+              <a:cxnSpLocks/>
+              <a:endCxn id="12" idx="7"/>
+            </p:cNvCxnSpPr>
+            <p:nvPr/>
+          </p:nvCxnSpPr>
+          <p:spPr>
+            <a:xfrm flipH="1">
+              <a:off x="5721431" y="3438936"/>
+              <a:ext cx="682586" cy="517029"/>
+            </a:xfrm>
+            <a:prstGeom prst="straightConnector1">
+              <a:avLst/>
+            </a:prstGeom>
+            <a:ln w="57150">
+              <a:tailEnd type="triangle"/>
+            </a:ln>
+          </p:spPr>
+          <p:style>
+            <a:lnRef idx="1">
+              <a:schemeClr val="accent1"/>
+            </a:lnRef>
+            <a:fillRef idx="0">
+              <a:schemeClr val="accent1"/>
+            </a:fillRef>
+            <a:effectRef idx="0">
+              <a:schemeClr val="accent1"/>
+            </a:effectRef>
+            <a:fontRef idx="minor">
+              <a:schemeClr val="tx1"/>
+            </a:fontRef>
+          </p:style>
+        </p:cxnSp>
+        <p:sp>
+          <p:nvSpPr>
+            <p:cNvPr id="42" name="空心弧 41">
+              <a:extLst>
+                <a:ext uri="{FF2B5EF4-FFF2-40B4-BE49-F238E27FC236}">
+                  <a16:creationId xmlns:a16="http://schemas.microsoft.com/office/drawing/2014/main" id="{83A6C68F-59B8-466A-BBA7-59FCA2680CFF}"/>
+                </a:ext>
+              </a:extLst>
+            </p:cNvPr>
+            <p:cNvSpPr/>
+            <p:nvPr/>
+          </p:nvSpPr>
+          <p:spPr>
+            <a:xfrm>
+              <a:off x="6079191" y="3117226"/>
+              <a:ext cx="649651" cy="649651"/>
+            </a:xfrm>
+            <a:prstGeom prst="blockArc">
+              <a:avLst>
+                <a:gd name="adj1" fmla="val 115501"/>
+                <a:gd name="adj2" fmla="val 8479354"/>
+                <a:gd name="adj3" fmla="val 27151"/>
+              </a:avLst>
+            </a:prstGeom>
+          </p:spPr>
+          <p:style>
+            <a:lnRef idx="2">
+              <a:schemeClr val="accent4">
+                <a:shade val="50000"/>
+              </a:schemeClr>
+            </a:lnRef>
+            <a:fillRef idx="1">
+              <a:schemeClr val="accent4"/>
+            </a:fillRef>
+            <a:effectRef idx="0">
+              <a:schemeClr val="accent4"/>
+            </a:effectRef>
+            <a:fontRef idx="minor">
+              <a:schemeClr val="lt1"/>
+            </a:fontRef>
+          </p:style>
+          <p:txBody>
+            <a:bodyPr rtlCol="0" anchor="ctr"/>
+            <a:lstStyle/>
+            <a:p>
+              <a:pPr algn="ctr"/>
+              <a:endParaRPr lang="en-US">
+                <a:solidFill>
+                  <a:schemeClr val="tx1"/>
+                </a:solidFill>
+              </a:endParaRPr>
+            </a:p>
+          </p:txBody>
+        </p:sp>
+      </p:grpSp>
+      <p:cxnSp>
+        <p:nvCxnSpPr>
+          <p:cNvPr id="16" name="直接连接符 15">
+            <a:extLst>
+              <a:ext uri="{FF2B5EF4-FFF2-40B4-BE49-F238E27FC236}">
+                <a16:creationId xmlns:a16="http://schemas.microsoft.com/office/drawing/2014/main" id="{501D4EE0-D2C8-499A-AE95-55046B5D1F74}"/>
+              </a:ext>
+            </a:extLst>
+          </p:cNvPr>
+          <p:cNvCxnSpPr>
+            <a:cxnSpLocks/>
+            <a:stCxn id="4" idx="5"/>
+            <a:endCxn id="12" idx="1"/>
+          </p:cNvCxnSpPr>
+          <p:nvPr/>
+        </p:nvCxnSpPr>
+        <p:spPr>
+          <a:xfrm>
+            <a:off x="4176940" y="1083915"/>
+            <a:ext cx="1319595" cy="2872050"/>
+          </a:xfrm>
+          <a:prstGeom prst="line">
+            <a:avLst/>
+          </a:prstGeom>
+          <a:ln w="38100"/>
+        </p:spPr>
+        <p:style>
+          <a:lnRef idx="1">
+            <a:schemeClr val="accent1"/>
+          </a:lnRef>
+          <a:fillRef idx="0">
+            <a:schemeClr val="accent1"/>
+          </a:fillRef>
+          <a:effectRef idx="0">
+            <a:schemeClr val="accent1"/>
+          </a:effectRef>
+          <a:fontRef idx="minor">
+            <a:schemeClr val="tx1"/>
+          </a:fontRef>
+        </p:style>
+      </p:cxnSp>
+      <p:cxnSp>
+        <p:nvCxnSpPr>
+          <p:cNvPr id="26" name="直接连接符 25">
+            <a:extLst>
+              <a:ext uri="{FF2B5EF4-FFF2-40B4-BE49-F238E27FC236}">
+                <a16:creationId xmlns:a16="http://schemas.microsoft.com/office/drawing/2014/main" id="{87998B79-5661-4656-88AA-11AC6F4A79A4}"/>
+              </a:ext>
+            </a:extLst>
+          </p:cNvPr>
+          <p:cNvCxnSpPr>
+            <a:cxnSpLocks/>
+            <a:stCxn id="13" idx="0"/>
+            <a:endCxn id="5" idx="5"/>
+          </p:cNvCxnSpPr>
+          <p:nvPr/>
+        </p:nvCxnSpPr>
+        <p:spPr>
+          <a:xfrm flipH="1" flipV="1">
+            <a:off x="6267667" y="1050923"/>
+            <a:ext cx="1113795" cy="2219049"/>
+          </a:xfrm>
+          <a:prstGeom prst="line">
+            <a:avLst/>
+          </a:prstGeom>
+          <a:ln w="38100"/>
+        </p:spPr>
+        <p:style>
+          <a:lnRef idx="1">
+            <a:schemeClr val="accent2"/>
+          </a:lnRef>
+          <a:fillRef idx="0">
+            <a:schemeClr val="accent2"/>
+          </a:fillRef>
+          <a:effectRef idx="0">
+            <a:schemeClr val="accent2"/>
+          </a:effectRef>
+          <a:fontRef idx="minor">
+            <a:schemeClr val="tx1"/>
+          </a:fontRef>
+        </p:style>
+      </p:cxnSp>
+      <p:cxnSp>
+        <p:nvCxnSpPr>
+          <p:cNvPr id="15" name="直接连接符 14">
+            <a:extLst>
+              <a:ext uri="{FF2B5EF4-FFF2-40B4-BE49-F238E27FC236}">
+                <a16:creationId xmlns:a16="http://schemas.microsoft.com/office/drawing/2014/main" id="{3C8C8014-CE45-40B5-A484-C82094158202}"/>
+              </a:ext>
+            </a:extLst>
+          </p:cNvPr>
+          <p:cNvCxnSpPr>
+            <a:stCxn id="6" idx="7"/>
+            <a:endCxn id="4" idx="3"/>
+          </p:cNvCxnSpPr>
+          <p:nvPr/>
+        </p:nvCxnSpPr>
+        <p:spPr>
+          <a:xfrm flipV="1">
+            <a:off x="2460588" y="1083915"/>
+            <a:ext cx="624664" cy="1480572"/>
+          </a:xfrm>
+          <a:prstGeom prst="line">
+            <a:avLst/>
+          </a:prstGeom>
+          <a:ln w="38100"/>
+        </p:spPr>
+        <p:style>
+          <a:lnRef idx="1">
+            <a:schemeClr val="accent1"/>
+          </a:lnRef>
+          <a:fillRef idx="0">
+            <a:schemeClr val="accent1"/>
+          </a:fillRef>
+          <a:effectRef idx="0">
+            <a:schemeClr val="accent1"/>
+          </a:effectRef>
+          <a:fontRef idx="minor">
+            <a:schemeClr val="tx1"/>
+          </a:fontRef>
+        </p:style>
+      </p:cxnSp>
+      <p:cxnSp>
+        <p:nvCxnSpPr>
+          <p:cNvPr id="23" name="直接连接符 22">
+            <a:extLst>
+              <a:ext uri="{FF2B5EF4-FFF2-40B4-BE49-F238E27FC236}">
+                <a16:creationId xmlns:a16="http://schemas.microsoft.com/office/drawing/2014/main" id="{3713073C-228C-465A-9191-6E82EB7FBD08}"/>
+              </a:ext>
+            </a:extLst>
+          </p:cNvPr>
+          <p:cNvCxnSpPr>
+            <a:cxnSpLocks/>
+            <a:stCxn id="7" idx="7"/>
+            <a:endCxn id="5" idx="3"/>
+          </p:cNvCxnSpPr>
+          <p:nvPr/>
+        </p:nvCxnSpPr>
+        <p:spPr>
+          <a:xfrm flipV="1">
+            <a:off x="3891823" y="1050923"/>
+            <a:ext cx="1284156" cy="1709033"/>
+          </a:xfrm>
+          <a:prstGeom prst="line">
+            <a:avLst/>
+          </a:prstGeom>
+          <a:ln w="38100"/>
+        </p:spPr>
+        <p:style>
+          <a:lnRef idx="1">
+            <a:schemeClr val="accent2"/>
+          </a:lnRef>
+          <a:fillRef idx="0">
+            <a:schemeClr val="accent2"/>
+          </a:fillRef>
+          <a:effectRef idx="0">
+            <a:schemeClr val="accent2"/>
+          </a:effectRef>
+          <a:fontRef idx="minor">
+            <a:schemeClr val="tx1"/>
+          </a:fontRef>
+        </p:style>
+      </p:cxnSp>
+      <mc:AlternateContent xmlns:mc="http://schemas.openxmlformats.org/markup-compatibility/2006">
+        <mc:Choice xmlns:a14="http://schemas.microsoft.com/office/drawing/2010/main" Requires="a14">
+          <p:sp>
+            <p:nvSpPr>
+              <p:cNvPr id="45" name="文本框 44">
+                <a:extLst>
+                  <a:ext uri="{FF2B5EF4-FFF2-40B4-BE49-F238E27FC236}">
+                    <a16:creationId xmlns:a16="http://schemas.microsoft.com/office/drawing/2014/main" id="{EEAFB739-23FE-402B-98F2-4435F1D00920}"/>
+                  </a:ext>
+                </a:extLst>
+              </p:cNvPr>
+              <p:cNvSpPr txBox="1"/>
+              <p:nvPr/>
+            </p:nvSpPr>
+            <p:spPr>
+              <a:xfrm>
+                <a:off x="1698783" y="5136789"/>
+                <a:ext cx="6104107" cy="803810"/>
+              </a:xfrm>
+              <a:prstGeom prst="rect">
+                <a:avLst/>
+              </a:prstGeom>
+              <a:noFill/>
+            </p:spPr>
+            <p:txBody>
+              <a:bodyPr wrap="none" lIns="0" tIns="0" rIns="0" bIns="0" rtlCol="0">
+                <a:spAutoFit/>
+              </a:bodyPr>
+              <a:lstStyle/>
+              <a:p>
+                <a14:m>
+                  <m:oMathPara xmlns:m="http://schemas.openxmlformats.org/officeDocument/2006/math">
+                    <m:oMathParaPr>
+                      <m:jc m:val="centerGroup"/>
+                    </m:oMathParaPr>
+                    <m:oMath xmlns:m="http://schemas.openxmlformats.org/officeDocument/2006/math">
+                      <m:r>
+                        <a:rPr lang="en-US" sz="2800" b="0" i="1" smtClean="0">
+                          <a:latin typeface="Cambria Math" panose="02040503050406030204" pitchFamily="18" charset="0"/>
+                        </a:rPr>
+                        <m:t>𝑊</m:t>
+                      </m:r>
+                      <m:r>
+                        <a:rPr lang="en-US" sz="2800" b="0" i="1" smtClean="0">
+                          <a:latin typeface="Cambria Math" panose="02040503050406030204" pitchFamily="18" charset="0"/>
+                        </a:rPr>
+                        <m:t>(</m:t>
+                      </m:r>
+                      <m:sSub>
+                        <m:sSubPr>
+                          <m:ctrlPr>
+                            <a:rPr lang="en-US" sz="2800" b="0" i="1" smtClean="0">
+                              <a:latin typeface="Cambria Math" panose="02040503050406030204" pitchFamily="18" charset="0"/>
+                            </a:rPr>
+                          </m:ctrlPr>
+                        </m:sSubPr>
+                        <m:e>
+                          <m:r>
+                            <a:rPr lang="en-US" sz="2800" b="0" i="1" smtClean="0">
+                              <a:latin typeface="Cambria Math" panose="02040503050406030204" pitchFamily="18" charset="0"/>
+                            </a:rPr>
+                            <m:t>𝑛</m:t>
+                          </m:r>
+                        </m:e>
+                        <m:sub>
+                          <m:r>
+                            <a:rPr lang="en-US" sz="2800" b="0" i="1" smtClean="0">
+                              <a:latin typeface="Cambria Math" panose="02040503050406030204" pitchFamily="18" charset="0"/>
+                            </a:rPr>
+                            <m:t>1</m:t>
+                          </m:r>
+                        </m:sub>
+                      </m:sSub>
+                      <m:r>
+                        <a:rPr lang="en-US" sz="2800" b="0" i="1" smtClean="0">
+                          <a:latin typeface="Cambria Math" panose="02040503050406030204" pitchFamily="18" charset="0"/>
+                        </a:rPr>
+                        <m:t>,</m:t>
+                      </m:r>
+                      <m:sSub>
+                        <m:sSubPr>
+                          <m:ctrlPr>
+                            <a:rPr lang="en-US" sz="2800" b="0" i="1" smtClean="0">
+                              <a:latin typeface="Cambria Math" panose="02040503050406030204" pitchFamily="18" charset="0"/>
+                            </a:rPr>
+                          </m:ctrlPr>
+                        </m:sSubPr>
+                        <m:e>
+                          <m:r>
+                            <a:rPr lang="en-US" sz="2800" b="0" i="1" smtClean="0">
+                              <a:latin typeface="Cambria Math" panose="02040503050406030204" pitchFamily="18" charset="0"/>
+                            </a:rPr>
+                            <m:t>𝑛</m:t>
+                          </m:r>
+                        </m:e>
+                        <m:sub>
+                          <m:r>
+                            <a:rPr lang="en-US" sz="2800" b="0" i="1" smtClean="0">
+                              <a:latin typeface="Cambria Math" panose="02040503050406030204" pitchFamily="18" charset="0"/>
+                            </a:rPr>
+                            <m:t>2</m:t>
+                          </m:r>
+                        </m:sub>
+                      </m:sSub>
+                      <m:r>
+                        <a:rPr lang="en-US" sz="2800" b="0" i="1" smtClean="0">
+                          <a:latin typeface="Cambria Math" panose="02040503050406030204" pitchFamily="18" charset="0"/>
+                        </a:rPr>
+                        <m:t>)=</m:t>
+                      </m:r>
+                      <m:f>
+                        <m:fPr>
+                          <m:ctrlPr>
+                            <a:rPr lang="en-US" sz="2800" b="0" i="1" smtClean="0">
+                              <a:latin typeface="Cambria Math" panose="02040503050406030204" pitchFamily="18" charset="0"/>
+                            </a:rPr>
+                          </m:ctrlPr>
+                        </m:fPr>
+                        <m:num>
+                          <m:sSub>
+                            <m:sSubPr>
+                              <m:ctrlPr>
+                                <a:rPr lang="en-US" sz="2800" b="0" i="1" smtClean="0">
+                                  <a:latin typeface="Cambria Math" panose="02040503050406030204" pitchFamily="18" charset="0"/>
+                                </a:rPr>
+                              </m:ctrlPr>
+                            </m:sSubPr>
+                            <m:e>
+                              <m:r>
+                                <a:rPr lang="en-US" sz="2800" b="0" i="1" smtClean="0">
+                                  <a:latin typeface="Cambria Math" panose="02040503050406030204" pitchFamily="18" charset="0"/>
+                                </a:rPr>
+                                <m:t>𝐽</m:t>
+                              </m:r>
+                            </m:e>
+                            <m:sub>
+                              <m:r>
+                                <a:rPr lang="en-US" sz="2800" b="0" i="1" smtClean="0">
+                                  <a:latin typeface="Cambria Math" panose="02040503050406030204" pitchFamily="18" charset="0"/>
+                                </a:rPr>
+                                <m:t>1</m:t>
+                              </m:r>
+                            </m:sub>
+                          </m:sSub>
+                        </m:num>
+                        <m:den>
+                          <m:r>
+                            <a:rPr lang="en-US" sz="2800" b="0" i="1" smtClean="0">
+                              <a:latin typeface="Cambria Math" panose="02040503050406030204" pitchFamily="18" charset="0"/>
+                            </a:rPr>
+                            <m:t>2</m:t>
+                          </m:r>
+                        </m:den>
+                      </m:f>
+                      <m:r>
+                        <a:rPr lang="en-US" sz="2800" b="0" i="1" smtClean="0">
+                          <a:latin typeface="Cambria Math" panose="02040503050406030204" pitchFamily="18" charset="0"/>
+                        </a:rPr>
+                        <m:t>(</m:t>
+                      </m:r>
+                      <m:func>
+                        <m:funcPr>
+                          <m:ctrlPr>
+                            <a:rPr lang="en-US" altLang="zh-CN" sz="2800" b="0" i="1" smtClean="0">
+                              <a:latin typeface="Cambria Math" panose="02040503050406030204" pitchFamily="18" charset="0"/>
+                            </a:rPr>
+                          </m:ctrlPr>
+                        </m:funcPr>
+                        <m:fName>
+                          <m:r>
+                            <m:rPr>
+                              <m:sty m:val="p"/>
+                            </m:rPr>
+                            <a:rPr lang="en-US" altLang="zh-CN" sz="2800">
+                              <a:latin typeface="Cambria Math" panose="02040503050406030204" pitchFamily="18" charset="0"/>
+                            </a:rPr>
+                            <m:t>cos</m:t>
+                          </m:r>
+                        </m:fName>
+                        <m:e>
+                          <m:d>
+                            <m:dPr>
+                              <m:ctrlPr>
+                                <a:rPr lang="en-US" altLang="zh-CN" sz="2800" i="1">
+                                  <a:latin typeface="Cambria Math" panose="02040503050406030204" pitchFamily="18" charset="0"/>
+                                </a:rPr>
+                              </m:ctrlPr>
+                            </m:dPr>
+                            <m:e>
+                              <m:r>
+                                <m:rPr>
+                                  <m:sty m:val="p"/>
+                                </m:rPr>
+                                <a:rPr lang="el-GR" altLang="zh-CN" sz="2800" i="1">
+                                  <a:latin typeface="Cambria Math" panose="02040503050406030204" pitchFamily="18" charset="0"/>
+                                  <a:ea typeface="Cambria Math" panose="02040503050406030204" pitchFamily="18" charset="0"/>
+                                </a:rPr>
+                                <m:t>Δ</m:t>
+                              </m:r>
+                              <m:sSub>
+                                <m:sSubPr>
+                                  <m:ctrlPr>
+                                    <a:rPr lang="en-US" altLang="zh-CN" sz="2800" i="1">
+                                      <a:latin typeface="Cambria Math" panose="02040503050406030204" pitchFamily="18" charset="0"/>
+                                      <a:ea typeface="Cambria Math" panose="02040503050406030204" pitchFamily="18" charset="0"/>
+                                    </a:rPr>
+                                  </m:ctrlPr>
+                                </m:sSubPr>
+                                <m:e>
+                                  <m:r>
+                                    <a:rPr lang="en-US" altLang="zh-CN" sz="2800" i="1">
+                                      <a:latin typeface="Cambria Math" panose="02040503050406030204" pitchFamily="18" charset="0"/>
+                                      <a:ea typeface="Cambria Math" panose="02040503050406030204" pitchFamily="18" charset="0"/>
+                                    </a:rPr>
+                                    <m:t>𝜃</m:t>
+                                  </m:r>
+                                </m:e>
+                                <m:sub>
+                                  <m:r>
+                                    <a:rPr lang="en-US" altLang="zh-CN" sz="2800" i="1">
+                                      <a:latin typeface="Cambria Math" panose="02040503050406030204" pitchFamily="18" charset="0"/>
+                                      <a:ea typeface="Cambria Math" panose="02040503050406030204" pitchFamily="18" charset="0"/>
+                                    </a:rPr>
+                                    <m:t>𝐴</m:t>
+                                  </m:r>
+                                </m:sub>
+                              </m:sSub>
+                            </m:e>
+                          </m:d>
+                        </m:e>
+                      </m:func>
+                      <m:r>
+                        <a:rPr lang="en-US" altLang="zh-CN" sz="2800" b="0" i="1" smtClean="0">
+                          <a:latin typeface="Cambria Math" panose="02040503050406030204" pitchFamily="18" charset="0"/>
+                        </a:rPr>
+                        <m:t>+</m:t>
+                      </m:r>
+                      <m:r>
+                        <m:rPr>
+                          <m:sty m:val="p"/>
+                        </m:rPr>
+                        <a:rPr lang="en-US" altLang="zh-CN" sz="2800">
+                          <a:latin typeface="Cambria Math" panose="02040503050406030204" pitchFamily="18" charset="0"/>
+                        </a:rPr>
+                        <m:t>cos</m:t>
+                      </m:r>
+                      <m:r>
+                        <a:rPr lang="en-US" altLang="zh-CN" sz="2800" i="1">
+                          <a:latin typeface="Cambria Math" panose="02040503050406030204" pitchFamily="18" charset="0"/>
+                        </a:rPr>
+                        <m:t>⁡(</m:t>
+                      </m:r>
+                      <m:r>
+                        <m:rPr>
+                          <m:sty m:val="p"/>
+                        </m:rPr>
+                        <a:rPr lang="el-GR" altLang="zh-CN" sz="2800" i="1">
+                          <a:latin typeface="Cambria Math" panose="02040503050406030204" pitchFamily="18" charset="0"/>
+                          <a:ea typeface="Cambria Math" panose="02040503050406030204" pitchFamily="18" charset="0"/>
+                        </a:rPr>
+                        <m:t>Δ</m:t>
+                      </m:r>
+                      <m:sSub>
+                        <m:sSubPr>
+                          <m:ctrlPr>
+                            <a:rPr lang="en-US" altLang="zh-CN" sz="2800" i="1">
+                              <a:latin typeface="Cambria Math" panose="02040503050406030204" pitchFamily="18" charset="0"/>
+                              <a:ea typeface="Cambria Math" panose="02040503050406030204" pitchFamily="18" charset="0"/>
+                            </a:rPr>
+                          </m:ctrlPr>
+                        </m:sSubPr>
+                        <m:e>
+                          <m:r>
+                            <a:rPr lang="en-US" altLang="zh-CN" sz="2800" i="1">
+                              <a:latin typeface="Cambria Math" panose="02040503050406030204" pitchFamily="18" charset="0"/>
+                              <a:ea typeface="Cambria Math" panose="02040503050406030204" pitchFamily="18" charset="0"/>
+                            </a:rPr>
+                            <m:t>𝜃</m:t>
+                          </m:r>
+                        </m:e>
+                        <m:sub>
+                          <m:r>
+                            <a:rPr lang="en-US" altLang="zh-CN" sz="2800" b="0" i="1" smtClean="0">
+                              <a:latin typeface="Cambria Math" panose="02040503050406030204" pitchFamily="18" charset="0"/>
+                              <a:ea typeface="Cambria Math" panose="02040503050406030204" pitchFamily="18" charset="0"/>
+                            </a:rPr>
+                            <m:t>𝐵</m:t>
+                          </m:r>
+                        </m:sub>
+                      </m:sSub>
+                      <m:r>
+                        <a:rPr lang="en-US" altLang="zh-CN" sz="2800" i="1">
+                          <a:latin typeface="Cambria Math" panose="02040503050406030204" pitchFamily="18" charset="0"/>
+                        </a:rPr>
+                        <m:t>)</m:t>
+                      </m:r>
+                      <m:r>
+                        <a:rPr lang="en-US" sz="2800" b="0" i="1" smtClean="0">
+                          <a:latin typeface="Cambria Math" panose="02040503050406030204" pitchFamily="18" charset="0"/>
+                        </a:rPr>
+                        <m:t>)</m:t>
+                      </m:r>
+                    </m:oMath>
+                  </m:oMathPara>
+                </a14:m>
+                <a:endParaRPr lang="en-US" sz="2800" dirty="0"/>
+              </a:p>
+            </p:txBody>
+          </p:sp>
+        </mc:Choice>
+        <mc:Fallback>
+          <p:sp>
+            <p:nvSpPr>
+              <p:cNvPr id="45" name="文本框 44">
+                <a:extLst>
+                  <a:ext uri="{FF2B5EF4-FFF2-40B4-BE49-F238E27FC236}">
+                    <a16:creationId xmlns:a16="http://schemas.microsoft.com/office/drawing/2014/main" id="{EEAFB739-23FE-402B-98F2-4435F1D00920}"/>
+                  </a:ext>
+                </a:extLst>
+              </p:cNvPr>
+              <p:cNvSpPr txBox="1">
+                <a:spLocks noRot="1" noChangeAspect="1" noMove="1" noResize="1" noEditPoints="1" noAdjustHandles="1" noChangeArrowheads="1" noChangeShapeType="1" noTextEdit="1"/>
+              </p:cNvSpPr>
+              <p:nvPr/>
+            </p:nvSpPr>
+            <p:spPr>
+              <a:xfrm>
+                <a:off x="1698783" y="5136789"/>
+                <a:ext cx="6104107" cy="803810"/>
+              </a:xfrm>
+              <a:prstGeom prst="rect">
+                <a:avLst/>
+              </a:prstGeom>
+              <a:blipFill>
+                <a:blip r:embed="rId2"/>
+                <a:stretch>
+                  <a:fillRect/>
+                </a:stretch>
+              </a:blipFill>
+            </p:spPr>
+            <p:txBody>
+              <a:bodyPr/>
+              <a:lstStyle/>
+              <a:p>
+                <a:r>
+                  <a:rPr lang="en-US">
+                    <a:noFill/>
+                  </a:rPr>
+                  <a:t> </a:t>
+                </a:r>
+              </a:p>
+            </p:txBody>
+          </p:sp>
+        </mc:Fallback>
+      </mc:AlternateContent>
+      <p:sp>
+        <p:nvSpPr>
+          <p:cNvPr id="46" name="文本框 45">
+            <a:extLst>
+              <a:ext uri="{FF2B5EF4-FFF2-40B4-BE49-F238E27FC236}">
+                <a16:creationId xmlns:a16="http://schemas.microsoft.com/office/drawing/2014/main" id="{826D8EF0-E1CE-4E65-BF59-8D6E561D461C}"/>
+              </a:ext>
+            </a:extLst>
+          </p:cNvPr>
+          <p:cNvSpPr txBox="1"/>
+          <p:nvPr/>
+        </p:nvSpPr>
+        <p:spPr>
+          <a:xfrm>
+            <a:off x="2407105" y="4737061"/>
+            <a:ext cx="1061509" cy="461665"/>
+          </a:xfrm>
+          <a:prstGeom prst="rect">
+            <a:avLst/>
+          </a:prstGeom>
+          <a:noFill/>
+        </p:spPr>
+        <p:txBody>
+          <a:bodyPr wrap="none" rtlCol="0">
+            <a:spAutoFit/>
+          </a:bodyPr>
+          <a:lstStyle/>
+          <a:p>
+            <a:r>
+              <a:rPr lang="en-US" sz="2400" dirty="0"/>
+              <a:t>Map A</a:t>
+            </a:r>
+          </a:p>
+        </p:txBody>
+      </p:sp>
+      <p:sp>
+        <p:nvSpPr>
+          <p:cNvPr id="47" name="文本框 46">
+            <a:extLst>
+              <a:ext uri="{FF2B5EF4-FFF2-40B4-BE49-F238E27FC236}">
+                <a16:creationId xmlns:a16="http://schemas.microsoft.com/office/drawing/2014/main" id="{EC466764-8DA2-4661-AF26-649DC19B0C0B}"/>
+              </a:ext>
+            </a:extLst>
+          </p:cNvPr>
+          <p:cNvSpPr txBox="1"/>
+          <p:nvPr/>
+        </p:nvSpPr>
+        <p:spPr>
+          <a:xfrm>
+            <a:off x="5975031" y="4711622"/>
+            <a:ext cx="1037463" cy="461665"/>
+          </a:xfrm>
+          <a:prstGeom prst="rect">
+            <a:avLst/>
+          </a:prstGeom>
+          <a:noFill/>
+        </p:spPr>
+        <p:txBody>
+          <a:bodyPr wrap="none" rtlCol="0">
+            <a:spAutoFit/>
+          </a:bodyPr>
+          <a:lstStyle/>
+          <a:p>
+            <a:r>
+              <a:rPr lang="en-US" sz="2400" dirty="0"/>
+              <a:t>Map B</a:t>
+            </a:r>
+          </a:p>
+        </p:txBody>
+      </p:sp>
     </p:spTree>
     <p:extLst>
       <p:ext uri="{BB962C8B-B14F-4D97-AF65-F5344CB8AC3E}">
         <p14:creationId xmlns:p14="http://schemas.microsoft.com/office/powerpoint/2010/main" val="4173203818"/>
+      </p:ext>
+    </p:extLst>
+  </p:cSld>
+  <p:clrMapOvr>
+    <a:masterClrMapping/>
+  </p:clrMapOvr>
+</p:sld>
+</file>
+
+<file path=ppt/slides/slide4.xml><?xml version="1.0" encoding="utf-8"?>
+<p:sld xmlns:a="http://schemas.openxmlformats.org/drawingml/2006/main" xmlns:r="http://schemas.openxmlformats.org/officeDocument/2006/relationships" xmlns:p="http://schemas.openxmlformats.org/presentationml/2006/main">
+  <p:cSld>
+    <p:spTree>
+      <p:nvGrpSpPr>
+        <p:cNvPr id="1" name=""/>
+        <p:cNvGrpSpPr/>
+        <p:nvPr/>
+      </p:nvGrpSpPr>
+      <p:grpSpPr>
+        <a:xfrm>
+          <a:off x="0" y="0"/>
+          <a:ext cx="0" cy="0"/>
+          <a:chOff x="0" y="0"/>
+          <a:chExt cx="0" cy="0"/>
+        </a:xfrm>
+      </p:grpSpPr>
+      <p:grpSp>
+        <p:nvGrpSpPr>
+          <p:cNvPr id="59" name="组合 58">
+            <a:extLst>
+              <a:ext uri="{FF2B5EF4-FFF2-40B4-BE49-F238E27FC236}">
+                <a16:creationId xmlns:a16="http://schemas.microsoft.com/office/drawing/2014/main" id="{CB356700-1EF4-4102-93AA-02AD42274E67}"/>
+              </a:ext>
+            </a:extLst>
+          </p:cNvPr>
+          <p:cNvGrpSpPr/>
+          <p:nvPr/>
+        </p:nvGrpSpPr>
+        <p:grpSpPr>
+          <a:xfrm>
+            <a:off x="2891283" y="2032416"/>
+            <a:ext cx="2478157" cy="2478157"/>
+            <a:chOff x="5141844" y="2199859"/>
+            <a:chExt cx="2478157" cy="2478157"/>
+          </a:xfrm>
+          <a:scene3d>
+            <a:camera prst="isometricLeftDown"/>
+            <a:lightRig rig="threePt" dir="t"/>
+          </a:scene3d>
+        </p:grpSpPr>
+        <p:grpSp>
+          <p:nvGrpSpPr>
+            <p:cNvPr id="60" name="组合 59">
+              <a:extLst>
+                <a:ext uri="{FF2B5EF4-FFF2-40B4-BE49-F238E27FC236}">
+                  <a16:creationId xmlns:a16="http://schemas.microsoft.com/office/drawing/2014/main" id="{44F29DCC-305F-42B8-B9CA-62335757A3B6}"/>
+                </a:ext>
+              </a:extLst>
+            </p:cNvPr>
+            <p:cNvGrpSpPr/>
+            <p:nvPr/>
+          </p:nvGrpSpPr>
+          <p:grpSpPr>
+            <a:xfrm>
+              <a:off x="5141844" y="2199859"/>
+              <a:ext cx="2478157" cy="2478157"/>
+              <a:chOff x="1550504" y="2199861"/>
+              <a:chExt cx="2478157" cy="2478157"/>
+            </a:xfrm>
+          </p:grpSpPr>
+          <p:sp>
+            <p:nvSpPr>
+              <p:cNvPr id="63" name="矩形 62">
+                <a:extLst>
+                  <a:ext uri="{FF2B5EF4-FFF2-40B4-BE49-F238E27FC236}">
+                    <a16:creationId xmlns:a16="http://schemas.microsoft.com/office/drawing/2014/main" id="{4E6B7309-07B3-46DC-BEB1-A8758656E87F}"/>
+                  </a:ext>
+                </a:extLst>
+              </p:cNvPr>
+              <p:cNvSpPr/>
+              <p:nvPr/>
+            </p:nvSpPr>
+            <p:spPr>
+              <a:xfrm>
+                <a:off x="1550504" y="2199861"/>
+                <a:ext cx="2478157" cy="2478157"/>
+              </a:xfrm>
+              <a:prstGeom prst="rect">
+                <a:avLst/>
+              </a:prstGeom>
+            </p:spPr>
+            <p:style>
+              <a:lnRef idx="2">
+                <a:schemeClr val="accent3">
+                  <a:shade val="50000"/>
+                </a:schemeClr>
+              </a:lnRef>
+              <a:fillRef idx="1">
+                <a:schemeClr val="accent3"/>
+              </a:fillRef>
+              <a:effectRef idx="0">
+                <a:schemeClr val="accent3"/>
+              </a:effectRef>
+              <a:fontRef idx="minor">
+                <a:schemeClr val="lt1"/>
+              </a:fontRef>
+            </p:style>
+            <p:txBody>
+              <a:bodyPr rtlCol="0" anchor="ctr"/>
+              <a:lstStyle/>
+              <a:p>
+                <a:pPr algn="ctr"/>
+                <a:endParaRPr lang="en-US"/>
+              </a:p>
+            </p:txBody>
+          </p:sp>
+          <p:sp>
+            <p:nvSpPr>
+              <p:cNvPr id="64" name="圆: 空心 63">
+                <a:extLst>
+                  <a:ext uri="{FF2B5EF4-FFF2-40B4-BE49-F238E27FC236}">
+                    <a16:creationId xmlns:a16="http://schemas.microsoft.com/office/drawing/2014/main" id="{B7CC1660-BDB9-4476-B652-3E33C9BB7F5F}"/>
+                  </a:ext>
+                </a:extLst>
+              </p:cNvPr>
+              <p:cNvSpPr/>
+              <p:nvPr/>
+            </p:nvSpPr>
+            <p:spPr>
+              <a:xfrm>
+                <a:off x="1709529" y="2358886"/>
+                <a:ext cx="2160105" cy="2160105"/>
+              </a:xfrm>
+              <a:prstGeom prst="donut">
+                <a:avLst>
+                  <a:gd name="adj" fmla="val 6966"/>
+                </a:avLst>
+              </a:prstGeom>
+            </p:spPr>
+            <p:style>
+              <a:lnRef idx="2">
+                <a:schemeClr val="accent4">
+                  <a:shade val="50000"/>
+                </a:schemeClr>
+              </a:lnRef>
+              <a:fillRef idx="1">
+                <a:schemeClr val="accent4"/>
+              </a:fillRef>
+              <a:effectRef idx="0">
+                <a:schemeClr val="accent4"/>
+              </a:effectRef>
+              <a:fontRef idx="minor">
+                <a:schemeClr val="lt1"/>
+              </a:fontRef>
+            </p:style>
+            <p:txBody>
+              <a:bodyPr rtlCol="0" anchor="ctr"/>
+              <a:lstStyle/>
+              <a:p>
+                <a:pPr algn="ctr"/>
+                <a:endParaRPr lang="en-US">
+                  <a:solidFill>
+                    <a:schemeClr val="tx1"/>
+                  </a:solidFill>
+                </a:endParaRPr>
+              </a:p>
+            </p:txBody>
+          </p:sp>
+          <p:sp>
+            <p:nvSpPr>
+              <p:cNvPr id="65" name="椭圆 64">
+                <a:extLst>
+                  <a:ext uri="{FF2B5EF4-FFF2-40B4-BE49-F238E27FC236}">
+                    <a16:creationId xmlns:a16="http://schemas.microsoft.com/office/drawing/2014/main" id="{801F03FD-78E6-4D34-BE96-E30E40B36A0C}"/>
+                  </a:ext>
+                </a:extLst>
+              </p:cNvPr>
+              <p:cNvSpPr/>
+              <p:nvPr/>
+            </p:nvSpPr>
+            <p:spPr>
+              <a:xfrm>
+                <a:off x="1858617" y="3909389"/>
+                <a:ext cx="318052" cy="318052"/>
+              </a:xfrm>
+              <a:prstGeom prst="ellipse">
+                <a:avLst/>
+              </a:prstGeom>
+            </p:spPr>
+            <p:style>
+              <a:lnRef idx="2">
+                <a:schemeClr val="accent1">
+                  <a:shade val="50000"/>
+                </a:schemeClr>
+              </a:lnRef>
+              <a:fillRef idx="1">
+                <a:schemeClr val="accent1"/>
+              </a:fillRef>
+              <a:effectRef idx="0">
+                <a:schemeClr val="accent1"/>
+              </a:effectRef>
+              <a:fontRef idx="minor">
+                <a:schemeClr val="lt1"/>
+              </a:fontRef>
+            </p:style>
+            <p:txBody>
+              <a:bodyPr rtlCol="0" anchor="ctr"/>
+              <a:lstStyle/>
+              <a:p>
+                <a:pPr algn="ctr"/>
+                <a:endParaRPr lang="en-US"/>
+              </a:p>
+            </p:txBody>
+          </p:sp>
+          <p:sp>
+            <p:nvSpPr>
+              <p:cNvPr id="66" name="椭圆 65">
+                <a:extLst>
+                  <a:ext uri="{FF2B5EF4-FFF2-40B4-BE49-F238E27FC236}">
+                    <a16:creationId xmlns:a16="http://schemas.microsoft.com/office/drawing/2014/main" id="{F15B67AE-5D5E-49FC-B810-8A9B0186E819}"/>
+                  </a:ext>
+                </a:extLst>
+              </p:cNvPr>
+              <p:cNvSpPr/>
+              <p:nvPr/>
+            </p:nvSpPr>
+            <p:spPr>
+              <a:xfrm>
+                <a:off x="3631096" y="3269974"/>
+                <a:ext cx="318052" cy="318052"/>
+              </a:xfrm>
+              <a:prstGeom prst="ellipse">
+                <a:avLst/>
+              </a:prstGeom>
+            </p:spPr>
+            <p:style>
+              <a:lnRef idx="2">
+                <a:schemeClr val="accent2">
+                  <a:shade val="50000"/>
+                </a:schemeClr>
+              </a:lnRef>
+              <a:fillRef idx="1">
+                <a:schemeClr val="accent2"/>
+              </a:fillRef>
+              <a:effectRef idx="0">
+                <a:schemeClr val="accent2"/>
+              </a:effectRef>
+              <a:fontRef idx="minor">
+                <a:schemeClr val="lt1"/>
+              </a:fontRef>
+            </p:style>
+            <p:txBody>
+              <a:bodyPr rtlCol="0" anchor="ctr"/>
+              <a:lstStyle/>
+              <a:p>
+                <a:pPr algn="ctr"/>
+                <a:endParaRPr lang="en-US"/>
+              </a:p>
+            </p:txBody>
+          </p:sp>
+        </p:grpSp>
+        <p:cxnSp>
+          <p:nvCxnSpPr>
+            <p:cNvPr id="61" name="直接箭头连接符 60">
+              <a:extLst>
+                <a:ext uri="{FF2B5EF4-FFF2-40B4-BE49-F238E27FC236}">
+                  <a16:creationId xmlns:a16="http://schemas.microsoft.com/office/drawing/2014/main" id="{C1454071-9A83-4A20-8A75-178194D97B50}"/>
+                </a:ext>
+              </a:extLst>
+            </p:cNvPr>
+            <p:cNvCxnSpPr>
+              <a:cxnSpLocks/>
+              <a:endCxn id="66" idx="2"/>
+            </p:cNvCxnSpPr>
+            <p:nvPr/>
+          </p:nvCxnSpPr>
+          <p:spPr>
+            <a:xfrm flipV="1">
+              <a:off x="6404017" y="3428998"/>
+              <a:ext cx="818419" cy="9938"/>
+            </a:xfrm>
+            <a:prstGeom prst="straightConnector1">
+              <a:avLst/>
+            </a:prstGeom>
+            <a:ln w="57150">
+              <a:tailEnd type="triangle"/>
+            </a:ln>
+          </p:spPr>
+          <p:style>
+            <a:lnRef idx="1">
+              <a:schemeClr val="accent2"/>
+            </a:lnRef>
+            <a:fillRef idx="0">
+              <a:schemeClr val="accent2"/>
+            </a:fillRef>
+            <a:effectRef idx="0">
+              <a:schemeClr val="accent2"/>
+            </a:effectRef>
+            <a:fontRef idx="minor">
+              <a:schemeClr val="tx1"/>
+            </a:fontRef>
+          </p:style>
+        </p:cxnSp>
+        <p:cxnSp>
+          <p:nvCxnSpPr>
+            <p:cNvPr id="62" name="直接箭头连接符 61">
+              <a:extLst>
+                <a:ext uri="{FF2B5EF4-FFF2-40B4-BE49-F238E27FC236}">
+                  <a16:creationId xmlns:a16="http://schemas.microsoft.com/office/drawing/2014/main" id="{4E9322AF-51A4-431C-AE1D-47C2537F4798}"/>
+                </a:ext>
+              </a:extLst>
+            </p:cNvPr>
+            <p:cNvCxnSpPr>
+              <a:cxnSpLocks/>
+              <a:endCxn id="65" idx="7"/>
+            </p:cNvCxnSpPr>
+            <p:nvPr/>
+          </p:nvCxnSpPr>
+          <p:spPr>
+            <a:xfrm flipH="1">
+              <a:off x="5721431" y="3438936"/>
+              <a:ext cx="682586" cy="517029"/>
+            </a:xfrm>
+            <a:prstGeom prst="straightConnector1">
+              <a:avLst/>
+            </a:prstGeom>
+            <a:ln w="57150">
+              <a:tailEnd type="triangle"/>
+            </a:ln>
+          </p:spPr>
+          <p:style>
+            <a:lnRef idx="1">
+              <a:schemeClr val="accent1"/>
+            </a:lnRef>
+            <a:fillRef idx="0">
+              <a:schemeClr val="accent1"/>
+            </a:fillRef>
+            <a:effectRef idx="0">
+              <a:schemeClr val="accent1"/>
+            </a:effectRef>
+            <a:fontRef idx="minor">
+              <a:schemeClr val="tx1"/>
+            </a:fontRef>
+          </p:style>
+        </p:cxnSp>
+      </p:grpSp>
+      <p:grpSp>
+        <p:nvGrpSpPr>
+          <p:cNvPr id="51" name="组合 50">
+            <a:extLst>
+              <a:ext uri="{FF2B5EF4-FFF2-40B4-BE49-F238E27FC236}">
+                <a16:creationId xmlns:a16="http://schemas.microsoft.com/office/drawing/2014/main" id="{BA7042A0-075D-4120-AE9A-6BED7F811B1D}"/>
+              </a:ext>
+            </a:extLst>
+          </p:cNvPr>
+          <p:cNvGrpSpPr/>
+          <p:nvPr/>
+        </p:nvGrpSpPr>
+        <p:grpSpPr>
+          <a:xfrm>
+            <a:off x="6001446" y="2016493"/>
+            <a:ext cx="2478157" cy="2478157"/>
+            <a:chOff x="1698783" y="2199859"/>
+            <a:chExt cx="2478157" cy="2478157"/>
+          </a:xfrm>
+          <a:scene3d>
+            <a:camera prst="isometricLeftDown"/>
+            <a:lightRig rig="threePt" dir="t"/>
+          </a:scene3d>
+        </p:grpSpPr>
+        <p:sp>
+          <p:nvSpPr>
+            <p:cNvPr id="52" name="矩形 51">
+              <a:extLst>
+                <a:ext uri="{FF2B5EF4-FFF2-40B4-BE49-F238E27FC236}">
+                  <a16:creationId xmlns:a16="http://schemas.microsoft.com/office/drawing/2014/main" id="{8505CFA3-7507-4EAB-A4C5-E8AD1A5DBA4A}"/>
+                </a:ext>
+              </a:extLst>
+            </p:cNvPr>
+            <p:cNvSpPr/>
+            <p:nvPr/>
+          </p:nvSpPr>
+          <p:spPr>
+            <a:xfrm>
+              <a:off x="1698783" y="2199859"/>
+              <a:ext cx="2478157" cy="2478157"/>
+            </a:xfrm>
+            <a:prstGeom prst="rect">
+              <a:avLst/>
+            </a:prstGeom>
+          </p:spPr>
+          <p:style>
+            <a:lnRef idx="2">
+              <a:schemeClr val="accent3">
+                <a:shade val="50000"/>
+              </a:schemeClr>
+            </a:lnRef>
+            <a:fillRef idx="1">
+              <a:schemeClr val="accent3"/>
+            </a:fillRef>
+            <a:effectRef idx="0">
+              <a:schemeClr val="accent3"/>
+            </a:effectRef>
+            <a:fontRef idx="minor">
+              <a:schemeClr val="lt1"/>
+            </a:fontRef>
+          </p:style>
+          <p:txBody>
+            <a:bodyPr rtlCol="0" anchor="ctr"/>
+            <a:lstStyle/>
+            <a:p>
+              <a:pPr algn="ctr"/>
+              <a:endParaRPr lang="en-US"/>
+            </a:p>
+          </p:txBody>
+        </p:sp>
+        <p:sp>
+          <p:nvSpPr>
+            <p:cNvPr id="53" name="圆: 空心 52">
+              <a:extLst>
+                <a:ext uri="{FF2B5EF4-FFF2-40B4-BE49-F238E27FC236}">
+                  <a16:creationId xmlns:a16="http://schemas.microsoft.com/office/drawing/2014/main" id="{D43F19B6-5CA1-474B-BE33-9FB0024C9891}"/>
+                </a:ext>
+              </a:extLst>
+            </p:cNvPr>
+            <p:cNvSpPr/>
+            <p:nvPr/>
+          </p:nvSpPr>
+          <p:spPr>
+            <a:xfrm>
+              <a:off x="1857808" y="2358884"/>
+              <a:ext cx="2160105" cy="2160105"/>
+            </a:xfrm>
+            <a:prstGeom prst="donut">
+              <a:avLst>
+                <a:gd name="adj" fmla="val 6966"/>
+              </a:avLst>
+            </a:prstGeom>
+          </p:spPr>
+          <p:style>
+            <a:lnRef idx="2">
+              <a:schemeClr val="accent4">
+                <a:shade val="50000"/>
+              </a:schemeClr>
+            </a:lnRef>
+            <a:fillRef idx="1">
+              <a:schemeClr val="accent4"/>
+            </a:fillRef>
+            <a:effectRef idx="0">
+              <a:schemeClr val="accent4"/>
+            </a:effectRef>
+            <a:fontRef idx="minor">
+              <a:schemeClr val="lt1"/>
+            </a:fontRef>
+          </p:style>
+          <p:txBody>
+            <a:bodyPr rtlCol="0" anchor="ctr"/>
+            <a:lstStyle/>
+            <a:p>
+              <a:pPr algn="ctr"/>
+              <a:endParaRPr lang="en-US">
+                <a:solidFill>
+                  <a:schemeClr val="tx1"/>
+                </a:solidFill>
+              </a:endParaRPr>
+            </a:p>
+          </p:txBody>
+        </p:sp>
+        <p:sp>
+          <p:nvSpPr>
+            <p:cNvPr id="54" name="椭圆 53">
+              <a:extLst>
+                <a:ext uri="{FF2B5EF4-FFF2-40B4-BE49-F238E27FC236}">
+                  <a16:creationId xmlns:a16="http://schemas.microsoft.com/office/drawing/2014/main" id="{02A4A840-96B3-465B-8092-C4A1F31D31C1}"/>
+                </a:ext>
+              </a:extLst>
+            </p:cNvPr>
+            <p:cNvSpPr/>
+            <p:nvPr/>
+          </p:nvSpPr>
+          <p:spPr>
+            <a:xfrm>
+              <a:off x="2189114" y="2517909"/>
+              <a:ext cx="318052" cy="318052"/>
+            </a:xfrm>
+            <a:prstGeom prst="ellipse">
+              <a:avLst/>
+            </a:prstGeom>
+          </p:spPr>
+          <p:style>
+            <a:lnRef idx="2">
+              <a:schemeClr val="accent1">
+                <a:shade val="50000"/>
+              </a:schemeClr>
+            </a:lnRef>
+            <a:fillRef idx="1">
+              <a:schemeClr val="accent1"/>
+            </a:fillRef>
+            <a:effectRef idx="0">
+              <a:schemeClr val="accent1"/>
+            </a:effectRef>
+            <a:fontRef idx="minor">
+              <a:schemeClr val="lt1"/>
+            </a:fontRef>
+          </p:style>
+          <p:txBody>
+            <a:bodyPr rtlCol="0" anchor="ctr"/>
+            <a:lstStyle/>
+            <a:p>
+              <a:pPr algn="ctr"/>
+              <a:endParaRPr lang="en-US"/>
+            </a:p>
+          </p:txBody>
+        </p:sp>
+        <p:sp>
+          <p:nvSpPr>
+            <p:cNvPr id="55" name="椭圆 54">
+              <a:extLst>
+                <a:ext uri="{FF2B5EF4-FFF2-40B4-BE49-F238E27FC236}">
+                  <a16:creationId xmlns:a16="http://schemas.microsoft.com/office/drawing/2014/main" id="{D9236921-8E8F-4923-B9DF-87133DD68F63}"/>
+                </a:ext>
+              </a:extLst>
+            </p:cNvPr>
+            <p:cNvSpPr/>
+            <p:nvPr/>
+          </p:nvSpPr>
+          <p:spPr>
+            <a:xfrm>
+              <a:off x="3620349" y="2713378"/>
+              <a:ext cx="318052" cy="318052"/>
+            </a:xfrm>
+            <a:prstGeom prst="ellipse">
+              <a:avLst/>
+            </a:prstGeom>
+          </p:spPr>
+          <p:style>
+            <a:lnRef idx="2">
+              <a:schemeClr val="accent2">
+                <a:shade val="50000"/>
+              </a:schemeClr>
+            </a:lnRef>
+            <a:fillRef idx="1">
+              <a:schemeClr val="accent2"/>
+            </a:fillRef>
+            <a:effectRef idx="0">
+              <a:schemeClr val="accent2"/>
+            </a:effectRef>
+            <a:fontRef idx="minor">
+              <a:schemeClr val="lt1"/>
+            </a:fontRef>
+          </p:style>
+          <p:txBody>
+            <a:bodyPr rtlCol="0" anchor="ctr"/>
+            <a:lstStyle/>
+            <a:p>
+              <a:pPr algn="ctr"/>
+              <a:endParaRPr lang="en-US"/>
+            </a:p>
+          </p:txBody>
+        </p:sp>
+        <p:cxnSp>
+          <p:nvCxnSpPr>
+            <p:cNvPr id="56" name="直接箭头连接符 55">
+              <a:extLst>
+                <a:ext uri="{FF2B5EF4-FFF2-40B4-BE49-F238E27FC236}">
+                  <a16:creationId xmlns:a16="http://schemas.microsoft.com/office/drawing/2014/main" id="{9050926F-2F22-4CC8-9A1A-658E61AC7172}"/>
+                </a:ext>
+              </a:extLst>
+            </p:cNvPr>
+            <p:cNvCxnSpPr>
+              <a:cxnSpLocks/>
+              <a:endCxn id="54" idx="5"/>
+            </p:cNvCxnSpPr>
+            <p:nvPr/>
+          </p:nvCxnSpPr>
+          <p:spPr>
+            <a:xfrm flipH="1" flipV="1">
+              <a:off x="2460588" y="2789383"/>
+              <a:ext cx="477272" cy="649553"/>
+            </a:xfrm>
+            <a:prstGeom prst="straightConnector1">
+              <a:avLst/>
+            </a:prstGeom>
+            <a:ln w="57150">
+              <a:tailEnd type="triangle"/>
+            </a:ln>
+          </p:spPr>
+          <p:style>
+            <a:lnRef idx="1">
+              <a:schemeClr val="accent1"/>
+            </a:lnRef>
+            <a:fillRef idx="0">
+              <a:schemeClr val="accent1"/>
+            </a:fillRef>
+            <a:effectRef idx="0">
+              <a:schemeClr val="accent1"/>
+            </a:effectRef>
+            <a:fontRef idx="minor">
+              <a:schemeClr val="tx1"/>
+            </a:fontRef>
+          </p:style>
+        </p:cxnSp>
+        <p:cxnSp>
+          <p:nvCxnSpPr>
+            <p:cNvPr id="57" name="直接箭头连接符 56">
+              <a:extLst>
+                <a:ext uri="{FF2B5EF4-FFF2-40B4-BE49-F238E27FC236}">
+                  <a16:creationId xmlns:a16="http://schemas.microsoft.com/office/drawing/2014/main" id="{C61AE541-F454-427F-9025-482C0C5EB0B7}"/>
+                </a:ext>
+              </a:extLst>
+            </p:cNvPr>
+            <p:cNvCxnSpPr>
+              <a:cxnSpLocks/>
+              <a:endCxn id="55" idx="3"/>
+            </p:cNvCxnSpPr>
+            <p:nvPr/>
+          </p:nvCxnSpPr>
+          <p:spPr>
+            <a:xfrm flipV="1">
+              <a:off x="2928022" y="2984852"/>
+              <a:ext cx="738905" cy="444146"/>
+            </a:xfrm>
+            <a:prstGeom prst="straightConnector1">
+              <a:avLst/>
+            </a:prstGeom>
+            <a:ln w="57150">
+              <a:tailEnd type="triangle"/>
+            </a:ln>
+          </p:spPr>
+          <p:style>
+            <a:lnRef idx="1">
+              <a:schemeClr val="accent2"/>
+            </a:lnRef>
+            <a:fillRef idx="0">
+              <a:schemeClr val="accent2"/>
+            </a:fillRef>
+            <a:effectRef idx="0">
+              <a:schemeClr val="accent2"/>
+            </a:effectRef>
+            <a:fontRef idx="minor">
+              <a:schemeClr val="tx1"/>
+            </a:fontRef>
+          </p:style>
+        </p:cxnSp>
+        <p:sp>
+          <p:nvSpPr>
+            <p:cNvPr id="58" name="空心弧 57">
+              <a:extLst>
+                <a:ext uri="{FF2B5EF4-FFF2-40B4-BE49-F238E27FC236}">
+                  <a16:creationId xmlns:a16="http://schemas.microsoft.com/office/drawing/2014/main" id="{6F5EC93A-ACFD-4E32-B8ED-30B9E078CE15}"/>
+                </a:ext>
+              </a:extLst>
+            </p:cNvPr>
+            <p:cNvSpPr/>
+            <p:nvPr/>
+          </p:nvSpPr>
+          <p:spPr>
+            <a:xfrm>
+              <a:off x="2603196" y="3081120"/>
+              <a:ext cx="649651" cy="649651"/>
+            </a:xfrm>
+            <a:prstGeom prst="blockArc">
+              <a:avLst>
+                <a:gd name="adj1" fmla="val 13770965"/>
+                <a:gd name="adj2" fmla="val 19733278"/>
+                <a:gd name="adj3" fmla="val 18417"/>
+              </a:avLst>
+            </a:prstGeom>
+          </p:spPr>
+          <p:style>
+            <a:lnRef idx="2">
+              <a:schemeClr val="accent4">
+                <a:shade val="50000"/>
+              </a:schemeClr>
+            </a:lnRef>
+            <a:fillRef idx="1">
+              <a:schemeClr val="accent4"/>
+            </a:fillRef>
+            <a:effectRef idx="0">
+              <a:schemeClr val="accent4"/>
+            </a:effectRef>
+            <a:fontRef idx="minor">
+              <a:schemeClr val="lt1"/>
+            </a:fontRef>
+          </p:style>
+          <p:txBody>
+            <a:bodyPr rtlCol="0" anchor="ctr"/>
+            <a:lstStyle/>
+            <a:p>
+              <a:pPr algn="ctr"/>
+              <a:endParaRPr lang="en-US">
+                <a:solidFill>
+                  <a:schemeClr val="tx1"/>
+                </a:solidFill>
+              </a:endParaRPr>
+            </a:p>
+          </p:txBody>
+        </p:sp>
+      </p:grpSp>
+      <p:grpSp>
+        <p:nvGrpSpPr>
+          <p:cNvPr id="34" name="组合 33">
+            <a:extLst>
+              <a:ext uri="{FF2B5EF4-FFF2-40B4-BE49-F238E27FC236}">
+                <a16:creationId xmlns:a16="http://schemas.microsoft.com/office/drawing/2014/main" id="{695A62BF-3776-4CC8-9C5D-61A11FF7B7A5}"/>
+              </a:ext>
+            </a:extLst>
+          </p:cNvPr>
+          <p:cNvGrpSpPr/>
+          <p:nvPr/>
+        </p:nvGrpSpPr>
+        <p:grpSpPr>
+          <a:xfrm>
+            <a:off x="2365299" y="2058271"/>
+            <a:ext cx="2478157" cy="2478157"/>
+            <a:chOff x="5141844" y="2199859"/>
+            <a:chExt cx="2478157" cy="2478157"/>
+          </a:xfrm>
+          <a:scene3d>
+            <a:camera prst="isometricLeftDown"/>
+            <a:lightRig rig="threePt" dir="t"/>
+          </a:scene3d>
+        </p:grpSpPr>
+        <p:grpSp>
+          <p:nvGrpSpPr>
+            <p:cNvPr id="36" name="组合 35">
+              <a:extLst>
+                <a:ext uri="{FF2B5EF4-FFF2-40B4-BE49-F238E27FC236}">
+                  <a16:creationId xmlns:a16="http://schemas.microsoft.com/office/drawing/2014/main" id="{8948E287-D586-4387-9ED4-5FE435F890F0}"/>
+                </a:ext>
+              </a:extLst>
+            </p:cNvPr>
+            <p:cNvGrpSpPr/>
+            <p:nvPr/>
+          </p:nvGrpSpPr>
+          <p:grpSpPr>
+            <a:xfrm>
+              <a:off x="5141844" y="2199859"/>
+              <a:ext cx="2478157" cy="2478157"/>
+              <a:chOff x="1550504" y="2199861"/>
+              <a:chExt cx="2478157" cy="2478157"/>
+            </a:xfrm>
+          </p:grpSpPr>
+          <p:sp>
+            <p:nvSpPr>
+              <p:cNvPr id="40" name="矩形 39">
+                <a:extLst>
+                  <a:ext uri="{FF2B5EF4-FFF2-40B4-BE49-F238E27FC236}">
+                    <a16:creationId xmlns:a16="http://schemas.microsoft.com/office/drawing/2014/main" id="{1CB8B9F3-416A-476A-AB41-876805BAFE25}"/>
+                  </a:ext>
+                </a:extLst>
+              </p:cNvPr>
+              <p:cNvSpPr/>
+              <p:nvPr/>
+            </p:nvSpPr>
+            <p:spPr>
+              <a:xfrm>
+                <a:off x="1550504" y="2199861"/>
+                <a:ext cx="2478157" cy="2478157"/>
+              </a:xfrm>
+              <a:prstGeom prst="rect">
+                <a:avLst/>
+              </a:prstGeom>
+            </p:spPr>
+            <p:style>
+              <a:lnRef idx="2">
+                <a:schemeClr val="accent3">
+                  <a:shade val="50000"/>
+                </a:schemeClr>
+              </a:lnRef>
+              <a:fillRef idx="1">
+                <a:schemeClr val="accent3"/>
+              </a:fillRef>
+              <a:effectRef idx="0">
+                <a:schemeClr val="accent3"/>
+              </a:effectRef>
+              <a:fontRef idx="minor">
+                <a:schemeClr val="lt1"/>
+              </a:fontRef>
+            </p:style>
+            <p:txBody>
+              <a:bodyPr rtlCol="0" anchor="ctr"/>
+              <a:lstStyle/>
+              <a:p>
+                <a:pPr algn="ctr"/>
+                <a:endParaRPr lang="en-US"/>
+              </a:p>
+            </p:txBody>
+          </p:sp>
+          <p:sp>
+            <p:nvSpPr>
+              <p:cNvPr id="48" name="圆: 空心 47">
+                <a:extLst>
+                  <a:ext uri="{FF2B5EF4-FFF2-40B4-BE49-F238E27FC236}">
+                    <a16:creationId xmlns:a16="http://schemas.microsoft.com/office/drawing/2014/main" id="{E82E3DF3-20E7-4D2E-B0A8-2B099119B629}"/>
+                  </a:ext>
+                </a:extLst>
+              </p:cNvPr>
+              <p:cNvSpPr/>
+              <p:nvPr/>
+            </p:nvSpPr>
+            <p:spPr>
+              <a:xfrm>
+                <a:off x="1709529" y="2358886"/>
+                <a:ext cx="2160105" cy="2160105"/>
+              </a:xfrm>
+              <a:prstGeom prst="donut">
+                <a:avLst>
+                  <a:gd name="adj" fmla="val 6966"/>
+                </a:avLst>
+              </a:prstGeom>
+            </p:spPr>
+            <p:style>
+              <a:lnRef idx="2">
+                <a:schemeClr val="accent4">
+                  <a:shade val="50000"/>
+                </a:schemeClr>
+              </a:lnRef>
+              <a:fillRef idx="1">
+                <a:schemeClr val="accent4"/>
+              </a:fillRef>
+              <a:effectRef idx="0">
+                <a:schemeClr val="accent4"/>
+              </a:effectRef>
+              <a:fontRef idx="minor">
+                <a:schemeClr val="lt1"/>
+              </a:fontRef>
+            </p:style>
+            <p:txBody>
+              <a:bodyPr rtlCol="0" anchor="ctr"/>
+              <a:lstStyle/>
+              <a:p>
+                <a:pPr algn="ctr"/>
+                <a:endParaRPr lang="en-US">
+                  <a:solidFill>
+                    <a:schemeClr val="tx1"/>
+                  </a:solidFill>
+                </a:endParaRPr>
+              </a:p>
+            </p:txBody>
+          </p:sp>
+          <p:sp>
+            <p:nvSpPr>
+              <p:cNvPr id="49" name="椭圆 48">
+                <a:extLst>
+                  <a:ext uri="{FF2B5EF4-FFF2-40B4-BE49-F238E27FC236}">
+                    <a16:creationId xmlns:a16="http://schemas.microsoft.com/office/drawing/2014/main" id="{8168CBED-F90F-402A-A972-7BF8A17D47EE}"/>
+                  </a:ext>
+                </a:extLst>
+              </p:cNvPr>
+              <p:cNvSpPr/>
+              <p:nvPr/>
+            </p:nvSpPr>
+            <p:spPr>
+              <a:xfrm>
+                <a:off x="1858617" y="3909389"/>
+                <a:ext cx="318052" cy="318052"/>
+              </a:xfrm>
+              <a:prstGeom prst="ellipse">
+                <a:avLst/>
+              </a:prstGeom>
+            </p:spPr>
+            <p:style>
+              <a:lnRef idx="2">
+                <a:schemeClr val="accent1">
+                  <a:shade val="50000"/>
+                </a:schemeClr>
+              </a:lnRef>
+              <a:fillRef idx="1">
+                <a:schemeClr val="accent1"/>
+              </a:fillRef>
+              <a:effectRef idx="0">
+                <a:schemeClr val="accent1"/>
+              </a:effectRef>
+              <a:fontRef idx="minor">
+                <a:schemeClr val="lt1"/>
+              </a:fontRef>
+            </p:style>
+            <p:txBody>
+              <a:bodyPr rtlCol="0" anchor="ctr"/>
+              <a:lstStyle/>
+              <a:p>
+                <a:pPr algn="ctr"/>
+                <a:endParaRPr lang="en-US"/>
+              </a:p>
+            </p:txBody>
+          </p:sp>
+          <p:sp>
+            <p:nvSpPr>
+              <p:cNvPr id="50" name="椭圆 49">
+                <a:extLst>
+                  <a:ext uri="{FF2B5EF4-FFF2-40B4-BE49-F238E27FC236}">
+                    <a16:creationId xmlns:a16="http://schemas.microsoft.com/office/drawing/2014/main" id="{ADFAC32C-4354-4424-AD37-2F302317AD70}"/>
+                  </a:ext>
+                </a:extLst>
+              </p:cNvPr>
+              <p:cNvSpPr/>
+              <p:nvPr/>
+            </p:nvSpPr>
+            <p:spPr>
+              <a:xfrm>
+                <a:off x="3631096" y="3269974"/>
+                <a:ext cx="318052" cy="318052"/>
+              </a:xfrm>
+              <a:prstGeom prst="ellipse">
+                <a:avLst/>
+              </a:prstGeom>
+            </p:spPr>
+            <p:style>
+              <a:lnRef idx="2">
+                <a:schemeClr val="accent2">
+                  <a:shade val="50000"/>
+                </a:schemeClr>
+              </a:lnRef>
+              <a:fillRef idx="1">
+                <a:schemeClr val="accent2"/>
+              </a:fillRef>
+              <a:effectRef idx="0">
+                <a:schemeClr val="accent2"/>
+              </a:effectRef>
+              <a:fontRef idx="minor">
+                <a:schemeClr val="lt1"/>
+              </a:fontRef>
+            </p:style>
+            <p:txBody>
+              <a:bodyPr rtlCol="0" anchor="ctr"/>
+              <a:lstStyle/>
+              <a:p>
+                <a:pPr algn="ctr"/>
+                <a:endParaRPr lang="en-US"/>
+              </a:p>
+            </p:txBody>
+          </p:sp>
+        </p:grpSp>
+        <p:cxnSp>
+          <p:nvCxnSpPr>
+            <p:cNvPr id="37" name="直接箭头连接符 36">
+              <a:extLst>
+                <a:ext uri="{FF2B5EF4-FFF2-40B4-BE49-F238E27FC236}">
+                  <a16:creationId xmlns:a16="http://schemas.microsoft.com/office/drawing/2014/main" id="{3975CA0E-E89B-4427-81FD-6B1DACFA0BDD}"/>
+                </a:ext>
+              </a:extLst>
+            </p:cNvPr>
+            <p:cNvCxnSpPr>
+              <a:cxnSpLocks/>
+              <a:endCxn id="50" idx="2"/>
+            </p:cNvCxnSpPr>
+            <p:nvPr/>
+          </p:nvCxnSpPr>
+          <p:spPr>
+            <a:xfrm flipV="1">
+              <a:off x="6404017" y="3428998"/>
+              <a:ext cx="818419" cy="9938"/>
+            </a:xfrm>
+            <a:prstGeom prst="straightConnector1">
+              <a:avLst/>
+            </a:prstGeom>
+            <a:ln w="57150">
+              <a:tailEnd type="triangle"/>
+            </a:ln>
+          </p:spPr>
+          <p:style>
+            <a:lnRef idx="1">
+              <a:schemeClr val="accent2"/>
+            </a:lnRef>
+            <a:fillRef idx="0">
+              <a:schemeClr val="accent2"/>
+            </a:fillRef>
+            <a:effectRef idx="0">
+              <a:schemeClr val="accent2"/>
+            </a:effectRef>
+            <a:fontRef idx="minor">
+              <a:schemeClr val="tx1"/>
+            </a:fontRef>
+          </p:style>
+        </p:cxnSp>
+        <p:cxnSp>
+          <p:nvCxnSpPr>
+            <p:cNvPr id="39" name="直接箭头连接符 38">
+              <a:extLst>
+                <a:ext uri="{FF2B5EF4-FFF2-40B4-BE49-F238E27FC236}">
+                  <a16:creationId xmlns:a16="http://schemas.microsoft.com/office/drawing/2014/main" id="{42F40C9E-B8E0-4E38-B89E-9D86B3D7928D}"/>
+                </a:ext>
+              </a:extLst>
+            </p:cNvPr>
+            <p:cNvCxnSpPr>
+              <a:cxnSpLocks/>
+              <a:endCxn id="49" idx="7"/>
+            </p:cNvCxnSpPr>
+            <p:nvPr/>
+          </p:nvCxnSpPr>
+          <p:spPr>
+            <a:xfrm flipH="1">
+              <a:off x="5721431" y="3438936"/>
+              <a:ext cx="682586" cy="517029"/>
+            </a:xfrm>
+            <a:prstGeom prst="straightConnector1">
+              <a:avLst/>
+            </a:prstGeom>
+            <a:ln w="57150">
+              <a:tailEnd type="triangle"/>
+            </a:ln>
+          </p:spPr>
+          <p:style>
+            <a:lnRef idx="1">
+              <a:schemeClr val="accent1"/>
+            </a:lnRef>
+            <a:fillRef idx="0">
+              <a:schemeClr val="accent1"/>
+            </a:fillRef>
+            <a:effectRef idx="0">
+              <a:schemeClr val="accent1"/>
+            </a:effectRef>
+            <a:fontRef idx="minor">
+              <a:schemeClr val="tx1"/>
+            </a:fontRef>
+          </p:style>
+        </p:cxnSp>
+      </p:grpSp>
+      <p:grpSp>
+        <p:nvGrpSpPr>
+          <p:cNvPr id="44" name="组合 43">
+            <a:extLst>
+              <a:ext uri="{FF2B5EF4-FFF2-40B4-BE49-F238E27FC236}">
+                <a16:creationId xmlns:a16="http://schemas.microsoft.com/office/drawing/2014/main" id="{E5D2752A-07F1-4304-89A6-820010079999}"/>
+              </a:ext>
+            </a:extLst>
+          </p:cNvPr>
+          <p:cNvGrpSpPr/>
+          <p:nvPr/>
+        </p:nvGrpSpPr>
+        <p:grpSpPr>
+          <a:xfrm>
+            <a:off x="1893337" y="2042904"/>
+            <a:ext cx="2478157" cy="2478157"/>
+            <a:chOff x="5141844" y="2199859"/>
+            <a:chExt cx="2478157" cy="2478157"/>
+          </a:xfrm>
+          <a:scene3d>
+            <a:camera prst="isometricLeftDown"/>
+            <a:lightRig rig="threePt" dir="t"/>
+          </a:scene3d>
+        </p:grpSpPr>
+        <p:grpSp>
+          <p:nvGrpSpPr>
+            <p:cNvPr id="9" name="组合 8">
+              <a:extLst>
+                <a:ext uri="{FF2B5EF4-FFF2-40B4-BE49-F238E27FC236}">
+                  <a16:creationId xmlns:a16="http://schemas.microsoft.com/office/drawing/2014/main" id="{4C9750F7-F259-4FD6-971C-D362B2F273AC}"/>
+                </a:ext>
+              </a:extLst>
+            </p:cNvPr>
+            <p:cNvGrpSpPr/>
+            <p:nvPr/>
+          </p:nvGrpSpPr>
+          <p:grpSpPr>
+            <a:xfrm>
+              <a:off x="5141844" y="2199859"/>
+              <a:ext cx="2478157" cy="2478157"/>
+              <a:chOff x="1550504" y="2199861"/>
+              <a:chExt cx="2478157" cy="2478157"/>
+            </a:xfrm>
+          </p:grpSpPr>
+          <p:sp>
+            <p:nvSpPr>
+              <p:cNvPr id="10" name="矩形 9">
+                <a:extLst>
+                  <a:ext uri="{FF2B5EF4-FFF2-40B4-BE49-F238E27FC236}">
+                    <a16:creationId xmlns:a16="http://schemas.microsoft.com/office/drawing/2014/main" id="{F8B051A5-2985-4FF5-8F76-4FF8D0E4E1BF}"/>
+                  </a:ext>
+                </a:extLst>
+              </p:cNvPr>
+              <p:cNvSpPr/>
+              <p:nvPr/>
+            </p:nvSpPr>
+            <p:spPr>
+              <a:xfrm>
+                <a:off x="1550504" y="2199861"/>
+                <a:ext cx="2478157" cy="2478157"/>
+              </a:xfrm>
+              <a:prstGeom prst="rect">
+                <a:avLst/>
+              </a:prstGeom>
+            </p:spPr>
+            <p:style>
+              <a:lnRef idx="2">
+                <a:schemeClr val="accent3">
+                  <a:shade val="50000"/>
+                </a:schemeClr>
+              </a:lnRef>
+              <a:fillRef idx="1">
+                <a:schemeClr val="accent3"/>
+              </a:fillRef>
+              <a:effectRef idx="0">
+                <a:schemeClr val="accent3"/>
+              </a:effectRef>
+              <a:fontRef idx="minor">
+                <a:schemeClr val="lt1"/>
+              </a:fontRef>
+            </p:style>
+            <p:txBody>
+              <a:bodyPr rtlCol="0" anchor="ctr"/>
+              <a:lstStyle/>
+              <a:p>
+                <a:pPr algn="ctr"/>
+                <a:endParaRPr lang="en-US"/>
+              </a:p>
+            </p:txBody>
+          </p:sp>
+          <p:sp>
+            <p:nvSpPr>
+              <p:cNvPr id="11" name="圆: 空心 10">
+                <a:extLst>
+                  <a:ext uri="{FF2B5EF4-FFF2-40B4-BE49-F238E27FC236}">
+                    <a16:creationId xmlns:a16="http://schemas.microsoft.com/office/drawing/2014/main" id="{29079849-A97A-4A71-90D6-6A9473856C0F}"/>
+                  </a:ext>
+                </a:extLst>
+              </p:cNvPr>
+              <p:cNvSpPr/>
+              <p:nvPr/>
+            </p:nvSpPr>
+            <p:spPr>
+              <a:xfrm>
+                <a:off x="1709529" y="2358886"/>
+                <a:ext cx="2160105" cy="2160105"/>
+              </a:xfrm>
+              <a:prstGeom prst="donut">
+                <a:avLst>
+                  <a:gd name="adj" fmla="val 6966"/>
+                </a:avLst>
+              </a:prstGeom>
+            </p:spPr>
+            <p:style>
+              <a:lnRef idx="2">
+                <a:schemeClr val="accent4">
+                  <a:shade val="50000"/>
+                </a:schemeClr>
+              </a:lnRef>
+              <a:fillRef idx="1">
+                <a:schemeClr val="accent4"/>
+              </a:fillRef>
+              <a:effectRef idx="0">
+                <a:schemeClr val="accent4"/>
+              </a:effectRef>
+              <a:fontRef idx="minor">
+                <a:schemeClr val="lt1"/>
+              </a:fontRef>
+            </p:style>
+            <p:txBody>
+              <a:bodyPr rtlCol="0" anchor="ctr"/>
+              <a:lstStyle/>
+              <a:p>
+                <a:pPr algn="ctr"/>
+                <a:endParaRPr lang="en-US">
+                  <a:solidFill>
+                    <a:schemeClr val="tx1"/>
+                  </a:solidFill>
+                </a:endParaRPr>
+              </a:p>
+            </p:txBody>
+          </p:sp>
+          <p:sp>
+            <p:nvSpPr>
+              <p:cNvPr id="12" name="椭圆 11">
+                <a:extLst>
+                  <a:ext uri="{FF2B5EF4-FFF2-40B4-BE49-F238E27FC236}">
+                    <a16:creationId xmlns:a16="http://schemas.microsoft.com/office/drawing/2014/main" id="{8722D818-604D-44C5-8463-FBD3101C362F}"/>
+                  </a:ext>
+                </a:extLst>
+              </p:cNvPr>
+              <p:cNvSpPr/>
+              <p:nvPr/>
+            </p:nvSpPr>
+            <p:spPr>
+              <a:xfrm>
+                <a:off x="1858617" y="3909389"/>
+                <a:ext cx="318052" cy="318052"/>
+              </a:xfrm>
+              <a:prstGeom prst="ellipse">
+                <a:avLst/>
+              </a:prstGeom>
+            </p:spPr>
+            <p:style>
+              <a:lnRef idx="2">
+                <a:schemeClr val="accent1">
+                  <a:shade val="50000"/>
+                </a:schemeClr>
+              </a:lnRef>
+              <a:fillRef idx="1">
+                <a:schemeClr val="accent1"/>
+              </a:fillRef>
+              <a:effectRef idx="0">
+                <a:schemeClr val="accent1"/>
+              </a:effectRef>
+              <a:fontRef idx="minor">
+                <a:schemeClr val="lt1"/>
+              </a:fontRef>
+            </p:style>
+            <p:txBody>
+              <a:bodyPr rtlCol="0" anchor="ctr"/>
+              <a:lstStyle/>
+              <a:p>
+                <a:pPr algn="ctr"/>
+                <a:endParaRPr lang="en-US"/>
+              </a:p>
+            </p:txBody>
+          </p:sp>
+          <p:sp>
+            <p:nvSpPr>
+              <p:cNvPr id="13" name="椭圆 12">
+                <a:extLst>
+                  <a:ext uri="{FF2B5EF4-FFF2-40B4-BE49-F238E27FC236}">
+                    <a16:creationId xmlns:a16="http://schemas.microsoft.com/office/drawing/2014/main" id="{F84C69B3-0910-4997-93FE-AAF541063422}"/>
+                  </a:ext>
+                </a:extLst>
+              </p:cNvPr>
+              <p:cNvSpPr/>
+              <p:nvPr/>
+            </p:nvSpPr>
+            <p:spPr>
+              <a:xfrm>
+                <a:off x="3631096" y="3269974"/>
+                <a:ext cx="318052" cy="318052"/>
+              </a:xfrm>
+              <a:prstGeom prst="ellipse">
+                <a:avLst/>
+              </a:prstGeom>
+            </p:spPr>
+            <p:style>
+              <a:lnRef idx="2">
+                <a:schemeClr val="accent2">
+                  <a:shade val="50000"/>
+                </a:schemeClr>
+              </a:lnRef>
+              <a:fillRef idx="1">
+                <a:schemeClr val="accent2"/>
+              </a:fillRef>
+              <a:effectRef idx="0">
+                <a:schemeClr val="accent2"/>
+              </a:effectRef>
+              <a:fontRef idx="minor">
+                <a:schemeClr val="lt1"/>
+              </a:fontRef>
+            </p:style>
+            <p:txBody>
+              <a:bodyPr rtlCol="0" anchor="ctr"/>
+              <a:lstStyle/>
+              <a:p>
+                <a:pPr algn="ctr"/>
+                <a:endParaRPr lang="en-US"/>
+              </a:p>
+            </p:txBody>
+          </p:sp>
+        </p:grpSp>
+        <p:cxnSp>
+          <p:nvCxnSpPr>
+            <p:cNvPr id="35" name="直接箭头连接符 34">
+              <a:extLst>
+                <a:ext uri="{FF2B5EF4-FFF2-40B4-BE49-F238E27FC236}">
+                  <a16:creationId xmlns:a16="http://schemas.microsoft.com/office/drawing/2014/main" id="{18E11D0A-388A-4DB0-A6BA-B4D71B73B9F0}"/>
+                </a:ext>
+              </a:extLst>
+            </p:cNvPr>
+            <p:cNvCxnSpPr>
+              <a:cxnSpLocks/>
+              <a:endCxn id="13" idx="2"/>
+            </p:cNvCxnSpPr>
+            <p:nvPr/>
+          </p:nvCxnSpPr>
+          <p:spPr>
+            <a:xfrm flipV="1">
+              <a:off x="6404017" y="3428998"/>
+              <a:ext cx="818419" cy="9938"/>
+            </a:xfrm>
+            <a:prstGeom prst="straightConnector1">
+              <a:avLst/>
+            </a:prstGeom>
+            <a:ln w="57150">
+              <a:tailEnd type="triangle"/>
+            </a:ln>
+          </p:spPr>
+          <p:style>
+            <a:lnRef idx="1">
+              <a:schemeClr val="accent2"/>
+            </a:lnRef>
+            <a:fillRef idx="0">
+              <a:schemeClr val="accent2"/>
+            </a:fillRef>
+            <a:effectRef idx="0">
+              <a:schemeClr val="accent2"/>
+            </a:effectRef>
+            <a:fontRef idx="minor">
+              <a:schemeClr val="tx1"/>
+            </a:fontRef>
+          </p:style>
+        </p:cxnSp>
+        <p:cxnSp>
+          <p:nvCxnSpPr>
+            <p:cNvPr id="38" name="直接箭头连接符 37">
+              <a:extLst>
+                <a:ext uri="{FF2B5EF4-FFF2-40B4-BE49-F238E27FC236}">
+                  <a16:creationId xmlns:a16="http://schemas.microsoft.com/office/drawing/2014/main" id="{7FD488DC-3A6B-464A-94FF-778AEFB83446}"/>
+                </a:ext>
+              </a:extLst>
+            </p:cNvPr>
+            <p:cNvCxnSpPr>
+              <a:cxnSpLocks/>
+              <a:endCxn id="12" idx="7"/>
+            </p:cNvCxnSpPr>
+            <p:nvPr/>
+          </p:nvCxnSpPr>
+          <p:spPr>
+            <a:xfrm flipH="1">
+              <a:off x="5721431" y="3438936"/>
+              <a:ext cx="682586" cy="517029"/>
+            </a:xfrm>
+            <a:prstGeom prst="straightConnector1">
+              <a:avLst/>
+            </a:prstGeom>
+            <a:ln w="57150">
+              <a:tailEnd type="triangle"/>
+            </a:ln>
+          </p:spPr>
+          <p:style>
+            <a:lnRef idx="1">
+              <a:schemeClr val="accent1"/>
+            </a:lnRef>
+            <a:fillRef idx="0">
+              <a:schemeClr val="accent1"/>
+            </a:fillRef>
+            <a:effectRef idx="0">
+              <a:schemeClr val="accent1"/>
+            </a:effectRef>
+            <a:fontRef idx="minor">
+              <a:schemeClr val="tx1"/>
+            </a:fontRef>
+          </p:style>
+        </p:cxnSp>
+      </p:grpSp>
+      <p:sp>
+        <p:nvSpPr>
+          <p:cNvPr id="4" name="椭圆 3">
+            <a:extLst>
+              <a:ext uri="{FF2B5EF4-FFF2-40B4-BE49-F238E27FC236}">
+                <a16:creationId xmlns:a16="http://schemas.microsoft.com/office/drawing/2014/main" id="{4F2C1D6F-8ACC-4A38-B0FD-4A8336045814}"/>
+              </a:ext>
+            </a:extLst>
+          </p:cNvPr>
+          <p:cNvSpPr/>
+          <p:nvPr/>
+        </p:nvSpPr>
+        <p:spPr>
+          <a:xfrm>
+            <a:off x="2859156" y="699326"/>
+            <a:ext cx="1543880" cy="450574"/>
+          </a:xfrm>
+          <a:prstGeom prst="ellipse">
+            <a:avLst/>
+          </a:prstGeom>
+        </p:spPr>
+        <p:style>
+          <a:lnRef idx="2">
+            <a:schemeClr val="accent1">
+              <a:shade val="50000"/>
+            </a:schemeClr>
+          </a:lnRef>
+          <a:fillRef idx="1">
+            <a:schemeClr val="accent1"/>
+          </a:fillRef>
+          <a:effectRef idx="0">
+            <a:schemeClr val="accent1"/>
+          </a:effectRef>
+          <a:fontRef idx="minor">
+            <a:schemeClr val="lt1"/>
+          </a:fontRef>
+        </p:style>
+        <p:txBody>
+          <a:bodyPr rtlCol="0" anchor="ctr"/>
+          <a:lstStyle/>
+          <a:p>
+            <a:pPr algn="ctr"/>
+            <a:r>
+              <a:rPr lang="en-US" dirty="0"/>
+              <a:t>Neuron1</a:t>
+            </a:r>
+          </a:p>
+        </p:txBody>
+      </p:sp>
+      <p:sp>
+        <p:nvSpPr>
+          <p:cNvPr id="5" name="椭圆 4">
+            <a:extLst>
+              <a:ext uri="{FF2B5EF4-FFF2-40B4-BE49-F238E27FC236}">
+                <a16:creationId xmlns:a16="http://schemas.microsoft.com/office/drawing/2014/main" id="{E5AFC78A-96DD-4A70-BB1F-358F28B706E1}"/>
+              </a:ext>
+            </a:extLst>
+          </p:cNvPr>
+          <p:cNvSpPr/>
+          <p:nvPr/>
+        </p:nvSpPr>
+        <p:spPr>
+          <a:xfrm>
+            <a:off x="4949883" y="666334"/>
+            <a:ext cx="1543880" cy="450574"/>
+          </a:xfrm>
+          <a:prstGeom prst="ellipse">
+            <a:avLst/>
+          </a:prstGeom>
+        </p:spPr>
+        <p:style>
+          <a:lnRef idx="2">
+            <a:schemeClr val="accent2">
+              <a:shade val="50000"/>
+            </a:schemeClr>
+          </a:lnRef>
+          <a:fillRef idx="1">
+            <a:schemeClr val="accent2"/>
+          </a:fillRef>
+          <a:effectRef idx="0">
+            <a:schemeClr val="accent2"/>
+          </a:effectRef>
+          <a:fontRef idx="minor">
+            <a:schemeClr val="lt1"/>
+          </a:fontRef>
+        </p:style>
+        <p:txBody>
+          <a:bodyPr rtlCol="0" anchor="ctr"/>
+          <a:lstStyle/>
+          <a:p>
+            <a:pPr algn="ctr"/>
+            <a:r>
+              <a:rPr lang="en-US" dirty="0"/>
+              <a:t>Neuron2</a:t>
+            </a:r>
+          </a:p>
+        </p:txBody>
+      </p:sp>
+      <p:grpSp>
+        <p:nvGrpSpPr>
+          <p:cNvPr id="43" name="组合 42">
+            <a:extLst>
+              <a:ext uri="{FF2B5EF4-FFF2-40B4-BE49-F238E27FC236}">
+                <a16:creationId xmlns:a16="http://schemas.microsoft.com/office/drawing/2014/main" id="{7E71AC23-DAC7-4C2D-8B8B-7234A9834879}"/>
+              </a:ext>
+            </a:extLst>
+          </p:cNvPr>
+          <p:cNvGrpSpPr/>
+          <p:nvPr/>
+        </p:nvGrpSpPr>
+        <p:grpSpPr>
+          <a:xfrm>
+            <a:off x="1485538" y="2080578"/>
+            <a:ext cx="2478157" cy="2478157"/>
+            <a:chOff x="1698783" y="2199859"/>
+            <a:chExt cx="2478157" cy="2478157"/>
+          </a:xfrm>
+          <a:scene3d>
+            <a:camera prst="isometricLeftDown"/>
+            <a:lightRig rig="threePt" dir="t"/>
+          </a:scene3d>
+        </p:grpSpPr>
+        <p:sp>
+          <p:nvSpPr>
+            <p:cNvPr id="2" name="矩形 1">
+              <a:extLst>
+                <a:ext uri="{FF2B5EF4-FFF2-40B4-BE49-F238E27FC236}">
+                  <a16:creationId xmlns:a16="http://schemas.microsoft.com/office/drawing/2014/main" id="{DD738FA9-6E23-490E-BF56-63DB8AC0E419}"/>
+                </a:ext>
+              </a:extLst>
+            </p:cNvPr>
+            <p:cNvSpPr/>
+            <p:nvPr/>
+          </p:nvSpPr>
+          <p:spPr>
+            <a:xfrm>
+              <a:off x="1698783" y="2199859"/>
+              <a:ext cx="2478157" cy="2478157"/>
+            </a:xfrm>
+            <a:prstGeom prst="rect">
+              <a:avLst/>
+            </a:prstGeom>
+          </p:spPr>
+          <p:style>
+            <a:lnRef idx="2">
+              <a:schemeClr val="accent3">
+                <a:shade val="50000"/>
+              </a:schemeClr>
+            </a:lnRef>
+            <a:fillRef idx="1">
+              <a:schemeClr val="accent3"/>
+            </a:fillRef>
+            <a:effectRef idx="0">
+              <a:schemeClr val="accent3"/>
+            </a:effectRef>
+            <a:fontRef idx="minor">
+              <a:schemeClr val="lt1"/>
+            </a:fontRef>
+          </p:style>
+          <p:txBody>
+            <a:bodyPr rtlCol="0" anchor="ctr"/>
+            <a:lstStyle/>
+            <a:p>
+              <a:pPr algn="ctr"/>
+              <a:endParaRPr lang="en-US"/>
+            </a:p>
+          </p:txBody>
+        </p:sp>
+        <p:sp>
+          <p:nvSpPr>
+            <p:cNvPr id="3" name="圆: 空心 2">
+              <a:extLst>
+                <a:ext uri="{FF2B5EF4-FFF2-40B4-BE49-F238E27FC236}">
+                  <a16:creationId xmlns:a16="http://schemas.microsoft.com/office/drawing/2014/main" id="{882F463A-51FD-44CC-A341-7B5D0A0B1125}"/>
+                </a:ext>
+              </a:extLst>
+            </p:cNvPr>
+            <p:cNvSpPr/>
+            <p:nvPr/>
+          </p:nvSpPr>
+          <p:spPr>
+            <a:xfrm>
+              <a:off x="1857808" y="2358884"/>
+              <a:ext cx="2160105" cy="2160105"/>
+            </a:xfrm>
+            <a:prstGeom prst="donut">
+              <a:avLst>
+                <a:gd name="adj" fmla="val 6966"/>
+              </a:avLst>
+            </a:prstGeom>
+          </p:spPr>
+          <p:style>
+            <a:lnRef idx="2">
+              <a:schemeClr val="accent4">
+                <a:shade val="50000"/>
+              </a:schemeClr>
+            </a:lnRef>
+            <a:fillRef idx="1">
+              <a:schemeClr val="accent4"/>
+            </a:fillRef>
+            <a:effectRef idx="0">
+              <a:schemeClr val="accent4"/>
+            </a:effectRef>
+            <a:fontRef idx="minor">
+              <a:schemeClr val="lt1"/>
+            </a:fontRef>
+          </p:style>
+          <p:txBody>
+            <a:bodyPr rtlCol="0" anchor="ctr"/>
+            <a:lstStyle/>
+            <a:p>
+              <a:pPr algn="ctr"/>
+              <a:endParaRPr lang="en-US">
+                <a:solidFill>
+                  <a:schemeClr val="tx1"/>
+                </a:solidFill>
+              </a:endParaRPr>
+            </a:p>
+          </p:txBody>
+        </p:sp>
+        <p:sp>
+          <p:nvSpPr>
+            <p:cNvPr id="6" name="椭圆 5">
+              <a:extLst>
+                <a:ext uri="{FF2B5EF4-FFF2-40B4-BE49-F238E27FC236}">
+                  <a16:creationId xmlns:a16="http://schemas.microsoft.com/office/drawing/2014/main" id="{DAA97505-EAA3-4BBC-8D22-E9C7B9D3CE19}"/>
+                </a:ext>
+              </a:extLst>
+            </p:cNvPr>
+            <p:cNvSpPr/>
+            <p:nvPr/>
+          </p:nvSpPr>
+          <p:spPr>
+            <a:xfrm>
+              <a:off x="2189114" y="2517909"/>
+              <a:ext cx="318052" cy="318052"/>
+            </a:xfrm>
+            <a:prstGeom prst="ellipse">
+              <a:avLst/>
+            </a:prstGeom>
+          </p:spPr>
+          <p:style>
+            <a:lnRef idx="2">
+              <a:schemeClr val="accent1">
+                <a:shade val="50000"/>
+              </a:schemeClr>
+            </a:lnRef>
+            <a:fillRef idx="1">
+              <a:schemeClr val="accent1"/>
+            </a:fillRef>
+            <a:effectRef idx="0">
+              <a:schemeClr val="accent1"/>
+            </a:effectRef>
+            <a:fontRef idx="minor">
+              <a:schemeClr val="lt1"/>
+            </a:fontRef>
+          </p:style>
+          <p:txBody>
+            <a:bodyPr rtlCol="0" anchor="ctr"/>
+            <a:lstStyle/>
+            <a:p>
+              <a:pPr algn="ctr"/>
+              <a:endParaRPr lang="en-US"/>
+            </a:p>
+          </p:txBody>
+        </p:sp>
+        <p:sp>
+          <p:nvSpPr>
+            <p:cNvPr id="7" name="椭圆 6">
+              <a:extLst>
+                <a:ext uri="{FF2B5EF4-FFF2-40B4-BE49-F238E27FC236}">
+                  <a16:creationId xmlns:a16="http://schemas.microsoft.com/office/drawing/2014/main" id="{8446C64A-4686-48BD-8D09-AFEF322E1455}"/>
+                </a:ext>
+              </a:extLst>
+            </p:cNvPr>
+            <p:cNvSpPr/>
+            <p:nvPr/>
+          </p:nvSpPr>
+          <p:spPr>
+            <a:xfrm>
+              <a:off x="3620349" y="2713378"/>
+              <a:ext cx="318052" cy="318052"/>
+            </a:xfrm>
+            <a:prstGeom prst="ellipse">
+              <a:avLst/>
+            </a:prstGeom>
+          </p:spPr>
+          <p:style>
+            <a:lnRef idx="2">
+              <a:schemeClr val="accent2">
+                <a:shade val="50000"/>
+              </a:schemeClr>
+            </a:lnRef>
+            <a:fillRef idx="1">
+              <a:schemeClr val="accent2"/>
+            </a:fillRef>
+            <a:effectRef idx="0">
+              <a:schemeClr val="accent2"/>
+            </a:effectRef>
+            <a:fontRef idx="minor">
+              <a:schemeClr val="lt1"/>
+            </a:fontRef>
+          </p:style>
+          <p:txBody>
+            <a:bodyPr rtlCol="0" anchor="ctr"/>
+            <a:lstStyle/>
+            <a:p>
+              <a:pPr algn="ctr"/>
+              <a:endParaRPr lang="en-US"/>
+            </a:p>
+          </p:txBody>
+        </p:sp>
+        <p:cxnSp>
+          <p:nvCxnSpPr>
+            <p:cNvPr id="30" name="直接箭头连接符 29">
+              <a:extLst>
+                <a:ext uri="{FF2B5EF4-FFF2-40B4-BE49-F238E27FC236}">
+                  <a16:creationId xmlns:a16="http://schemas.microsoft.com/office/drawing/2014/main" id="{85C9FCEC-F125-49B9-A96E-D42215878D84}"/>
+                </a:ext>
+              </a:extLst>
+            </p:cNvPr>
+            <p:cNvCxnSpPr>
+              <a:cxnSpLocks/>
+              <a:endCxn id="6" idx="5"/>
+            </p:cNvCxnSpPr>
+            <p:nvPr/>
+          </p:nvCxnSpPr>
+          <p:spPr>
+            <a:xfrm flipH="1" flipV="1">
+              <a:off x="2460588" y="2789383"/>
+              <a:ext cx="477272" cy="649553"/>
+            </a:xfrm>
+            <a:prstGeom prst="straightConnector1">
+              <a:avLst/>
+            </a:prstGeom>
+            <a:ln w="57150">
+              <a:tailEnd type="triangle"/>
+            </a:ln>
+          </p:spPr>
+          <p:style>
+            <a:lnRef idx="1">
+              <a:schemeClr val="accent1"/>
+            </a:lnRef>
+            <a:fillRef idx="0">
+              <a:schemeClr val="accent1"/>
+            </a:fillRef>
+            <a:effectRef idx="0">
+              <a:schemeClr val="accent1"/>
+            </a:effectRef>
+            <a:fontRef idx="minor">
+              <a:schemeClr val="tx1"/>
+            </a:fontRef>
+          </p:style>
+        </p:cxnSp>
+        <p:cxnSp>
+          <p:nvCxnSpPr>
+            <p:cNvPr id="32" name="直接箭头连接符 31">
+              <a:extLst>
+                <a:ext uri="{FF2B5EF4-FFF2-40B4-BE49-F238E27FC236}">
+                  <a16:creationId xmlns:a16="http://schemas.microsoft.com/office/drawing/2014/main" id="{EE40F240-036A-4AED-84A3-1AC75507D54D}"/>
+                </a:ext>
+              </a:extLst>
+            </p:cNvPr>
+            <p:cNvCxnSpPr>
+              <a:cxnSpLocks/>
+              <a:endCxn id="7" idx="3"/>
+            </p:cNvCxnSpPr>
+            <p:nvPr/>
+          </p:nvCxnSpPr>
+          <p:spPr>
+            <a:xfrm flipV="1">
+              <a:off x="2928022" y="2984852"/>
+              <a:ext cx="738905" cy="444146"/>
+            </a:xfrm>
+            <a:prstGeom prst="straightConnector1">
+              <a:avLst/>
+            </a:prstGeom>
+            <a:ln w="57150">
+              <a:tailEnd type="triangle"/>
+            </a:ln>
+          </p:spPr>
+          <p:style>
+            <a:lnRef idx="1">
+              <a:schemeClr val="accent2"/>
+            </a:lnRef>
+            <a:fillRef idx="0">
+              <a:schemeClr val="accent2"/>
+            </a:fillRef>
+            <a:effectRef idx="0">
+              <a:schemeClr val="accent2"/>
+            </a:effectRef>
+            <a:fontRef idx="minor">
+              <a:schemeClr val="tx1"/>
+            </a:fontRef>
+          </p:style>
+        </p:cxnSp>
+        <p:sp>
+          <p:nvSpPr>
+            <p:cNvPr id="41" name="空心弧 40">
+              <a:extLst>
+                <a:ext uri="{FF2B5EF4-FFF2-40B4-BE49-F238E27FC236}">
+                  <a16:creationId xmlns:a16="http://schemas.microsoft.com/office/drawing/2014/main" id="{ABF4CBA1-EA35-4417-B6CC-65C1E926D37B}"/>
+                </a:ext>
+              </a:extLst>
+            </p:cNvPr>
+            <p:cNvSpPr/>
+            <p:nvPr/>
+          </p:nvSpPr>
+          <p:spPr>
+            <a:xfrm>
+              <a:off x="2603196" y="3081120"/>
+              <a:ext cx="649651" cy="649651"/>
+            </a:xfrm>
+            <a:prstGeom prst="blockArc">
+              <a:avLst>
+                <a:gd name="adj1" fmla="val 13770965"/>
+                <a:gd name="adj2" fmla="val 19733278"/>
+                <a:gd name="adj3" fmla="val 18417"/>
+              </a:avLst>
+            </a:prstGeom>
+          </p:spPr>
+          <p:style>
+            <a:lnRef idx="2">
+              <a:schemeClr val="accent4">
+                <a:shade val="50000"/>
+              </a:schemeClr>
+            </a:lnRef>
+            <a:fillRef idx="1">
+              <a:schemeClr val="accent4"/>
+            </a:fillRef>
+            <a:effectRef idx="0">
+              <a:schemeClr val="accent4"/>
+            </a:effectRef>
+            <a:fontRef idx="minor">
+              <a:schemeClr val="lt1"/>
+            </a:fontRef>
+          </p:style>
+          <p:txBody>
+            <a:bodyPr rtlCol="0" anchor="ctr"/>
+            <a:lstStyle/>
+            <a:p>
+              <a:pPr algn="ctr"/>
+              <a:endParaRPr lang="en-US">
+                <a:solidFill>
+                  <a:schemeClr val="tx1"/>
+                </a:solidFill>
+              </a:endParaRPr>
+            </a:p>
+          </p:txBody>
+        </p:sp>
+      </p:grpSp>
+      <p:cxnSp>
+        <p:nvCxnSpPr>
+          <p:cNvPr id="16" name="直接连接符 15">
+            <a:extLst>
+              <a:ext uri="{FF2B5EF4-FFF2-40B4-BE49-F238E27FC236}">
+                <a16:creationId xmlns:a16="http://schemas.microsoft.com/office/drawing/2014/main" id="{501D4EE0-D2C8-499A-AE95-55046B5D1F74}"/>
+              </a:ext>
+            </a:extLst>
+          </p:cNvPr>
+          <p:cNvCxnSpPr>
+            <a:cxnSpLocks/>
+            <a:stCxn id="4" idx="5"/>
+            <a:endCxn id="54" idx="7"/>
+          </p:cNvCxnSpPr>
+          <p:nvPr/>
+        </p:nvCxnSpPr>
+        <p:spPr>
+          <a:xfrm>
+            <a:off x="4176940" y="1083915"/>
+            <a:ext cx="2586311" cy="1297206"/>
+          </a:xfrm>
+          <a:prstGeom prst="line">
+            <a:avLst/>
+          </a:prstGeom>
+          <a:ln w="38100"/>
+        </p:spPr>
+        <p:style>
+          <a:lnRef idx="1">
+            <a:schemeClr val="accent1"/>
+          </a:lnRef>
+          <a:fillRef idx="0">
+            <a:schemeClr val="accent1"/>
+          </a:fillRef>
+          <a:effectRef idx="0">
+            <a:schemeClr val="accent1"/>
+          </a:effectRef>
+          <a:fontRef idx="minor">
+            <a:schemeClr val="tx1"/>
+          </a:fontRef>
+        </p:style>
+      </p:cxnSp>
+      <p:cxnSp>
+        <p:nvCxnSpPr>
+          <p:cNvPr id="26" name="直接连接符 25">
+            <a:extLst>
+              <a:ext uri="{FF2B5EF4-FFF2-40B4-BE49-F238E27FC236}">
+                <a16:creationId xmlns:a16="http://schemas.microsoft.com/office/drawing/2014/main" id="{87998B79-5661-4656-88AA-11AC6F4A79A4}"/>
+              </a:ext>
+            </a:extLst>
+          </p:cNvPr>
+          <p:cNvCxnSpPr>
+            <a:cxnSpLocks/>
+            <a:endCxn id="5" idx="5"/>
+          </p:cNvCxnSpPr>
+          <p:nvPr/>
+        </p:nvCxnSpPr>
+        <p:spPr>
+          <a:xfrm flipH="1" flipV="1">
+            <a:off x="6267667" y="1050923"/>
+            <a:ext cx="1229458" cy="1964719"/>
+          </a:xfrm>
+          <a:prstGeom prst="line">
+            <a:avLst/>
+          </a:prstGeom>
+          <a:ln w="38100"/>
+        </p:spPr>
+        <p:style>
+          <a:lnRef idx="1">
+            <a:schemeClr val="accent2"/>
+          </a:lnRef>
+          <a:fillRef idx="0">
+            <a:schemeClr val="accent2"/>
+          </a:fillRef>
+          <a:effectRef idx="0">
+            <a:schemeClr val="accent2"/>
+          </a:effectRef>
+          <a:fontRef idx="minor">
+            <a:schemeClr val="tx1"/>
+          </a:fontRef>
+        </p:style>
+      </p:cxnSp>
+      <p:cxnSp>
+        <p:nvCxnSpPr>
+          <p:cNvPr id="15" name="直接连接符 14">
+            <a:extLst>
+              <a:ext uri="{FF2B5EF4-FFF2-40B4-BE49-F238E27FC236}">
+                <a16:creationId xmlns:a16="http://schemas.microsoft.com/office/drawing/2014/main" id="{3C8C8014-CE45-40B5-A484-C82094158202}"/>
+              </a:ext>
+            </a:extLst>
+          </p:cNvPr>
+          <p:cNvCxnSpPr>
+            <a:cxnSpLocks/>
+            <a:endCxn id="4" idx="3"/>
+          </p:cNvCxnSpPr>
+          <p:nvPr/>
+        </p:nvCxnSpPr>
+        <p:spPr>
+          <a:xfrm flipV="1">
+            <a:off x="2290467" y="1083915"/>
+            <a:ext cx="794785" cy="1264934"/>
+          </a:xfrm>
+          <a:prstGeom prst="line">
+            <a:avLst/>
+          </a:prstGeom>
+          <a:ln w="38100"/>
+        </p:spPr>
+        <p:style>
+          <a:lnRef idx="1">
+            <a:schemeClr val="accent1"/>
+          </a:lnRef>
+          <a:fillRef idx="0">
+            <a:schemeClr val="accent1"/>
+          </a:fillRef>
+          <a:effectRef idx="0">
+            <a:schemeClr val="accent1"/>
+          </a:effectRef>
+          <a:fontRef idx="minor">
+            <a:schemeClr val="tx1"/>
+          </a:fontRef>
+        </p:style>
+      </p:cxnSp>
+      <p:cxnSp>
+        <p:nvCxnSpPr>
+          <p:cNvPr id="23" name="直接连接符 22">
+            <a:extLst>
+              <a:ext uri="{FF2B5EF4-FFF2-40B4-BE49-F238E27FC236}">
+                <a16:creationId xmlns:a16="http://schemas.microsoft.com/office/drawing/2014/main" id="{3713073C-228C-465A-9191-6E82EB7FBD08}"/>
+              </a:ext>
+            </a:extLst>
+          </p:cNvPr>
+          <p:cNvCxnSpPr>
+            <a:cxnSpLocks/>
+            <a:endCxn id="5" idx="3"/>
+          </p:cNvCxnSpPr>
+          <p:nvPr/>
+        </p:nvCxnSpPr>
+        <p:spPr>
+          <a:xfrm flipV="1">
+            <a:off x="3118687" y="1050923"/>
+            <a:ext cx="2057292" cy="2274923"/>
+          </a:xfrm>
+          <a:prstGeom prst="line">
+            <a:avLst/>
+          </a:prstGeom>
+          <a:ln w="38100"/>
+        </p:spPr>
+        <p:style>
+          <a:lnRef idx="1">
+            <a:schemeClr val="accent2"/>
+          </a:lnRef>
+          <a:fillRef idx="0">
+            <a:schemeClr val="accent2"/>
+          </a:fillRef>
+          <a:effectRef idx="0">
+            <a:schemeClr val="accent2"/>
+          </a:effectRef>
+          <a:fontRef idx="minor">
+            <a:schemeClr val="tx1"/>
+          </a:fontRef>
+        </p:style>
+      </p:cxnSp>
+      <mc:AlternateContent xmlns:mc="http://schemas.openxmlformats.org/markup-compatibility/2006">
+        <mc:Choice xmlns:a14="http://schemas.microsoft.com/office/drawing/2010/main" Requires="a14">
+          <p:sp>
+            <p:nvSpPr>
+              <p:cNvPr id="45" name="文本框 44">
+                <a:extLst>
+                  <a:ext uri="{FF2B5EF4-FFF2-40B4-BE49-F238E27FC236}">
+                    <a16:creationId xmlns:a16="http://schemas.microsoft.com/office/drawing/2014/main" id="{EEAFB739-23FE-402B-98F2-4435F1D00920}"/>
+                  </a:ext>
+                </a:extLst>
+              </p:cNvPr>
+              <p:cNvSpPr txBox="1"/>
+              <p:nvPr/>
+            </p:nvSpPr>
+            <p:spPr>
+              <a:xfrm>
+                <a:off x="2941907" y="5292955"/>
+                <a:ext cx="4282454" cy="1176219"/>
+              </a:xfrm>
+              <a:prstGeom prst="rect">
+                <a:avLst/>
+              </a:prstGeom>
+              <a:noFill/>
+            </p:spPr>
+            <p:txBody>
+              <a:bodyPr wrap="none" lIns="0" tIns="0" rIns="0" bIns="0" rtlCol="0">
+                <a:spAutoFit/>
+              </a:bodyPr>
+              <a:lstStyle/>
+              <a:p>
+                <a14:m>
+                  <m:oMathPara xmlns:m="http://schemas.openxmlformats.org/officeDocument/2006/math">
+                    <m:oMathParaPr>
+                      <m:jc m:val="centerGroup"/>
+                    </m:oMathParaPr>
+                    <m:oMath xmlns:m="http://schemas.openxmlformats.org/officeDocument/2006/math">
+                      <m:r>
+                        <a:rPr lang="en-US" sz="2800" b="0" i="1" smtClean="0">
+                          <a:latin typeface="Cambria Math" panose="02040503050406030204" pitchFamily="18" charset="0"/>
+                        </a:rPr>
+                        <m:t>𝑊</m:t>
+                      </m:r>
+                      <m:r>
+                        <a:rPr lang="en-US" sz="2800" b="0" i="1" smtClean="0">
+                          <a:latin typeface="Cambria Math" panose="02040503050406030204" pitchFamily="18" charset="0"/>
+                        </a:rPr>
+                        <m:t>(</m:t>
+                      </m:r>
+                      <m:sSub>
+                        <m:sSubPr>
+                          <m:ctrlPr>
+                            <a:rPr lang="en-US" sz="2800" b="0" i="1" smtClean="0">
+                              <a:latin typeface="Cambria Math" panose="02040503050406030204" pitchFamily="18" charset="0"/>
+                            </a:rPr>
+                          </m:ctrlPr>
+                        </m:sSubPr>
+                        <m:e>
+                          <m:r>
+                            <a:rPr lang="en-US" sz="2800" b="0" i="1" smtClean="0">
+                              <a:latin typeface="Cambria Math" panose="02040503050406030204" pitchFamily="18" charset="0"/>
+                            </a:rPr>
+                            <m:t>𝑛</m:t>
+                          </m:r>
+                        </m:e>
+                        <m:sub>
+                          <m:r>
+                            <a:rPr lang="en-US" sz="2800" b="0" i="1" smtClean="0">
+                              <a:latin typeface="Cambria Math" panose="02040503050406030204" pitchFamily="18" charset="0"/>
+                            </a:rPr>
+                            <m:t>1</m:t>
+                          </m:r>
+                        </m:sub>
+                      </m:sSub>
+                      <m:r>
+                        <a:rPr lang="en-US" sz="2800" b="0" i="1" smtClean="0">
+                          <a:latin typeface="Cambria Math" panose="02040503050406030204" pitchFamily="18" charset="0"/>
+                        </a:rPr>
+                        <m:t>,</m:t>
+                      </m:r>
+                      <m:sSub>
+                        <m:sSubPr>
+                          <m:ctrlPr>
+                            <a:rPr lang="en-US" sz="2800" b="0" i="1" smtClean="0">
+                              <a:latin typeface="Cambria Math" panose="02040503050406030204" pitchFamily="18" charset="0"/>
+                            </a:rPr>
+                          </m:ctrlPr>
+                        </m:sSubPr>
+                        <m:e>
+                          <m:r>
+                            <a:rPr lang="en-US" sz="2800" b="0" i="1" smtClean="0">
+                              <a:latin typeface="Cambria Math" panose="02040503050406030204" pitchFamily="18" charset="0"/>
+                            </a:rPr>
+                            <m:t>𝑛</m:t>
+                          </m:r>
+                        </m:e>
+                        <m:sub>
+                          <m:r>
+                            <a:rPr lang="en-US" sz="2800" b="0" i="1" smtClean="0">
+                              <a:latin typeface="Cambria Math" panose="02040503050406030204" pitchFamily="18" charset="0"/>
+                            </a:rPr>
+                            <m:t>2</m:t>
+                          </m:r>
+                        </m:sub>
+                      </m:sSub>
+                      <m:r>
+                        <a:rPr lang="en-US" sz="2800" b="0" i="1" smtClean="0">
+                          <a:latin typeface="Cambria Math" panose="02040503050406030204" pitchFamily="18" charset="0"/>
+                        </a:rPr>
+                        <m:t>)=</m:t>
+                      </m:r>
+                      <m:f>
+                        <m:fPr>
+                          <m:ctrlPr>
+                            <a:rPr lang="en-US" sz="2800" b="0" i="1" smtClean="0">
+                              <a:latin typeface="Cambria Math" panose="02040503050406030204" pitchFamily="18" charset="0"/>
+                            </a:rPr>
+                          </m:ctrlPr>
+                        </m:fPr>
+                        <m:num>
+                          <m:sSub>
+                            <m:sSubPr>
+                              <m:ctrlPr>
+                                <a:rPr lang="en-US" sz="2800" b="0" i="1" smtClean="0">
+                                  <a:latin typeface="Cambria Math" panose="02040503050406030204" pitchFamily="18" charset="0"/>
+                                </a:rPr>
+                              </m:ctrlPr>
+                            </m:sSubPr>
+                            <m:e>
+                              <m:r>
+                                <a:rPr lang="en-US" sz="2800" b="0" i="1" smtClean="0">
+                                  <a:latin typeface="Cambria Math" panose="02040503050406030204" pitchFamily="18" charset="0"/>
+                                </a:rPr>
+                                <m:t>𝐽</m:t>
+                              </m:r>
+                            </m:e>
+                            <m:sub>
+                              <m:r>
+                                <a:rPr lang="en-US" sz="2800" b="0" i="1" smtClean="0">
+                                  <a:latin typeface="Cambria Math" panose="02040503050406030204" pitchFamily="18" charset="0"/>
+                                </a:rPr>
+                                <m:t>1</m:t>
+                              </m:r>
+                            </m:sub>
+                          </m:sSub>
+                        </m:num>
+                        <m:den>
+                          <m:r>
+                            <a:rPr lang="en-US" sz="2800" b="0" i="1" smtClean="0">
+                              <a:latin typeface="Cambria Math" panose="02040503050406030204" pitchFamily="18" charset="0"/>
+                            </a:rPr>
+                            <m:t>𝑝</m:t>
+                          </m:r>
+                        </m:den>
+                      </m:f>
+                      <m:nary>
+                        <m:naryPr>
+                          <m:chr m:val="∑"/>
+                          <m:ctrlPr>
+                            <a:rPr lang="en-US" sz="2800" b="0" i="1" smtClean="0">
+                              <a:latin typeface="Cambria Math" panose="02040503050406030204" pitchFamily="18" charset="0"/>
+                            </a:rPr>
+                          </m:ctrlPr>
+                        </m:naryPr>
+                        <m:sub>
+                          <m:r>
+                            <m:rPr>
+                              <m:brk m:alnAt="23"/>
+                            </m:rPr>
+                            <a:rPr lang="en-US" sz="2800" b="0" i="1" smtClean="0">
+                              <a:latin typeface="Cambria Math" panose="02040503050406030204" pitchFamily="18" charset="0"/>
+                            </a:rPr>
+                            <m:t>𝑖</m:t>
+                          </m:r>
+                          <m:r>
+                            <a:rPr lang="en-US" sz="2800" b="0" i="1" smtClean="0">
+                              <a:latin typeface="Cambria Math" panose="02040503050406030204" pitchFamily="18" charset="0"/>
+                            </a:rPr>
+                            <m:t>=1</m:t>
+                          </m:r>
+                        </m:sub>
+                        <m:sup>
+                          <m:r>
+                            <a:rPr lang="en-US" sz="2800" b="0" i="1" smtClean="0">
+                              <a:latin typeface="Cambria Math" panose="02040503050406030204" pitchFamily="18" charset="0"/>
+                            </a:rPr>
+                            <m:t>𝑝</m:t>
+                          </m:r>
+                        </m:sup>
+                        <m:e>
+                          <m:r>
+                            <m:rPr>
+                              <m:sty m:val="p"/>
+                            </m:rPr>
+                            <a:rPr lang="en-US" sz="2800" b="0" i="0" smtClean="0">
+                              <a:latin typeface="Cambria Math" panose="02040503050406030204" pitchFamily="18" charset="0"/>
+                            </a:rPr>
+                            <m:t>cos</m:t>
+                          </m:r>
+                          <m:r>
+                            <a:rPr lang="en-US" sz="2800" b="0" i="1" smtClean="0">
+                              <a:latin typeface="Cambria Math" panose="02040503050406030204" pitchFamily="18" charset="0"/>
+                            </a:rPr>
+                            <m:t>⁡(</m:t>
+                          </m:r>
+                          <m:r>
+                            <m:rPr>
+                              <m:sty m:val="p"/>
+                            </m:rPr>
+                            <a:rPr lang="el-GR" altLang="zh-CN" sz="2800" i="1">
+                              <a:latin typeface="Cambria Math" panose="02040503050406030204" pitchFamily="18" charset="0"/>
+                              <a:ea typeface="Cambria Math" panose="02040503050406030204" pitchFamily="18" charset="0"/>
+                            </a:rPr>
+                            <m:t>Δ</m:t>
+                          </m:r>
+                          <m:sSub>
+                            <m:sSubPr>
+                              <m:ctrlPr>
+                                <a:rPr lang="en-US" altLang="zh-CN" sz="2800" i="1">
+                                  <a:latin typeface="Cambria Math" panose="02040503050406030204" pitchFamily="18" charset="0"/>
+                                  <a:ea typeface="Cambria Math" panose="02040503050406030204" pitchFamily="18" charset="0"/>
+                                </a:rPr>
+                              </m:ctrlPr>
+                            </m:sSubPr>
+                            <m:e>
+                              <m:r>
+                                <a:rPr lang="en-US" altLang="zh-CN" sz="2800" i="1">
+                                  <a:latin typeface="Cambria Math" panose="02040503050406030204" pitchFamily="18" charset="0"/>
+                                  <a:ea typeface="Cambria Math" panose="02040503050406030204" pitchFamily="18" charset="0"/>
+                                </a:rPr>
+                                <m:t>𝜃</m:t>
+                              </m:r>
+                            </m:e>
+                            <m:sub>
+                              <m:r>
+                                <a:rPr lang="en-US" altLang="zh-CN" sz="2800" b="0" i="1" smtClean="0">
+                                  <a:latin typeface="Cambria Math" panose="02040503050406030204" pitchFamily="18" charset="0"/>
+                                  <a:ea typeface="Cambria Math" panose="02040503050406030204" pitchFamily="18" charset="0"/>
+                                </a:rPr>
+                                <m:t>𝑖</m:t>
+                              </m:r>
+                            </m:sub>
+                          </m:sSub>
+                          <m:r>
+                            <a:rPr lang="en-US" sz="2800" b="0" i="1" smtClean="0">
+                              <a:latin typeface="Cambria Math" panose="02040503050406030204" pitchFamily="18" charset="0"/>
+                            </a:rPr>
+                            <m:t>)</m:t>
+                          </m:r>
+                        </m:e>
+                      </m:nary>
+                    </m:oMath>
+                  </m:oMathPara>
+                </a14:m>
+                <a:endParaRPr lang="en-US" sz="2800" dirty="0"/>
+              </a:p>
+            </p:txBody>
+          </p:sp>
+        </mc:Choice>
+        <mc:Fallback>
+          <p:sp>
+            <p:nvSpPr>
+              <p:cNvPr id="45" name="文本框 44">
+                <a:extLst>
+                  <a:ext uri="{FF2B5EF4-FFF2-40B4-BE49-F238E27FC236}">
+                    <a16:creationId xmlns:a16="http://schemas.microsoft.com/office/drawing/2014/main" id="{EEAFB739-23FE-402B-98F2-4435F1D00920}"/>
+                  </a:ext>
+                </a:extLst>
+              </p:cNvPr>
+              <p:cNvSpPr txBox="1">
+                <a:spLocks noRot="1" noChangeAspect="1" noMove="1" noResize="1" noEditPoints="1" noAdjustHandles="1" noChangeArrowheads="1" noChangeShapeType="1" noTextEdit="1"/>
+              </p:cNvSpPr>
+              <p:nvPr/>
+            </p:nvSpPr>
+            <p:spPr>
+              <a:xfrm>
+                <a:off x="2941907" y="5292955"/>
+                <a:ext cx="4282454" cy="1176219"/>
+              </a:xfrm>
+              <a:prstGeom prst="rect">
+                <a:avLst/>
+              </a:prstGeom>
+              <a:blipFill>
+                <a:blip r:embed="rId2"/>
+                <a:stretch>
+                  <a:fillRect/>
+                </a:stretch>
+              </a:blipFill>
+            </p:spPr>
+            <p:txBody>
+              <a:bodyPr/>
+              <a:lstStyle/>
+              <a:p>
+                <a:r>
+                  <a:rPr lang="en-US">
+                    <a:noFill/>
+                  </a:rPr>
+                  <a:t> </a:t>
+                </a:r>
+              </a:p>
+            </p:txBody>
+          </p:sp>
+        </mc:Fallback>
+      </mc:AlternateContent>
+      <p:sp>
+        <p:nvSpPr>
+          <p:cNvPr id="46" name="文本框 45">
+            <a:extLst>
+              <a:ext uri="{FF2B5EF4-FFF2-40B4-BE49-F238E27FC236}">
+                <a16:creationId xmlns:a16="http://schemas.microsoft.com/office/drawing/2014/main" id="{826D8EF0-E1CE-4E65-BF59-8D6E561D461C}"/>
+              </a:ext>
+            </a:extLst>
+          </p:cNvPr>
+          <p:cNvSpPr txBox="1"/>
+          <p:nvPr/>
+        </p:nvSpPr>
+        <p:spPr>
+          <a:xfrm>
+            <a:off x="2040404" y="4750517"/>
+            <a:ext cx="1181734" cy="461665"/>
+          </a:xfrm>
+          <a:prstGeom prst="rect">
+            <a:avLst/>
+          </a:prstGeom>
+          <a:noFill/>
+        </p:spPr>
+        <p:txBody>
+          <a:bodyPr wrap="none" rtlCol="0">
+            <a:spAutoFit/>
+          </a:bodyPr>
+          <a:lstStyle/>
+          <a:p>
+            <a:r>
+              <a:rPr lang="en-US" sz="2400" dirty="0"/>
+              <a:t>Map -1</a:t>
+            </a:r>
+          </a:p>
+        </p:txBody>
+      </p:sp>
+      <p:sp>
+        <p:nvSpPr>
+          <p:cNvPr id="47" name="文本框 46">
+            <a:extLst>
+              <a:ext uri="{FF2B5EF4-FFF2-40B4-BE49-F238E27FC236}">
+                <a16:creationId xmlns:a16="http://schemas.microsoft.com/office/drawing/2014/main" id="{EC466764-8DA2-4661-AF26-649DC19B0C0B}"/>
+              </a:ext>
+            </a:extLst>
+          </p:cNvPr>
+          <p:cNvSpPr txBox="1"/>
+          <p:nvPr/>
+        </p:nvSpPr>
+        <p:spPr>
+          <a:xfrm>
+            <a:off x="6711952" y="4889785"/>
+            <a:ext cx="1037463" cy="461665"/>
+          </a:xfrm>
+          <a:prstGeom prst="rect">
+            <a:avLst/>
+          </a:prstGeom>
+          <a:noFill/>
+        </p:spPr>
+        <p:txBody>
+          <a:bodyPr wrap="none" rtlCol="0">
+            <a:spAutoFit/>
+          </a:bodyPr>
+          <a:lstStyle/>
+          <a:p>
+            <a:r>
+              <a:rPr lang="en-US" sz="2400" dirty="0"/>
+              <a:t>Map 1</a:t>
+            </a:r>
+          </a:p>
+        </p:txBody>
+      </p:sp>
+      <p:sp>
+        <p:nvSpPr>
+          <p:cNvPr id="24" name="椭圆 23">
+            <a:extLst>
+              <a:ext uri="{FF2B5EF4-FFF2-40B4-BE49-F238E27FC236}">
+                <a16:creationId xmlns:a16="http://schemas.microsoft.com/office/drawing/2014/main" id="{DDF8A371-855E-4577-A702-AA916B6D7AFB}"/>
+              </a:ext>
+            </a:extLst>
+          </p:cNvPr>
+          <p:cNvSpPr/>
+          <p:nvPr/>
+        </p:nvSpPr>
+        <p:spPr>
+          <a:xfrm>
+            <a:off x="5175979" y="3176757"/>
+            <a:ext cx="243824" cy="243824"/>
+          </a:xfrm>
+          <a:prstGeom prst="ellipse">
+            <a:avLst/>
+          </a:prstGeom>
+        </p:spPr>
+        <p:style>
+          <a:lnRef idx="2">
+            <a:schemeClr val="accent3">
+              <a:shade val="50000"/>
+            </a:schemeClr>
+          </a:lnRef>
+          <a:fillRef idx="1">
+            <a:schemeClr val="accent3"/>
+          </a:fillRef>
+          <a:effectRef idx="0">
+            <a:schemeClr val="accent3"/>
+          </a:effectRef>
+          <a:fontRef idx="minor">
+            <a:schemeClr val="lt1"/>
+          </a:fontRef>
+        </p:style>
+        <p:txBody>
+          <a:bodyPr rtlCol="0" anchor="ctr"/>
+          <a:lstStyle/>
+          <a:p>
+            <a:pPr algn="ctr"/>
+            <a:endParaRPr lang="en-US"/>
+          </a:p>
+        </p:txBody>
+      </p:sp>
+      <p:sp>
+        <p:nvSpPr>
+          <p:cNvPr id="67" name="椭圆 66">
+            <a:extLst>
+              <a:ext uri="{FF2B5EF4-FFF2-40B4-BE49-F238E27FC236}">
+                <a16:creationId xmlns:a16="http://schemas.microsoft.com/office/drawing/2014/main" id="{519423BC-81F9-4707-A92C-BE628FEF913F}"/>
+              </a:ext>
+            </a:extLst>
+          </p:cNvPr>
+          <p:cNvSpPr/>
+          <p:nvPr/>
+        </p:nvSpPr>
+        <p:spPr>
+          <a:xfrm>
+            <a:off x="5519002" y="3176757"/>
+            <a:ext cx="243824" cy="243824"/>
+          </a:xfrm>
+          <a:prstGeom prst="ellipse">
+            <a:avLst/>
+          </a:prstGeom>
+        </p:spPr>
+        <p:style>
+          <a:lnRef idx="2">
+            <a:schemeClr val="accent3">
+              <a:shade val="50000"/>
+            </a:schemeClr>
+          </a:lnRef>
+          <a:fillRef idx="1">
+            <a:schemeClr val="accent3"/>
+          </a:fillRef>
+          <a:effectRef idx="0">
+            <a:schemeClr val="accent3"/>
+          </a:effectRef>
+          <a:fontRef idx="minor">
+            <a:schemeClr val="lt1"/>
+          </a:fontRef>
+        </p:style>
+        <p:txBody>
+          <a:bodyPr rtlCol="0" anchor="ctr"/>
+          <a:lstStyle/>
+          <a:p>
+            <a:pPr algn="ctr"/>
+            <a:endParaRPr lang="en-US"/>
+          </a:p>
+        </p:txBody>
+      </p:sp>
+      <p:sp>
+        <p:nvSpPr>
+          <p:cNvPr id="68" name="椭圆 67">
+            <a:extLst>
+              <a:ext uri="{FF2B5EF4-FFF2-40B4-BE49-F238E27FC236}">
+                <a16:creationId xmlns:a16="http://schemas.microsoft.com/office/drawing/2014/main" id="{694A7319-A338-43B3-8EB6-02C048536A38}"/>
+              </a:ext>
+            </a:extLst>
+          </p:cNvPr>
+          <p:cNvSpPr/>
+          <p:nvPr/>
+        </p:nvSpPr>
+        <p:spPr>
+          <a:xfrm>
+            <a:off x="5879534" y="3176757"/>
+            <a:ext cx="243824" cy="243824"/>
+          </a:xfrm>
+          <a:prstGeom prst="ellipse">
+            <a:avLst/>
+          </a:prstGeom>
+        </p:spPr>
+        <p:style>
+          <a:lnRef idx="2">
+            <a:schemeClr val="accent3">
+              <a:shade val="50000"/>
+            </a:schemeClr>
+          </a:lnRef>
+          <a:fillRef idx="1">
+            <a:schemeClr val="accent3"/>
+          </a:fillRef>
+          <a:effectRef idx="0">
+            <a:schemeClr val="accent3"/>
+          </a:effectRef>
+          <a:fontRef idx="minor">
+            <a:schemeClr val="lt1"/>
+          </a:fontRef>
+        </p:style>
+        <p:txBody>
+          <a:bodyPr rtlCol="0" anchor="ctr"/>
+          <a:lstStyle/>
+          <a:p>
+            <a:pPr algn="ctr"/>
+            <a:endParaRPr lang="en-US"/>
+          </a:p>
+        </p:txBody>
+      </p:sp>
+      <p:cxnSp>
+        <p:nvCxnSpPr>
+          <p:cNvPr id="69" name="直接连接符 68">
+            <a:extLst>
+              <a:ext uri="{FF2B5EF4-FFF2-40B4-BE49-F238E27FC236}">
+                <a16:creationId xmlns:a16="http://schemas.microsoft.com/office/drawing/2014/main" id="{4BB4684A-771F-45BB-90FC-8C06FA4D6F84}"/>
+              </a:ext>
+            </a:extLst>
+          </p:cNvPr>
+          <p:cNvCxnSpPr>
+            <a:cxnSpLocks/>
+            <a:endCxn id="4" idx="4"/>
+          </p:cNvCxnSpPr>
+          <p:nvPr/>
+        </p:nvCxnSpPr>
+        <p:spPr>
+          <a:xfrm flipV="1">
+            <a:off x="2824722" y="1149900"/>
+            <a:ext cx="806374" cy="915482"/>
+          </a:xfrm>
+          <a:prstGeom prst="line">
+            <a:avLst/>
+          </a:prstGeom>
+          <a:ln w="38100"/>
+        </p:spPr>
+        <p:style>
+          <a:lnRef idx="1">
+            <a:schemeClr val="accent1"/>
+          </a:lnRef>
+          <a:fillRef idx="0">
+            <a:schemeClr val="accent1"/>
+          </a:fillRef>
+          <a:effectRef idx="0">
+            <a:schemeClr val="accent1"/>
+          </a:effectRef>
+          <a:fontRef idx="minor">
+            <a:schemeClr val="tx1"/>
+          </a:fontRef>
+        </p:style>
+      </p:cxnSp>
+      <p:cxnSp>
+        <p:nvCxnSpPr>
+          <p:cNvPr id="70" name="直接连接符 69">
+            <a:extLst>
+              <a:ext uri="{FF2B5EF4-FFF2-40B4-BE49-F238E27FC236}">
+                <a16:creationId xmlns:a16="http://schemas.microsoft.com/office/drawing/2014/main" id="{1D7727AA-8C6E-4383-B03E-36453B258EDC}"/>
+              </a:ext>
+            </a:extLst>
+          </p:cNvPr>
+          <p:cNvCxnSpPr>
+            <a:cxnSpLocks/>
+          </p:cNvCxnSpPr>
+          <p:nvPr/>
+        </p:nvCxnSpPr>
+        <p:spPr>
+          <a:xfrm flipV="1">
+            <a:off x="3192448" y="1149900"/>
+            <a:ext cx="595116" cy="888722"/>
+          </a:xfrm>
+          <a:prstGeom prst="line">
+            <a:avLst/>
+          </a:prstGeom>
+          <a:ln w="38100"/>
+        </p:spPr>
+        <p:style>
+          <a:lnRef idx="1">
+            <a:schemeClr val="accent1"/>
+          </a:lnRef>
+          <a:fillRef idx="0">
+            <a:schemeClr val="accent1"/>
+          </a:fillRef>
+          <a:effectRef idx="0">
+            <a:schemeClr val="accent1"/>
+          </a:effectRef>
+          <a:fontRef idx="minor">
+            <a:schemeClr val="tx1"/>
+          </a:fontRef>
+        </p:style>
+      </p:cxnSp>
+      <p:cxnSp>
+        <p:nvCxnSpPr>
+          <p:cNvPr id="71" name="直接连接符 70">
+            <a:extLst>
+              <a:ext uri="{FF2B5EF4-FFF2-40B4-BE49-F238E27FC236}">
+                <a16:creationId xmlns:a16="http://schemas.microsoft.com/office/drawing/2014/main" id="{84B2FF11-68F0-4EDA-B47E-0AC6792FEB9A}"/>
+              </a:ext>
+            </a:extLst>
+          </p:cNvPr>
+          <p:cNvCxnSpPr>
+            <a:cxnSpLocks/>
+          </p:cNvCxnSpPr>
+          <p:nvPr/>
+        </p:nvCxnSpPr>
+        <p:spPr>
+          <a:xfrm flipV="1">
+            <a:off x="3515188" y="1149900"/>
+            <a:ext cx="419088" cy="772414"/>
+          </a:xfrm>
+          <a:prstGeom prst="line">
+            <a:avLst/>
+          </a:prstGeom>
+          <a:ln w="38100"/>
+        </p:spPr>
+        <p:style>
+          <a:lnRef idx="1">
+            <a:schemeClr val="accent1"/>
+          </a:lnRef>
+          <a:fillRef idx="0">
+            <a:schemeClr val="accent1"/>
+          </a:fillRef>
+          <a:effectRef idx="0">
+            <a:schemeClr val="accent1"/>
+          </a:effectRef>
+          <a:fontRef idx="minor">
+            <a:schemeClr val="tx1"/>
+          </a:fontRef>
+        </p:style>
+      </p:cxnSp>
+      <p:cxnSp>
+        <p:nvCxnSpPr>
+          <p:cNvPr id="72" name="直接连接符 71">
+            <a:extLst>
+              <a:ext uri="{FF2B5EF4-FFF2-40B4-BE49-F238E27FC236}">
+                <a16:creationId xmlns:a16="http://schemas.microsoft.com/office/drawing/2014/main" id="{608DE0D0-AF0D-4579-8407-54EF6DBB44B0}"/>
+              </a:ext>
+            </a:extLst>
+          </p:cNvPr>
+          <p:cNvCxnSpPr>
+            <a:cxnSpLocks/>
+          </p:cNvCxnSpPr>
+          <p:nvPr/>
+        </p:nvCxnSpPr>
+        <p:spPr>
+          <a:xfrm flipV="1">
+            <a:off x="3884181" y="1103434"/>
+            <a:ext cx="1679018" cy="1585604"/>
+          </a:xfrm>
+          <a:prstGeom prst="line">
+            <a:avLst/>
+          </a:prstGeom>
+          <a:ln w="38100"/>
+        </p:spPr>
+        <p:style>
+          <a:lnRef idx="1">
+            <a:schemeClr val="accent2"/>
+          </a:lnRef>
+          <a:fillRef idx="0">
+            <a:schemeClr val="accent2"/>
+          </a:fillRef>
+          <a:effectRef idx="0">
+            <a:schemeClr val="accent2"/>
+          </a:effectRef>
+          <a:fontRef idx="minor">
+            <a:schemeClr val="tx1"/>
+          </a:fontRef>
+        </p:style>
+      </p:cxnSp>
+      <p:cxnSp>
+        <p:nvCxnSpPr>
+          <p:cNvPr id="73" name="直接连接符 72">
+            <a:extLst>
+              <a:ext uri="{FF2B5EF4-FFF2-40B4-BE49-F238E27FC236}">
+                <a16:creationId xmlns:a16="http://schemas.microsoft.com/office/drawing/2014/main" id="{B0B86AD4-F72F-4E81-90E8-17D217F0DEE8}"/>
+              </a:ext>
+            </a:extLst>
+          </p:cNvPr>
+          <p:cNvCxnSpPr>
+            <a:cxnSpLocks/>
+          </p:cNvCxnSpPr>
+          <p:nvPr/>
+        </p:nvCxnSpPr>
+        <p:spPr>
+          <a:xfrm flipV="1">
+            <a:off x="4306799" y="1089543"/>
+            <a:ext cx="1508598" cy="1563052"/>
+          </a:xfrm>
+          <a:prstGeom prst="line">
+            <a:avLst/>
+          </a:prstGeom>
+          <a:ln w="38100"/>
+        </p:spPr>
+        <p:style>
+          <a:lnRef idx="1">
+            <a:schemeClr val="accent2"/>
+          </a:lnRef>
+          <a:fillRef idx="0">
+            <a:schemeClr val="accent2"/>
+          </a:fillRef>
+          <a:effectRef idx="0">
+            <a:schemeClr val="accent2"/>
+          </a:effectRef>
+          <a:fontRef idx="minor">
+            <a:schemeClr val="tx1"/>
+          </a:fontRef>
+        </p:style>
+      </p:cxnSp>
+      <p:cxnSp>
+        <p:nvCxnSpPr>
+          <p:cNvPr id="75" name="直接连接符 74">
+            <a:extLst>
+              <a:ext uri="{FF2B5EF4-FFF2-40B4-BE49-F238E27FC236}">
+                <a16:creationId xmlns:a16="http://schemas.microsoft.com/office/drawing/2014/main" id="{8C8559D2-2B55-4F18-880D-1265ECF3B510}"/>
+              </a:ext>
+            </a:extLst>
+          </p:cNvPr>
+          <p:cNvCxnSpPr>
+            <a:cxnSpLocks/>
+          </p:cNvCxnSpPr>
+          <p:nvPr/>
+        </p:nvCxnSpPr>
+        <p:spPr>
+          <a:xfrm flipV="1">
+            <a:off x="4874966" y="1089543"/>
+            <a:ext cx="1072562" cy="2547063"/>
+          </a:xfrm>
+          <a:prstGeom prst="line">
+            <a:avLst/>
+          </a:prstGeom>
+          <a:ln w="38100"/>
+        </p:spPr>
+        <p:style>
+          <a:lnRef idx="1">
+            <a:schemeClr val="accent2"/>
+          </a:lnRef>
+          <a:fillRef idx="0">
+            <a:schemeClr val="accent2"/>
+          </a:fillRef>
+          <a:effectRef idx="0">
+            <a:schemeClr val="accent2"/>
+          </a:effectRef>
+          <a:fontRef idx="minor">
+            <a:schemeClr val="tx1"/>
+          </a:fontRef>
+        </p:style>
+      </p:cxnSp>
+    </p:spTree>
+    <p:extLst>
+      <p:ext uri="{BB962C8B-B14F-4D97-AF65-F5344CB8AC3E}">
+        <p14:creationId xmlns:p14="http://schemas.microsoft.com/office/powerpoint/2010/main" val="873266185"/>
       </p:ext>
     </p:extLst>
   </p:cSld>
